--- a/Creating Your Literature Review - Research Strategies/ConductingLitReview.pptx
+++ b/Creating Your Literature Review - Research Strategies/ConductingLitReview.pptx
@@ -7,21 +7,26 @@
   <p:sldIdLst>
     <p:sldId id="256" r:id="rId2"/>
     <p:sldId id="261" r:id="rId3"/>
-    <p:sldId id="257" r:id="rId4"/>
-    <p:sldId id="258" r:id="rId5"/>
-    <p:sldId id="259" r:id="rId6"/>
-    <p:sldId id="268" r:id="rId7"/>
-    <p:sldId id="269" r:id="rId8"/>
+    <p:sldId id="277" r:id="rId4"/>
+    <p:sldId id="257" r:id="rId5"/>
+    <p:sldId id="280" r:id="rId6"/>
+    <p:sldId id="275" r:id="rId7"/>
+    <p:sldId id="278" r:id="rId8"/>
     <p:sldId id="265" r:id="rId9"/>
-    <p:sldId id="267" r:id="rId10"/>
-    <p:sldId id="273" r:id="rId11"/>
-    <p:sldId id="264" r:id="rId12"/>
-    <p:sldId id="271" r:id="rId13"/>
-    <p:sldId id="263" r:id="rId14"/>
-    <p:sldId id="270" r:id="rId15"/>
-    <p:sldId id="272" r:id="rId16"/>
-    <p:sldId id="274" r:id="rId17"/>
-    <p:sldId id="262" r:id="rId18"/>
+    <p:sldId id="258" r:id="rId10"/>
+    <p:sldId id="279" r:id="rId11"/>
+    <p:sldId id="259" r:id="rId12"/>
+    <p:sldId id="269" r:id="rId13"/>
+    <p:sldId id="276" r:id="rId14"/>
+    <p:sldId id="281" r:id="rId15"/>
+    <p:sldId id="262" r:id="rId16"/>
+    <p:sldId id="264" r:id="rId17"/>
+    <p:sldId id="271" r:id="rId18"/>
+    <p:sldId id="263" r:id="rId19"/>
+    <p:sldId id="270" r:id="rId20"/>
+    <p:sldId id="272" r:id="rId21"/>
+    <p:sldId id="274" r:id="rId22"/>
+    <p:sldId id="273" r:id="rId23"/>
   </p:sldIdLst>
   <p:sldSz cx="9144000" cy="5143500" type="screen16x9"/>
   <p:notesSz cx="6858000" cy="9144000"/>
@@ -1831,7 +1836,7 @@
               <a:pPr>
                 <a:defRPr/>
               </a:pPr>
-              <a:t>7/15/2019</a:t>
+              <a:t>9/21/2022</a:t>
             </a:fld>
             <a:endParaRPr lang="en-US"/>
           </a:p>
@@ -2037,7 +2042,7 @@
               <a:pPr>
                 <a:defRPr/>
               </a:pPr>
-              <a:t>7/15/2019</a:t>
+              <a:t>9/21/2022</a:t>
             </a:fld>
             <a:endParaRPr lang="en-US"/>
           </a:p>
@@ -2233,7 +2238,7 @@
               <a:pPr>
                 <a:defRPr/>
               </a:pPr>
-              <a:t>7/15/2019</a:t>
+              <a:t>9/21/2022</a:t>
             </a:fld>
             <a:endParaRPr lang="en-US"/>
           </a:p>
@@ -2506,7 +2511,7 @@
               <a:pPr>
                 <a:defRPr/>
               </a:pPr>
-              <a:t>7/15/2019</a:t>
+              <a:t>9/21/2022</a:t>
             </a:fld>
             <a:endParaRPr lang="en-US"/>
           </a:p>
@@ -2821,7 +2826,7 @@
               <a:pPr>
                 <a:defRPr/>
               </a:pPr>
-              <a:t>7/15/2019</a:t>
+              <a:t>9/21/2022</a:t>
             </a:fld>
             <a:endParaRPr lang="en-US"/>
           </a:p>
@@ -3269,7 +3274,7 @@
               <a:pPr>
                 <a:defRPr/>
               </a:pPr>
-              <a:t>7/15/2019</a:t>
+              <a:t>9/21/2022</a:t>
             </a:fld>
             <a:endParaRPr lang="en-US"/>
           </a:p>
@@ -3414,7 +3419,7 @@
               <a:pPr>
                 <a:defRPr/>
               </a:pPr>
-              <a:t>7/15/2019</a:t>
+              <a:t>9/21/2022</a:t>
             </a:fld>
             <a:endParaRPr lang="en-US"/>
           </a:p>
@@ -3536,7 +3541,7 @@
               <a:pPr>
                 <a:defRPr/>
               </a:pPr>
-              <a:t>7/15/2019</a:t>
+              <a:t>9/21/2022</a:t>
             </a:fld>
             <a:endParaRPr lang="en-US"/>
           </a:p>
@@ -3840,7 +3845,7 @@
               <a:pPr>
                 <a:defRPr/>
               </a:pPr>
-              <a:t>7/15/2019</a:t>
+              <a:t>9/21/2022</a:t>
             </a:fld>
             <a:endParaRPr lang="en-US"/>
           </a:p>
@@ -4125,7 +4130,7 @@
               <a:pPr>
                 <a:defRPr/>
               </a:pPr>
-              <a:t>7/15/2019</a:t>
+              <a:t>9/21/2022</a:t>
             </a:fld>
             <a:endParaRPr lang="en-US"/>
           </a:p>
@@ -4433,7 +4438,7 @@
               <a:pPr>
                 <a:defRPr/>
               </a:pPr>
-              <a:t>7/15/2019</a:t>
+              <a:t>9/21/2022</a:t>
             </a:fld>
             <a:endParaRPr lang="en-US" dirty="0"/>
           </a:p>
@@ -5034,7 +5039,7 @@
         <p:spPr/>
         <p:txBody>
           <a:bodyPr rtlCol="0">
-            <a:normAutofit/>
+            <a:normAutofit lnSpcReduction="10000"/>
           </a:bodyPr>
           <a:lstStyle/>
           <a:p>
@@ -5046,11 +5051,209 @@
             </a:pPr>
             <a:r>
               <a:rPr lang="es-MX" dirty="0">
+                <a:solidFill>
+                  <a:schemeClr val="tx1">
+                    <a:lumMod val="65000"/>
+                    <a:lumOff val="35000"/>
+                  </a:schemeClr>
+                </a:solidFill>
                 <a:ea typeface="+mn-ea"/>
               </a:rPr>
-              <a:t>Andrew R. Smolski and Shaun Bennet</a:t>
+              <a:t>Dr. Andrew R. Smolski</a:t>
+            </a:r>
+          </a:p>
+          <a:p>
+            <a:pPr fontAlgn="auto">
+              <a:spcAft>
+                <a:spcPts val="0"/>
+              </a:spcAft>
+              <a:defRPr/>
+            </a:pPr>
+            <a:r>
+              <a:rPr lang="es-MX" dirty="0">
+                <a:solidFill>
+                  <a:schemeClr val="tx1">
+                    <a:lumMod val="65000"/>
+                    <a:lumOff val="35000"/>
+                  </a:schemeClr>
+                </a:solidFill>
+                <a:ea typeface="+mn-ea"/>
+              </a:rPr>
+              <a:t>Postdoctoral </a:t>
+            </a:r>
+            <a:r>
+              <a:rPr lang="es-MX" dirty="0" err="1">
+                <a:solidFill>
+                  <a:schemeClr val="tx1">
+                    <a:lumMod val="65000"/>
+                    <a:lumOff val="35000"/>
+                  </a:schemeClr>
+                </a:solidFill>
+                <a:ea typeface="+mn-ea"/>
+              </a:rPr>
+              <a:t>Research</a:t>
+            </a:r>
+            <a:r>
+              <a:rPr lang="es-MX" dirty="0">
+                <a:solidFill>
+                  <a:schemeClr val="tx1">
+                    <a:lumMod val="65000"/>
+                    <a:lumOff val="35000"/>
+                  </a:schemeClr>
+                </a:solidFill>
+                <a:ea typeface="+mn-ea"/>
+              </a:rPr>
+              <a:t> </a:t>
+            </a:r>
+            <a:r>
+              <a:rPr lang="es-MX" dirty="0" err="1">
+                <a:solidFill>
+                  <a:schemeClr val="tx1">
+                    <a:lumMod val="65000"/>
+                    <a:lumOff val="35000"/>
+                  </a:schemeClr>
+                </a:solidFill>
+                <a:ea typeface="+mn-ea"/>
+              </a:rPr>
+              <a:t>Scholar</a:t>
+            </a:r>
+            <a:endParaRPr lang="es-MX" dirty="0">
+              <a:solidFill>
+                <a:schemeClr val="tx1">
+                  <a:lumMod val="65000"/>
+                  <a:lumOff val="35000"/>
+                </a:schemeClr>
+              </a:solidFill>
+              <a:ea typeface="+mn-ea"/>
+            </a:endParaRPr>
+          </a:p>
+          <a:p>
+            <a:pPr fontAlgn="auto">
+              <a:spcAft>
+                <a:spcPts val="0"/>
+              </a:spcAft>
+              <a:defRPr/>
+            </a:pPr>
+            <a:r>
+              <a:rPr lang="es-MX" dirty="0" err="1">
+                <a:solidFill>
+                  <a:schemeClr val="tx1">
+                    <a:lumMod val="65000"/>
+                    <a:lumOff val="35000"/>
+                  </a:schemeClr>
+                </a:solidFill>
+                <a:ea typeface="+mn-ea"/>
+              </a:rPr>
+              <a:t>Department</a:t>
+            </a:r>
+            <a:r>
+              <a:rPr lang="es-MX" dirty="0">
+                <a:solidFill>
+                  <a:schemeClr val="tx1">
+                    <a:lumMod val="65000"/>
+                    <a:lumOff val="35000"/>
+                  </a:schemeClr>
+                </a:solidFill>
+                <a:ea typeface="+mn-ea"/>
+              </a:rPr>
+              <a:t> </a:t>
+            </a:r>
+            <a:r>
+              <a:rPr lang="es-MX" dirty="0" err="1">
+                <a:solidFill>
+                  <a:schemeClr val="tx1">
+                    <a:lumMod val="65000"/>
+                    <a:lumOff val="35000"/>
+                  </a:schemeClr>
+                </a:solidFill>
+                <a:ea typeface="+mn-ea"/>
+              </a:rPr>
+              <a:t>of</a:t>
+            </a:r>
+            <a:r>
+              <a:rPr lang="es-MX" dirty="0">
+                <a:solidFill>
+                  <a:schemeClr val="tx1">
+                    <a:lumMod val="65000"/>
+                    <a:lumOff val="35000"/>
+                  </a:schemeClr>
+                </a:solidFill>
+                <a:ea typeface="+mn-ea"/>
+              </a:rPr>
+              <a:t> </a:t>
+            </a:r>
+            <a:r>
+              <a:rPr lang="es-MX" dirty="0" err="1">
+                <a:solidFill>
+                  <a:schemeClr val="tx1">
+                    <a:lumMod val="65000"/>
+                    <a:lumOff val="35000"/>
+                  </a:schemeClr>
+                </a:solidFill>
+                <a:ea typeface="+mn-ea"/>
+              </a:rPr>
+              <a:t>Agricultural</a:t>
+            </a:r>
+            <a:r>
+              <a:rPr lang="es-MX" dirty="0">
+                <a:solidFill>
+                  <a:schemeClr val="tx1">
+                    <a:lumMod val="65000"/>
+                    <a:lumOff val="35000"/>
+                  </a:schemeClr>
+                </a:solidFill>
+                <a:ea typeface="+mn-ea"/>
+              </a:rPr>
+              <a:t> and Human </a:t>
+            </a:r>
+            <a:r>
+              <a:rPr lang="es-MX" dirty="0" err="1">
+                <a:solidFill>
+                  <a:schemeClr val="tx1">
+                    <a:lumMod val="65000"/>
+                    <a:lumOff val="35000"/>
+                  </a:schemeClr>
+                </a:solidFill>
+                <a:ea typeface="+mn-ea"/>
+              </a:rPr>
+              <a:t>Sciences</a:t>
+            </a:r>
+            <a:endParaRPr lang="es-MX" dirty="0">
+              <a:solidFill>
+                <a:schemeClr val="tx1">
+                  <a:lumMod val="65000"/>
+                  <a:lumOff val="35000"/>
+                </a:schemeClr>
+              </a:solidFill>
+              <a:ea typeface="+mn-ea"/>
+            </a:endParaRPr>
+          </a:p>
+          <a:p>
+            <a:pPr fontAlgn="auto">
+              <a:spcAft>
+                <a:spcPts val="0"/>
+              </a:spcAft>
+              <a:defRPr/>
+            </a:pPr>
+            <a:r>
+              <a:rPr lang="es-MX" dirty="0">
+                <a:solidFill>
+                  <a:schemeClr val="tx1">
+                    <a:lumMod val="65000"/>
+                    <a:lumOff val="35000"/>
+                  </a:schemeClr>
+                </a:solidFill>
+                <a:ea typeface="+mn-ea"/>
+              </a:rPr>
+              <a:t>arsmolsk@ncsu.edu</a:t>
             </a:r>
             <a:endParaRPr lang="en-US" dirty="0">
+              <a:solidFill>
+                <a:schemeClr val="tx1">
+                  <a:lumMod val="65000"/>
+                  <a:lumOff val="35000"/>
+                </a:schemeClr>
+              </a:solidFill>
               <a:ea typeface="+mn-ea"/>
             </a:endParaRPr>
           </a:p>
@@ -5086,7 +5289,7 @@
           <p:cNvPr id="2" name="Title 1">
             <a:extLst>
               <a:ext uri="{FF2B5EF4-FFF2-40B4-BE49-F238E27FC236}">
-                <a16:creationId xmlns:a16="http://schemas.microsoft.com/office/drawing/2014/main" id="{2DDF428A-04A8-4D63-A943-C70838B54228}"/>
+                <a16:creationId xmlns:a16="http://schemas.microsoft.com/office/drawing/2014/main" id="{FE390CD6-85E2-FB08-BDA5-87381F46DCB9}"/>
               </a:ext>
             </a:extLst>
           </p:cNvPr>
@@ -5104,31 +5307,86 @@
           <a:p>
             <a:r>
               <a:rPr lang="en-US" dirty="0"/>
-              <a:t>Warming Up</a:t>
+              <a:t>Search Tricks</a:t>
             </a:r>
           </a:p>
         </p:txBody>
       </p:sp>
       <p:sp>
         <p:nvSpPr>
-          <p:cNvPr id="4" name="Rectangle 3">
+          <p:cNvPr id="3" name="Content Placeholder 2">
             <a:extLst>
               <a:ext uri="{FF2B5EF4-FFF2-40B4-BE49-F238E27FC236}">
-                <a16:creationId xmlns:a16="http://schemas.microsoft.com/office/drawing/2014/main" id="{C925F89A-6F96-480E-BF35-D556DC401627}"/>
+                <a16:creationId xmlns:a16="http://schemas.microsoft.com/office/drawing/2014/main" id="{703F9ACF-467E-838F-F5E6-C6D8F84D00BB}"/>
               </a:ext>
             </a:extLst>
           </p:cNvPr>
-          <p:cNvSpPr/>
+          <p:cNvSpPr>
+            <a:spLocks noGrp="1"/>
+          </p:cNvSpPr>
+          <p:nvPr>
+            <p:ph idx="1"/>
+          </p:nvPr>
+        </p:nvSpPr>
+        <p:spPr>
+          <a:xfrm>
+            <a:off x="344658" y="1750970"/>
+            <a:ext cx="2342271" cy="2327672"/>
+          </a:xfrm>
+        </p:spPr>
+        <p:txBody>
+          <a:bodyPr/>
+          <a:lstStyle/>
+          <a:p>
+            <a:r>
+              <a:rPr lang="en-US" dirty="0"/>
+              <a:t>AND – both/and </a:t>
+            </a:r>
+          </a:p>
+          <a:p>
+            <a:endParaRPr lang="en-US" dirty="0"/>
+          </a:p>
+          <a:p>
+            <a:r>
+              <a:rPr lang="en-US" dirty="0"/>
+              <a:t>OR – either/or </a:t>
+            </a:r>
+          </a:p>
+          <a:p>
+            <a:endParaRPr lang="en-US" dirty="0"/>
+          </a:p>
+          <a:p>
+            <a:r>
+              <a:rPr lang="en-US" dirty="0"/>
+              <a:t>NOT – exclude </a:t>
+            </a:r>
+          </a:p>
+          <a:p>
+            <a:endParaRPr lang="en-US" dirty="0"/>
+          </a:p>
+        </p:txBody>
+      </p:sp>
+      <p:sp>
+        <p:nvSpPr>
+          <p:cNvPr id="5" name="TextBox 4">
+            <a:extLst>
+              <a:ext uri="{FF2B5EF4-FFF2-40B4-BE49-F238E27FC236}">
+                <a16:creationId xmlns:a16="http://schemas.microsoft.com/office/drawing/2014/main" id="{90E85E75-86E6-DFED-886A-E9EED527C416}"/>
+              </a:ext>
+            </a:extLst>
+          </p:cNvPr>
+          <p:cNvSpPr txBox="1"/>
           <p:nvPr/>
         </p:nvSpPr>
         <p:spPr>
           <a:xfrm>
-            <a:off x="672123" y="2156251"/>
-            <a:ext cx="7799754" cy="2246769"/>
+            <a:off x="3362178" y="1748918"/>
+            <a:ext cx="2961248" cy="2585323"/>
           </a:xfrm>
           <a:prstGeom prst="rect">
             <a:avLst/>
           </a:prstGeom>
+          <a:noFill/>
         </p:spPr>
         <p:txBody>
           <a:bodyPr wrap="square">
@@ -5136,50 +5394,207 @@
           </a:bodyPr>
           <a:lstStyle/>
           <a:p>
-            <a:pPr marL="0" indent="0">
-              <a:buNone/>
+            <a:pPr marL="285750" indent="-285750">
+              <a:buFont typeface="Arial" panose="020B0604020202020204" pitchFamily="34" charset="0"/>
+              <a:buChar char="•"/>
             </a:pPr>
             <a:r>
-              <a:rPr lang="en-US" sz="2000" dirty="0"/>
-              <a:t>Pull out a pen and paper. Take a moment, and think about the following question: </a:t>
-            </a:r>
-          </a:p>
-          <a:p>
-            <a:pPr marL="0" indent="0">
-              <a:buNone/>
+              <a:rPr lang="en-US" dirty="0"/>
+              <a:t>“…” – exact words </a:t>
+            </a:r>
+          </a:p>
+          <a:p>
+            <a:pPr marL="285750" indent="-285750">
+              <a:buFont typeface="Arial" panose="020B0604020202020204" pitchFamily="34" charset="0"/>
+              <a:buChar char="•"/>
             </a:pPr>
-            <a:endParaRPr lang="en-US" sz="2000" dirty="0"/>
-          </a:p>
-          <a:p>
-            <a:pPr marL="0" indent="0">
-              <a:buNone/>
+            <a:endParaRPr lang="en-US" dirty="0"/>
+          </a:p>
+          <a:p>
+            <a:pPr marL="285750" indent="-285750">
+              <a:buFont typeface="Arial" panose="020B0604020202020204" pitchFamily="34" charset="0"/>
+              <a:buChar char="•"/>
             </a:pPr>
             <a:r>
-              <a:rPr lang="en-US" sz="2000" dirty="0"/>
-              <a:t>What is your writing process for a literature review?  </a:t>
-            </a:r>
-          </a:p>
-          <a:p>
-            <a:pPr marL="0" indent="0">
-              <a:buNone/>
+              <a:rPr lang="en-US" dirty="0"/>
+              <a:t>Farm* - will search for farm, farmer, farming, farms (uses the root) </a:t>
+            </a:r>
+          </a:p>
+          <a:p>
+            <a:pPr marL="285750" indent="-285750">
+              <a:buFont typeface="Arial" panose="020B0604020202020204" pitchFamily="34" charset="0"/>
+              <a:buChar char="•"/>
             </a:pPr>
-            <a:endParaRPr lang="en-US" sz="2000" dirty="0"/>
-          </a:p>
-          <a:p>
-            <a:pPr marL="0" indent="0">
-              <a:buNone/>
+            <a:endParaRPr lang="en-US" dirty="0"/>
+          </a:p>
+          <a:p>
+            <a:pPr marL="285750" indent="-285750">
+              <a:buFont typeface="Arial" panose="020B0604020202020204" pitchFamily="34" charset="0"/>
+              <a:buChar char="•"/>
             </a:pPr>
             <a:r>
-              <a:rPr lang="en-US" sz="2000" dirty="0"/>
-              <a:t>Then, write down a few of the ideas that come to you. We will share these to start our conversation. </a:t>
-            </a:r>
+              <a:rPr lang="en-US" dirty="0"/>
+              <a:t>~  - add a number to search for two terms in proximity within text </a:t>
+            </a:r>
+          </a:p>
+        </p:txBody>
+      </p:sp>
+      <p:cxnSp>
+        <p:nvCxnSpPr>
+          <p:cNvPr id="7" name="Straight Connector 6">
+            <a:extLst>
+              <a:ext uri="{FF2B5EF4-FFF2-40B4-BE49-F238E27FC236}">
+                <a16:creationId xmlns:a16="http://schemas.microsoft.com/office/drawing/2014/main" id="{88F647B6-BBBF-BB35-5C8A-2D7BC05AC8C4}"/>
+              </a:ext>
+            </a:extLst>
+          </p:cNvPr>
+          <p:cNvCxnSpPr>
+            <a:cxnSpLocks/>
+          </p:cNvCxnSpPr>
+          <p:nvPr/>
+        </p:nvCxnSpPr>
+        <p:spPr>
+          <a:xfrm>
+            <a:off x="3080824" y="1427138"/>
+            <a:ext cx="0" cy="3531723"/>
+          </a:xfrm>
+          <a:prstGeom prst="line">
+            <a:avLst/>
+          </a:prstGeom>
+        </p:spPr>
+        <p:style>
+          <a:lnRef idx="2">
+            <a:schemeClr val="dk1"/>
+          </a:lnRef>
+          <a:fillRef idx="0">
+            <a:schemeClr val="dk1"/>
+          </a:fillRef>
+          <a:effectRef idx="1">
+            <a:schemeClr val="dk1"/>
+          </a:effectRef>
+          <a:fontRef idx="minor">
+            <a:schemeClr val="tx1"/>
+          </a:fontRef>
+        </p:style>
+      </p:cxnSp>
+      <p:cxnSp>
+        <p:nvCxnSpPr>
+          <p:cNvPr id="8" name="Straight Connector 7">
+            <a:extLst>
+              <a:ext uri="{FF2B5EF4-FFF2-40B4-BE49-F238E27FC236}">
+                <a16:creationId xmlns:a16="http://schemas.microsoft.com/office/drawing/2014/main" id="{95B226F1-DF2A-2A00-26B9-F5E7FC8C216A}"/>
+              </a:ext>
+            </a:extLst>
+          </p:cNvPr>
+          <p:cNvCxnSpPr>
+            <a:cxnSpLocks/>
+          </p:cNvCxnSpPr>
+          <p:nvPr/>
+        </p:nvCxnSpPr>
+        <p:spPr>
+          <a:xfrm>
+            <a:off x="6506306" y="1476375"/>
+            <a:ext cx="0" cy="3531723"/>
+          </a:xfrm>
+          <a:prstGeom prst="line">
+            <a:avLst/>
+          </a:prstGeom>
+        </p:spPr>
+        <p:style>
+          <a:lnRef idx="2">
+            <a:schemeClr val="dk1"/>
+          </a:lnRef>
+          <a:fillRef idx="0">
+            <a:schemeClr val="dk1"/>
+          </a:fillRef>
+          <a:effectRef idx="1">
+            <a:schemeClr val="dk1"/>
+          </a:effectRef>
+          <a:fontRef idx="minor">
+            <a:schemeClr val="tx1"/>
+          </a:fontRef>
+        </p:style>
+      </p:cxnSp>
+      <p:sp>
+        <p:nvSpPr>
+          <p:cNvPr id="9" name="TextBox 8">
+            <a:extLst>
+              <a:ext uri="{FF2B5EF4-FFF2-40B4-BE49-F238E27FC236}">
+                <a16:creationId xmlns:a16="http://schemas.microsoft.com/office/drawing/2014/main" id="{48ADBA14-9CC7-73F5-7B80-8265157D5CA7}"/>
+              </a:ext>
+            </a:extLst>
+          </p:cNvPr>
+          <p:cNvSpPr txBox="1"/>
+          <p:nvPr/>
+        </p:nvSpPr>
+        <p:spPr>
+          <a:xfrm>
+            <a:off x="6588369" y="1748918"/>
+            <a:ext cx="2443086" cy="2585323"/>
+          </a:xfrm>
+          <a:prstGeom prst="rect">
+            <a:avLst/>
+          </a:prstGeom>
+          <a:noFill/>
+        </p:spPr>
+        <p:txBody>
+          <a:bodyPr wrap="square">
+            <a:spAutoFit/>
+          </a:bodyPr>
+          <a:lstStyle/>
+          <a:p>
+            <a:pPr marL="285750" indent="-285750">
+              <a:buFont typeface="Arial" panose="020B0604020202020204" pitchFamily="34" charset="0"/>
+              <a:buChar char="•"/>
+            </a:pPr>
+            <a:r>
+              <a:rPr lang="en-US" dirty="0"/>
+              <a:t>Use the sidebar </a:t>
+            </a:r>
+          </a:p>
+          <a:p>
+            <a:pPr marL="285750" indent="-285750">
+              <a:buFont typeface="Arial" panose="020B0604020202020204" pitchFamily="34" charset="0"/>
+              <a:buChar char="•"/>
+            </a:pPr>
+            <a:endParaRPr lang="en-US" dirty="0"/>
+          </a:p>
+          <a:p>
+            <a:pPr marL="285750" indent="-285750">
+              <a:buFont typeface="Arial" panose="020B0604020202020204" pitchFamily="34" charset="0"/>
+              <a:buChar char="•"/>
+            </a:pPr>
+            <a:r>
+              <a:rPr lang="en-US" dirty="0"/>
+              <a:t>Adjust for years, discipline, subject terms, peer reviewed, etc.</a:t>
+            </a:r>
+          </a:p>
+          <a:p>
+            <a:endParaRPr lang="en-US" dirty="0"/>
+          </a:p>
+          <a:p>
+            <a:pPr marL="285750" indent="-285750">
+              <a:buFont typeface="Arial" panose="020B0604020202020204" pitchFamily="34" charset="0"/>
+              <a:buChar char="•"/>
+            </a:pPr>
+            <a:r>
+              <a:rPr lang="en-US" dirty="0"/>
+              <a:t> </a:t>
+            </a:r>
+          </a:p>
+          <a:p>
+            <a:pPr marL="285750" indent="-285750">
+              <a:buFont typeface="Arial" panose="020B0604020202020204" pitchFamily="34" charset="0"/>
+              <a:buChar char="•"/>
+            </a:pPr>
+            <a:endParaRPr lang="en-US" dirty="0"/>
           </a:p>
         </p:txBody>
       </p:sp>
     </p:spTree>
     <p:extLst>
       <p:ext uri="{BB962C8B-B14F-4D97-AF65-F5344CB8AC3E}">
-        <p14:creationId xmlns:p14="http://schemas.microsoft.com/office/powerpoint/2010/main" val="3286306561"/>
+        <p14:creationId xmlns:p14="http://schemas.microsoft.com/office/powerpoint/2010/main" val="3812958506"/>
       </p:ext>
     </p:extLst>
   </p:cSld>
@@ -5190,6 +5605,2405 @@
 </file>
 
 <file path=ppt/slides/slide11.xml><?xml version="1.0" encoding="utf-8"?>
+<p:sld xmlns:a="http://schemas.openxmlformats.org/drawingml/2006/main" xmlns:r="http://schemas.openxmlformats.org/officeDocument/2006/relationships" xmlns:p="http://schemas.openxmlformats.org/presentationml/2006/main">
+  <p:cSld>
+    <p:spTree>
+      <p:nvGrpSpPr>
+        <p:cNvPr id="1" name=""/>
+        <p:cNvGrpSpPr/>
+        <p:nvPr/>
+      </p:nvGrpSpPr>
+      <p:grpSpPr>
+        <a:xfrm>
+          <a:off x="0" y="0"/>
+          <a:ext cx="0" cy="0"/>
+          <a:chOff x="0" y="0"/>
+          <a:chExt cx="0" cy="0"/>
+        </a:xfrm>
+      </p:grpSpPr>
+      <p:sp>
+        <p:nvSpPr>
+          <p:cNvPr id="2" name="Title 1">
+            <a:extLst>
+              <a:ext uri="{FF2B5EF4-FFF2-40B4-BE49-F238E27FC236}">
+                <a16:creationId xmlns:a16="http://schemas.microsoft.com/office/drawing/2014/main" id="{7279F23A-39EE-4A73-B2F7-F88C9AF09A2A}"/>
+              </a:ext>
+            </a:extLst>
+          </p:cNvPr>
+          <p:cNvSpPr>
+            <a:spLocks noGrp="1"/>
+          </p:cNvSpPr>
+          <p:nvPr>
+            <p:ph type="title"/>
+          </p:nvPr>
+        </p:nvSpPr>
+        <p:spPr/>
+        <p:txBody>
+          <a:bodyPr/>
+          <a:lstStyle/>
+          <a:p>
+            <a:r>
+              <a:rPr lang="en-US" dirty="0"/>
+              <a:t>Systematic Search</a:t>
+            </a:r>
+          </a:p>
+        </p:txBody>
+      </p:sp>
+      <p:sp>
+        <p:nvSpPr>
+          <p:cNvPr id="3" name="Content Placeholder 2">
+            <a:extLst>
+              <a:ext uri="{FF2B5EF4-FFF2-40B4-BE49-F238E27FC236}">
+                <a16:creationId xmlns:a16="http://schemas.microsoft.com/office/drawing/2014/main" id="{F6617704-4534-4A33-9194-88266D939FF7}"/>
+              </a:ext>
+            </a:extLst>
+          </p:cNvPr>
+          <p:cNvSpPr>
+            <a:spLocks noGrp="1"/>
+          </p:cNvSpPr>
+          <p:nvPr>
+            <p:ph idx="1"/>
+          </p:nvPr>
+        </p:nvSpPr>
+        <p:spPr>
+          <a:xfrm>
+            <a:off x="1485900" y="1847447"/>
+            <a:ext cx="6172200" cy="533400"/>
+          </a:xfrm>
+        </p:spPr>
+        <p:txBody>
+          <a:bodyPr/>
+          <a:lstStyle/>
+          <a:p>
+            <a:pPr marL="0" indent="0">
+              <a:buNone/>
+            </a:pPr>
+            <a:r>
+              <a:rPr lang="en-US" sz="2400" dirty="0"/>
+              <a:t>Providing clear parameters for your search </a:t>
+            </a:r>
+          </a:p>
+        </p:txBody>
+      </p:sp>
+      <p:sp>
+        <p:nvSpPr>
+          <p:cNvPr id="4" name="Rectangle 3">
+            <a:extLst>
+              <a:ext uri="{FF2B5EF4-FFF2-40B4-BE49-F238E27FC236}">
+                <a16:creationId xmlns:a16="http://schemas.microsoft.com/office/drawing/2014/main" id="{377999BF-8FC8-4C1D-8588-77E3FFA78A1C}"/>
+              </a:ext>
+            </a:extLst>
+          </p:cNvPr>
+          <p:cNvSpPr/>
+          <p:nvPr/>
+        </p:nvSpPr>
+        <p:spPr>
+          <a:xfrm>
+            <a:off x="2001969" y="2354329"/>
+            <a:ext cx="3215367" cy="400110"/>
+          </a:xfrm>
+          <a:prstGeom prst="rect">
+            <a:avLst/>
+          </a:prstGeom>
+        </p:spPr>
+        <p:txBody>
+          <a:bodyPr wrap="none">
+            <a:spAutoFit/>
+          </a:bodyPr>
+          <a:lstStyle/>
+          <a:p>
+            <a:r>
+              <a:rPr lang="en-US" sz="2000" dirty="0"/>
+              <a:t>Pick an exact set of keywords</a:t>
+            </a:r>
+          </a:p>
+        </p:txBody>
+      </p:sp>
+      <p:sp>
+        <p:nvSpPr>
+          <p:cNvPr id="5" name="Rectangle 4">
+            <a:extLst>
+              <a:ext uri="{FF2B5EF4-FFF2-40B4-BE49-F238E27FC236}">
+                <a16:creationId xmlns:a16="http://schemas.microsoft.com/office/drawing/2014/main" id="{553A81B8-CDD4-4AEF-A2B6-61C4B0351301}"/>
+              </a:ext>
+            </a:extLst>
+          </p:cNvPr>
+          <p:cNvSpPr/>
+          <p:nvPr/>
+        </p:nvSpPr>
+        <p:spPr>
+          <a:xfrm>
+            <a:off x="2001969" y="2755327"/>
+            <a:ext cx="6037102" cy="400110"/>
+          </a:xfrm>
+          <a:prstGeom prst="rect">
+            <a:avLst/>
+          </a:prstGeom>
+        </p:spPr>
+        <p:txBody>
+          <a:bodyPr wrap="none">
+            <a:spAutoFit/>
+          </a:bodyPr>
+          <a:lstStyle/>
+          <a:p>
+            <a:r>
+              <a:rPr lang="en-US" sz="2000" dirty="0"/>
+              <a:t>Pick a set of journals that typically publish on your topic </a:t>
+            </a:r>
+          </a:p>
+        </p:txBody>
+      </p:sp>
+      <p:sp>
+        <p:nvSpPr>
+          <p:cNvPr id="6" name="Rectangle 5">
+            <a:extLst>
+              <a:ext uri="{FF2B5EF4-FFF2-40B4-BE49-F238E27FC236}">
+                <a16:creationId xmlns:a16="http://schemas.microsoft.com/office/drawing/2014/main" id="{A3FEE01A-643B-4369-8053-F18BF30E8320}"/>
+              </a:ext>
+            </a:extLst>
+          </p:cNvPr>
+          <p:cNvSpPr/>
+          <p:nvPr/>
+        </p:nvSpPr>
+        <p:spPr>
+          <a:xfrm>
+            <a:off x="2001969" y="3703920"/>
+            <a:ext cx="4037003" cy="400110"/>
+          </a:xfrm>
+          <a:prstGeom prst="rect">
+            <a:avLst/>
+          </a:prstGeom>
+        </p:spPr>
+        <p:txBody>
+          <a:bodyPr wrap="none">
+            <a:spAutoFit/>
+          </a:bodyPr>
+          <a:lstStyle/>
+          <a:p>
+            <a:r>
+              <a:rPr lang="en-US" sz="2000" dirty="0"/>
+              <a:t>Pick a timeframe to pull articles from</a:t>
+            </a:r>
+          </a:p>
+        </p:txBody>
+      </p:sp>
+      <p:sp>
+        <p:nvSpPr>
+          <p:cNvPr id="7" name="Rectangle 6">
+            <a:extLst>
+              <a:ext uri="{FF2B5EF4-FFF2-40B4-BE49-F238E27FC236}">
+                <a16:creationId xmlns:a16="http://schemas.microsoft.com/office/drawing/2014/main" id="{3580BC7F-ADCC-46B3-899C-499FA5607F9B}"/>
+              </a:ext>
+            </a:extLst>
+          </p:cNvPr>
+          <p:cNvSpPr/>
+          <p:nvPr/>
+        </p:nvSpPr>
+        <p:spPr>
+          <a:xfrm>
+            <a:off x="2529742" y="3076655"/>
+            <a:ext cx="3429000" cy="369332"/>
+          </a:xfrm>
+          <a:prstGeom prst="rect">
+            <a:avLst/>
+          </a:prstGeom>
+        </p:spPr>
+        <p:txBody>
+          <a:bodyPr>
+            <a:spAutoFit/>
+          </a:bodyPr>
+          <a:lstStyle/>
+          <a:p>
+            <a:r>
+              <a:rPr lang="en-US" dirty="0"/>
+              <a:t>Within discipline</a:t>
+            </a:r>
+          </a:p>
+        </p:txBody>
+      </p:sp>
+      <p:sp>
+        <p:nvSpPr>
+          <p:cNvPr id="8" name="Rectangle 7">
+            <a:extLst>
+              <a:ext uri="{FF2B5EF4-FFF2-40B4-BE49-F238E27FC236}">
+                <a16:creationId xmlns:a16="http://schemas.microsoft.com/office/drawing/2014/main" id="{4C073AD7-4018-4708-AA4C-ECE5F6411902}"/>
+              </a:ext>
+            </a:extLst>
+          </p:cNvPr>
+          <p:cNvSpPr/>
+          <p:nvPr/>
+        </p:nvSpPr>
+        <p:spPr>
+          <a:xfrm>
+            <a:off x="2529742" y="3409488"/>
+            <a:ext cx="3429000" cy="369332"/>
+          </a:xfrm>
+          <a:prstGeom prst="rect">
+            <a:avLst/>
+          </a:prstGeom>
+        </p:spPr>
+        <p:txBody>
+          <a:bodyPr>
+            <a:spAutoFit/>
+          </a:bodyPr>
+          <a:lstStyle/>
+          <a:p>
+            <a:r>
+              <a:rPr lang="en-US" dirty="0"/>
+              <a:t>Interdisciplinary </a:t>
+            </a:r>
+          </a:p>
+        </p:txBody>
+      </p:sp>
+      <p:sp>
+        <p:nvSpPr>
+          <p:cNvPr id="9" name="Rectangle 8">
+            <a:extLst>
+              <a:ext uri="{FF2B5EF4-FFF2-40B4-BE49-F238E27FC236}">
+                <a16:creationId xmlns:a16="http://schemas.microsoft.com/office/drawing/2014/main" id="{50B092B8-E352-4834-A4D6-1EEC0B8F8988}"/>
+              </a:ext>
+            </a:extLst>
+          </p:cNvPr>
+          <p:cNvSpPr/>
+          <p:nvPr/>
+        </p:nvSpPr>
+        <p:spPr>
+          <a:xfrm>
+            <a:off x="2529742" y="4025247"/>
+            <a:ext cx="3429000" cy="369332"/>
+          </a:xfrm>
+          <a:prstGeom prst="rect">
+            <a:avLst/>
+          </a:prstGeom>
+        </p:spPr>
+        <p:txBody>
+          <a:bodyPr>
+            <a:spAutoFit/>
+          </a:bodyPr>
+          <a:lstStyle/>
+          <a:p>
+            <a:r>
+              <a:rPr lang="es-MX" dirty="0"/>
+              <a:t>H</a:t>
+            </a:r>
+            <a:r>
+              <a:rPr lang="en-US" dirty="0" err="1"/>
+              <a:t>istory</a:t>
+            </a:r>
+            <a:r>
+              <a:rPr lang="en-US" dirty="0"/>
+              <a:t> of the topic </a:t>
+            </a:r>
+          </a:p>
+        </p:txBody>
+      </p:sp>
+      <p:sp>
+        <p:nvSpPr>
+          <p:cNvPr id="10" name="Rectangle 9">
+            <a:extLst>
+              <a:ext uri="{FF2B5EF4-FFF2-40B4-BE49-F238E27FC236}">
+                <a16:creationId xmlns:a16="http://schemas.microsoft.com/office/drawing/2014/main" id="{CD373EB1-2614-4574-AA83-4FC05660CF39}"/>
+              </a:ext>
+            </a:extLst>
+          </p:cNvPr>
+          <p:cNvSpPr/>
+          <p:nvPr/>
+        </p:nvSpPr>
+        <p:spPr>
+          <a:xfrm>
+            <a:off x="2529742" y="4379325"/>
+            <a:ext cx="3429000" cy="369332"/>
+          </a:xfrm>
+          <a:prstGeom prst="rect">
+            <a:avLst/>
+          </a:prstGeom>
+        </p:spPr>
+        <p:txBody>
+          <a:bodyPr>
+            <a:spAutoFit/>
+          </a:bodyPr>
+          <a:lstStyle/>
+          <a:p>
+            <a:r>
+              <a:rPr lang="es-MX" dirty="0" err="1"/>
+              <a:t>Contemporary</a:t>
+            </a:r>
+            <a:r>
+              <a:rPr lang="es-MX" dirty="0"/>
+              <a:t> </a:t>
+            </a:r>
+            <a:r>
+              <a:rPr lang="es-MX" dirty="0" err="1"/>
+              <a:t>state</a:t>
+            </a:r>
+            <a:r>
+              <a:rPr lang="es-MX" dirty="0"/>
+              <a:t> </a:t>
+            </a:r>
+            <a:r>
+              <a:rPr lang="es-MX" dirty="0" err="1"/>
+              <a:t>of</a:t>
+            </a:r>
+            <a:r>
+              <a:rPr lang="es-MX" dirty="0"/>
+              <a:t> </a:t>
+            </a:r>
+            <a:r>
+              <a:rPr lang="es-MX" dirty="0" err="1"/>
+              <a:t>the</a:t>
+            </a:r>
+            <a:r>
+              <a:rPr lang="es-MX" dirty="0"/>
+              <a:t> </a:t>
+            </a:r>
+            <a:r>
+              <a:rPr lang="es-MX" dirty="0" err="1"/>
+              <a:t>topic</a:t>
+            </a:r>
+            <a:endParaRPr lang="en-US" dirty="0"/>
+          </a:p>
+        </p:txBody>
+      </p:sp>
+    </p:spTree>
+    <p:extLst>
+      <p:ext uri="{BB962C8B-B14F-4D97-AF65-F5344CB8AC3E}">
+        <p14:creationId xmlns:p14="http://schemas.microsoft.com/office/powerpoint/2010/main" val="1498169512"/>
+      </p:ext>
+    </p:extLst>
+  </p:cSld>
+  <p:clrMapOvr>
+    <a:masterClrMapping/>
+  </p:clrMapOvr>
+  <p:timing>
+    <p:tnLst>
+      <p:par>
+        <p:cTn id="1" dur="indefinite" restart="never" nodeType="tmRoot">
+          <p:childTnLst>
+            <p:seq concurrent="1" nextAc="seek">
+              <p:cTn id="2" dur="indefinite" nodeType="mainSeq">
+                <p:childTnLst>
+                  <p:par>
+                    <p:cTn id="3" fill="hold">
+                      <p:stCondLst>
+                        <p:cond delay="indefinite"/>
+                      </p:stCondLst>
+                      <p:childTnLst>
+                        <p:par>
+                          <p:cTn id="4" fill="hold">
+                            <p:stCondLst>
+                              <p:cond delay="0"/>
+                            </p:stCondLst>
+                            <p:childTnLst>
+                              <p:par>
+                                <p:cTn id="5" presetID="1" presetClass="entr" presetSubtype="0" fill="hold" grpId="0" nodeType="clickEffect">
+                                  <p:stCondLst>
+                                    <p:cond delay="0"/>
+                                  </p:stCondLst>
+                                  <p:childTnLst>
+                                    <p:set>
+                                      <p:cBhvr>
+                                        <p:cTn id="6" dur="1" fill="hold">
+                                          <p:stCondLst>
+                                            <p:cond delay="0"/>
+                                          </p:stCondLst>
+                                        </p:cTn>
+                                        <p:tgtEl>
+                                          <p:spTgt spid="4"/>
+                                        </p:tgtEl>
+                                        <p:attrNameLst>
+                                          <p:attrName>style.visibility</p:attrName>
+                                        </p:attrNameLst>
+                                      </p:cBhvr>
+                                      <p:to>
+                                        <p:strVal val="visible"/>
+                                      </p:to>
+                                    </p:set>
+                                  </p:childTnLst>
+                                </p:cTn>
+                              </p:par>
+                            </p:childTnLst>
+                          </p:cTn>
+                        </p:par>
+                      </p:childTnLst>
+                    </p:cTn>
+                  </p:par>
+                  <p:par>
+                    <p:cTn id="7" fill="hold">
+                      <p:stCondLst>
+                        <p:cond delay="indefinite"/>
+                      </p:stCondLst>
+                      <p:childTnLst>
+                        <p:par>
+                          <p:cTn id="8" fill="hold">
+                            <p:stCondLst>
+                              <p:cond delay="0"/>
+                            </p:stCondLst>
+                            <p:childTnLst>
+                              <p:par>
+                                <p:cTn id="9" presetID="1" presetClass="entr" presetSubtype="0" fill="hold" grpId="0" nodeType="clickEffect">
+                                  <p:stCondLst>
+                                    <p:cond delay="0"/>
+                                  </p:stCondLst>
+                                  <p:childTnLst>
+                                    <p:set>
+                                      <p:cBhvr>
+                                        <p:cTn id="10" dur="1" fill="hold">
+                                          <p:stCondLst>
+                                            <p:cond delay="0"/>
+                                          </p:stCondLst>
+                                        </p:cTn>
+                                        <p:tgtEl>
+                                          <p:spTgt spid="5"/>
+                                        </p:tgtEl>
+                                        <p:attrNameLst>
+                                          <p:attrName>style.visibility</p:attrName>
+                                        </p:attrNameLst>
+                                      </p:cBhvr>
+                                      <p:to>
+                                        <p:strVal val="visible"/>
+                                      </p:to>
+                                    </p:set>
+                                  </p:childTnLst>
+                                </p:cTn>
+                              </p:par>
+                            </p:childTnLst>
+                          </p:cTn>
+                        </p:par>
+                      </p:childTnLst>
+                    </p:cTn>
+                  </p:par>
+                  <p:par>
+                    <p:cTn id="11" fill="hold">
+                      <p:stCondLst>
+                        <p:cond delay="indefinite"/>
+                      </p:stCondLst>
+                      <p:childTnLst>
+                        <p:par>
+                          <p:cTn id="12" fill="hold">
+                            <p:stCondLst>
+                              <p:cond delay="0"/>
+                            </p:stCondLst>
+                            <p:childTnLst>
+                              <p:par>
+                                <p:cTn id="13" presetID="1" presetClass="entr" presetSubtype="0" fill="hold" grpId="0" nodeType="clickEffect">
+                                  <p:stCondLst>
+                                    <p:cond delay="0"/>
+                                  </p:stCondLst>
+                                  <p:childTnLst>
+                                    <p:set>
+                                      <p:cBhvr>
+                                        <p:cTn id="14" dur="1" fill="hold">
+                                          <p:stCondLst>
+                                            <p:cond delay="0"/>
+                                          </p:stCondLst>
+                                        </p:cTn>
+                                        <p:tgtEl>
+                                          <p:spTgt spid="7"/>
+                                        </p:tgtEl>
+                                        <p:attrNameLst>
+                                          <p:attrName>style.visibility</p:attrName>
+                                        </p:attrNameLst>
+                                      </p:cBhvr>
+                                      <p:to>
+                                        <p:strVal val="visible"/>
+                                      </p:to>
+                                    </p:set>
+                                  </p:childTnLst>
+                                </p:cTn>
+                              </p:par>
+                            </p:childTnLst>
+                          </p:cTn>
+                        </p:par>
+                      </p:childTnLst>
+                    </p:cTn>
+                  </p:par>
+                  <p:par>
+                    <p:cTn id="15" fill="hold">
+                      <p:stCondLst>
+                        <p:cond delay="indefinite"/>
+                      </p:stCondLst>
+                      <p:childTnLst>
+                        <p:par>
+                          <p:cTn id="16" fill="hold">
+                            <p:stCondLst>
+                              <p:cond delay="0"/>
+                            </p:stCondLst>
+                            <p:childTnLst>
+                              <p:par>
+                                <p:cTn id="17" presetID="1" presetClass="entr" presetSubtype="0" fill="hold" grpId="0" nodeType="clickEffect">
+                                  <p:stCondLst>
+                                    <p:cond delay="0"/>
+                                  </p:stCondLst>
+                                  <p:childTnLst>
+                                    <p:set>
+                                      <p:cBhvr>
+                                        <p:cTn id="18" dur="1" fill="hold">
+                                          <p:stCondLst>
+                                            <p:cond delay="0"/>
+                                          </p:stCondLst>
+                                        </p:cTn>
+                                        <p:tgtEl>
+                                          <p:spTgt spid="8"/>
+                                        </p:tgtEl>
+                                        <p:attrNameLst>
+                                          <p:attrName>style.visibility</p:attrName>
+                                        </p:attrNameLst>
+                                      </p:cBhvr>
+                                      <p:to>
+                                        <p:strVal val="visible"/>
+                                      </p:to>
+                                    </p:set>
+                                  </p:childTnLst>
+                                </p:cTn>
+                              </p:par>
+                            </p:childTnLst>
+                          </p:cTn>
+                        </p:par>
+                      </p:childTnLst>
+                    </p:cTn>
+                  </p:par>
+                  <p:par>
+                    <p:cTn id="19" fill="hold">
+                      <p:stCondLst>
+                        <p:cond delay="indefinite"/>
+                      </p:stCondLst>
+                      <p:childTnLst>
+                        <p:par>
+                          <p:cTn id="20" fill="hold">
+                            <p:stCondLst>
+                              <p:cond delay="0"/>
+                            </p:stCondLst>
+                            <p:childTnLst>
+                              <p:par>
+                                <p:cTn id="21" presetID="1" presetClass="entr" presetSubtype="0" fill="hold" grpId="0" nodeType="clickEffect">
+                                  <p:stCondLst>
+                                    <p:cond delay="0"/>
+                                  </p:stCondLst>
+                                  <p:childTnLst>
+                                    <p:set>
+                                      <p:cBhvr>
+                                        <p:cTn id="22" dur="1" fill="hold">
+                                          <p:stCondLst>
+                                            <p:cond delay="0"/>
+                                          </p:stCondLst>
+                                        </p:cTn>
+                                        <p:tgtEl>
+                                          <p:spTgt spid="6"/>
+                                        </p:tgtEl>
+                                        <p:attrNameLst>
+                                          <p:attrName>style.visibility</p:attrName>
+                                        </p:attrNameLst>
+                                      </p:cBhvr>
+                                      <p:to>
+                                        <p:strVal val="visible"/>
+                                      </p:to>
+                                    </p:set>
+                                  </p:childTnLst>
+                                </p:cTn>
+                              </p:par>
+                            </p:childTnLst>
+                          </p:cTn>
+                        </p:par>
+                      </p:childTnLst>
+                    </p:cTn>
+                  </p:par>
+                  <p:par>
+                    <p:cTn id="23" fill="hold">
+                      <p:stCondLst>
+                        <p:cond delay="indefinite"/>
+                      </p:stCondLst>
+                      <p:childTnLst>
+                        <p:par>
+                          <p:cTn id="24" fill="hold">
+                            <p:stCondLst>
+                              <p:cond delay="0"/>
+                            </p:stCondLst>
+                            <p:childTnLst>
+                              <p:par>
+                                <p:cTn id="25" presetID="1" presetClass="entr" presetSubtype="0" fill="hold" nodeType="clickEffect">
+                                  <p:stCondLst>
+                                    <p:cond delay="0"/>
+                                  </p:stCondLst>
+                                  <p:childTnLst>
+                                    <p:set>
+                                      <p:cBhvr>
+                                        <p:cTn id="26" dur="1" fill="hold">
+                                          <p:stCondLst>
+                                            <p:cond delay="0"/>
+                                          </p:stCondLst>
+                                        </p:cTn>
+                                        <p:tgtEl>
+                                          <p:spTgt spid="9">
+                                            <p:txEl>
+                                              <p:pRg st="0" end="0"/>
+                                            </p:txEl>
+                                          </p:spTgt>
+                                        </p:tgtEl>
+                                        <p:attrNameLst>
+                                          <p:attrName>style.visibility</p:attrName>
+                                        </p:attrNameLst>
+                                      </p:cBhvr>
+                                      <p:to>
+                                        <p:strVal val="visible"/>
+                                      </p:to>
+                                    </p:set>
+                                  </p:childTnLst>
+                                </p:cTn>
+                              </p:par>
+                            </p:childTnLst>
+                          </p:cTn>
+                        </p:par>
+                      </p:childTnLst>
+                    </p:cTn>
+                  </p:par>
+                  <p:par>
+                    <p:cTn id="27" fill="hold">
+                      <p:stCondLst>
+                        <p:cond delay="indefinite"/>
+                      </p:stCondLst>
+                      <p:childTnLst>
+                        <p:par>
+                          <p:cTn id="28" fill="hold">
+                            <p:stCondLst>
+                              <p:cond delay="0"/>
+                            </p:stCondLst>
+                            <p:childTnLst>
+                              <p:par>
+                                <p:cTn id="29" presetID="1" presetClass="entr" presetSubtype="0" fill="hold" grpId="0" nodeType="clickEffect">
+                                  <p:stCondLst>
+                                    <p:cond delay="0"/>
+                                  </p:stCondLst>
+                                  <p:childTnLst>
+                                    <p:set>
+                                      <p:cBhvr>
+                                        <p:cTn id="30" dur="1" fill="hold">
+                                          <p:stCondLst>
+                                            <p:cond delay="0"/>
+                                          </p:stCondLst>
+                                        </p:cTn>
+                                        <p:tgtEl>
+                                          <p:spTgt spid="10"/>
+                                        </p:tgtEl>
+                                        <p:attrNameLst>
+                                          <p:attrName>style.visibility</p:attrName>
+                                        </p:attrNameLst>
+                                      </p:cBhvr>
+                                      <p:to>
+                                        <p:strVal val="visible"/>
+                                      </p:to>
+                                    </p:set>
+                                  </p:childTnLst>
+                                </p:cTn>
+                              </p:par>
+                            </p:childTnLst>
+                          </p:cTn>
+                        </p:par>
+                      </p:childTnLst>
+                    </p:cTn>
+                  </p:par>
+                </p:childTnLst>
+              </p:cTn>
+              <p:prevCondLst>
+                <p:cond evt="onPrev" delay="0">
+                  <p:tgtEl>
+                    <p:sldTgt/>
+                  </p:tgtEl>
+                </p:cond>
+              </p:prevCondLst>
+              <p:nextCondLst>
+                <p:cond evt="onNext" delay="0">
+                  <p:tgtEl>
+                    <p:sldTgt/>
+                  </p:tgtEl>
+                </p:cond>
+              </p:nextCondLst>
+            </p:seq>
+          </p:childTnLst>
+        </p:cTn>
+      </p:par>
+    </p:tnLst>
+    <p:bldLst>
+      <p:bldP spid="4" grpId="0"/>
+      <p:bldP spid="5" grpId="0"/>
+      <p:bldP spid="6" grpId="0"/>
+      <p:bldP spid="7" grpId="0"/>
+      <p:bldP spid="8" grpId="0"/>
+      <p:bldP spid="10" grpId="0"/>
+    </p:bldLst>
+  </p:timing>
+</p:sld>
+</file>
+
+<file path=ppt/slides/slide12.xml><?xml version="1.0" encoding="utf-8"?>
+<p:sld xmlns:a="http://schemas.openxmlformats.org/drawingml/2006/main" xmlns:r="http://schemas.openxmlformats.org/officeDocument/2006/relationships" xmlns:p="http://schemas.openxmlformats.org/presentationml/2006/main">
+  <p:cSld>
+    <p:spTree>
+      <p:nvGrpSpPr>
+        <p:cNvPr id="1" name=""/>
+        <p:cNvGrpSpPr/>
+        <p:nvPr/>
+      </p:nvGrpSpPr>
+      <p:grpSpPr>
+        <a:xfrm>
+          <a:off x="0" y="0"/>
+          <a:ext cx="0" cy="0"/>
+          <a:chOff x="0" y="0"/>
+          <a:chExt cx="0" cy="0"/>
+        </a:xfrm>
+      </p:grpSpPr>
+      <p:sp>
+        <p:nvSpPr>
+          <p:cNvPr id="2" name="Title 1">
+            <a:extLst>
+              <a:ext uri="{FF2B5EF4-FFF2-40B4-BE49-F238E27FC236}">
+                <a16:creationId xmlns:a16="http://schemas.microsoft.com/office/drawing/2014/main" id="{1406B239-6F9E-4565-A261-79A426B9A308}"/>
+              </a:ext>
+            </a:extLst>
+          </p:cNvPr>
+          <p:cNvSpPr>
+            <a:spLocks noGrp="1"/>
+          </p:cNvSpPr>
+          <p:nvPr>
+            <p:ph type="title"/>
+          </p:nvPr>
+        </p:nvSpPr>
+        <p:spPr/>
+        <p:txBody>
+          <a:bodyPr/>
+          <a:lstStyle/>
+          <a:p>
+            <a:r>
+              <a:rPr lang="en-US" dirty="0"/>
+              <a:t>Example: </a:t>
+            </a:r>
+            <a:br>
+              <a:rPr lang="en-US" dirty="0"/>
+            </a:br>
+            <a:r>
+              <a:rPr lang="en-US" dirty="0"/>
+              <a:t>Environmental Sociology</a:t>
+            </a:r>
+          </a:p>
+        </p:txBody>
+      </p:sp>
+      <p:sp>
+        <p:nvSpPr>
+          <p:cNvPr id="3" name="Content Placeholder 2">
+            <a:extLst>
+              <a:ext uri="{FF2B5EF4-FFF2-40B4-BE49-F238E27FC236}">
+                <a16:creationId xmlns:a16="http://schemas.microsoft.com/office/drawing/2014/main" id="{B6D7BC25-4905-4B6E-843A-11B383B7324A}"/>
+              </a:ext>
+            </a:extLst>
+          </p:cNvPr>
+          <p:cNvSpPr>
+            <a:spLocks noGrp="1"/>
+          </p:cNvSpPr>
+          <p:nvPr>
+            <p:ph idx="1"/>
+          </p:nvPr>
+        </p:nvSpPr>
+        <p:spPr>
+          <a:xfrm>
+            <a:off x="457200" y="2266950"/>
+            <a:ext cx="8229600" cy="484065"/>
+          </a:xfrm>
+        </p:spPr>
+        <p:txBody>
+          <a:bodyPr/>
+          <a:lstStyle/>
+          <a:p>
+            <a:pPr marL="0" indent="0">
+              <a:buNone/>
+            </a:pPr>
+            <a:r>
+              <a:rPr lang="en-US" dirty="0"/>
+              <a:t>Topic: Political Economy and the Environment</a:t>
+            </a:r>
+          </a:p>
+        </p:txBody>
+      </p:sp>
+      <p:sp>
+        <p:nvSpPr>
+          <p:cNvPr id="4" name="Content Placeholder 2">
+            <a:extLst>
+              <a:ext uri="{FF2B5EF4-FFF2-40B4-BE49-F238E27FC236}">
+                <a16:creationId xmlns:a16="http://schemas.microsoft.com/office/drawing/2014/main" id="{4B7B1EAE-D7AF-4187-A1F4-73FEFE237C93}"/>
+              </a:ext>
+            </a:extLst>
+          </p:cNvPr>
+          <p:cNvSpPr txBox="1">
+            <a:spLocks/>
+          </p:cNvSpPr>
+          <p:nvPr/>
+        </p:nvSpPr>
+        <p:spPr bwMode="auto">
+          <a:xfrm>
+            <a:off x="457200" y="2751015"/>
+            <a:ext cx="8229600" cy="484065"/>
+          </a:xfrm>
+          <a:prstGeom prst="rect">
+            <a:avLst/>
+          </a:prstGeom>
+          <a:noFill/>
+          <a:ln>
+            <a:noFill/>
+          </a:ln>
+          <a:extLst>
+            <a:ext uri="{909E8E84-426E-40DD-AFC4-6F175D3DCCD1}">
+              <a14:hiddenFill xmlns:a14="http://schemas.microsoft.com/office/drawing/2010/main">
+                <a:solidFill>
+                  <a:srgbClr val="FFFFFF"/>
+                </a:solidFill>
+              </a14:hiddenFill>
+            </a:ext>
+            <a:ext uri="{91240B29-F687-4F45-9708-019B960494DF}">
+              <a14:hiddenLine xmlns:a14="http://schemas.microsoft.com/office/drawing/2010/main" w="9525">
+                <a:solidFill>
+                  <a:srgbClr val="000000"/>
+                </a:solidFill>
+                <a:miter lim="800000"/>
+                <a:headEnd/>
+                <a:tailEnd/>
+              </a14:hiddenLine>
+            </a:ext>
+            <a:ext uri="{FAA26D3D-D897-4be2-8F04-BA451C77F1D7}">
+              <ma14:placeholderFlag xmlns:ma14="http://schemas.microsoft.com/office/mac/drawingml/2011/main" xmlns="" val="1"/>
+            </a:ext>
+          </a:extLst>
+        </p:spPr>
+        <p:txBody>
+          <a:bodyPr vert="horz" wrap="square" lIns="91440" tIns="45720" rIns="91440" bIns="45720" numCol="1" anchor="t" anchorCtr="0" compatLnSpc="1">
+            <a:prstTxWarp prst="textNoShape">
+              <a:avLst/>
+            </a:prstTxWarp>
+          </a:bodyPr>
+          <a:lstStyle>
+            <a:lvl1pPr marL="257175" indent="-257175" algn="l" defTabSz="342900" rtl="0" eaLnBrk="1" fontAlgn="base" hangingPunct="1">
+              <a:spcBef>
+                <a:spcPct val="20000"/>
+              </a:spcBef>
+              <a:spcAft>
+                <a:spcPct val="0"/>
+              </a:spcAft>
+              <a:buFont typeface="Arial" charset="0"/>
+              <a:buChar char="•"/>
+              <a:defRPr sz="1800" kern="1200">
+                <a:solidFill>
+                  <a:schemeClr val="tx1"/>
+                </a:solidFill>
+                <a:latin typeface="Arial"/>
+                <a:ea typeface="ＭＳ Ｐゴシック" charset="0"/>
+                <a:cs typeface="Arial"/>
+              </a:defRPr>
+            </a:lvl1pPr>
+            <a:lvl2pPr marL="557213" indent="-214313" algn="l" defTabSz="342900" rtl="0" eaLnBrk="1" fontAlgn="base" hangingPunct="1">
+              <a:spcBef>
+                <a:spcPct val="20000"/>
+              </a:spcBef>
+              <a:spcAft>
+                <a:spcPct val="0"/>
+              </a:spcAft>
+              <a:buFont typeface="Arial" charset="0"/>
+              <a:buChar char="–"/>
+              <a:defRPr sz="1800" kern="1200">
+                <a:solidFill>
+                  <a:schemeClr val="tx1"/>
+                </a:solidFill>
+                <a:latin typeface="Arial"/>
+                <a:ea typeface="ＭＳ Ｐゴシック" charset="0"/>
+                <a:cs typeface="Arial"/>
+              </a:defRPr>
+            </a:lvl2pPr>
+            <a:lvl3pPr marL="857250" indent="-171450" algn="l" defTabSz="342900" rtl="0" eaLnBrk="1" fontAlgn="base" hangingPunct="1">
+              <a:spcBef>
+                <a:spcPct val="20000"/>
+              </a:spcBef>
+              <a:spcAft>
+                <a:spcPct val="0"/>
+              </a:spcAft>
+              <a:buFont typeface="Arial" charset="0"/>
+              <a:buChar char="•"/>
+              <a:defRPr kern="1200">
+                <a:solidFill>
+                  <a:schemeClr val="tx1"/>
+                </a:solidFill>
+                <a:latin typeface="Arial"/>
+                <a:ea typeface="ＭＳ Ｐゴシック" charset="0"/>
+                <a:cs typeface="Arial"/>
+              </a:defRPr>
+            </a:lvl3pPr>
+            <a:lvl4pPr marL="1200150" indent="-171450" algn="l" defTabSz="342900" rtl="0" eaLnBrk="1" fontAlgn="base" hangingPunct="1">
+              <a:spcBef>
+                <a:spcPct val="20000"/>
+              </a:spcBef>
+              <a:spcAft>
+                <a:spcPct val="0"/>
+              </a:spcAft>
+              <a:buFont typeface="Arial" charset="0"/>
+              <a:buChar char="–"/>
+              <a:defRPr sz="1050" kern="1200">
+                <a:solidFill>
+                  <a:schemeClr val="tx1"/>
+                </a:solidFill>
+                <a:latin typeface="Arial"/>
+                <a:ea typeface="ＭＳ Ｐゴシック" charset="0"/>
+                <a:cs typeface="Arial"/>
+              </a:defRPr>
+            </a:lvl4pPr>
+            <a:lvl5pPr marL="1543050" indent="-171450" algn="l" defTabSz="342900" rtl="0" eaLnBrk="1" fontAlgn="base" hangingPunct="1">
+              <a:spcBef>
+                <a:spcPct val="20000"/>
+              </a:spcBef>
+              <a:spcAft>
+                <a:spcPct val="0"/>
+              </a:spcAft>
+              <a:buFont typeface="Arial" charset="0"/>
+              <a:buChar char="»"/>
+              <a:defRPr sz="750" kern="1200">
+                <a:solidFill>
+                  <a:schemeClr val="tx1"/>
+                </a:solidFill>
+                <a:latin typeface="Arial"/>
+                <a:ea typeface="ＭＳ Ｐゴシック" charset="0"/>
+                <a:cs typeface="Arial"/>
+              </a:defRPr>
+            </a:lvl5pPr>
+            <a:lvl6pPr marL="1885950" indent="-171450" algn="l" defTabSz="342900" rtl="0" eaLnBrk="1" latinLnBrk="0" hangingPunct="1">
+              <a:spcBef>
+                <a:spcPct val="20000"/>
+              </a:spcBef>
+              <a:buFont typeface="Arial"/>
+              <a:buChar char="•"/>
+              <a:defRPr sz="1500" kern="1200">
+                <a:solidFill>
+                  <a:schemeClr val="tx1"/>
+                </a:solidFill>
+                <a:latin typeface="+mn-lt"/>
+                <a:ea typeface="+mn-ea"/>
+                <a:cs typeface="+mn-cs"/>
+              </a:defRPr>
+            </a:lvl6pPr>
+            <a:lvl7pPr marL="2228850" indent="-171450" algn="l" defTabSz="342900" rtl="0" eaLnBrk="1" latinLnBrk="0" hangingPunct="1">
+              <a:spcBef>
+                <a:spcPct val="20000"/>
+              </a:spcBef>
+              <a:buFont typeface="Arial"/>
+              <a:buChar char="•"/>
+              <a:defRPr sz="1500" kern="1200">
+                <a:solidFill>
+                  <a:schemeClr val="tx1"/>
+                </a:solidFill>
+                <a:latin typeface="+mn-lt"/>
+                <a:ea typeface="+mn-ea"/>
+                <a:cs typeface="+mn-cs"/>
+              </a:defRPr>
+            </a:lvl7pPr>
+            <a:lvl8pPr marL="2571750" indent="-171450" algn="l" defTabSz="342900" rtl="0" eaLnBrk="1" latinLnBrk="0" hangingPunct="1">
+              <a:spcBef>
+                <a:spcPct val="20000"/>
+              </a:spcBef>
+              <a:buFont typeface="Arial"/>
+              <a:buChar char="•"/>
+              <a:defRPr sz="1500" kern="1200">
+                <a:solidFill>
+                  <a:schemeClr val="tx1"/>
+                </a:solidFill>
+                <a:latin typeface="+mn-lt"/>
+                <a:ea typeface="+mn-ea"/>
+                <a:cs typeface="+mn-cs"/>
+              </a:defRPr>
+            </a:lvl8pPr>
+            <a:lvl9pPr marL="2914650" indent="-171450" algn="l" defTabSz="342900" rtl="0" eaLnBrk="1" latinLnBrk="0" hangingPunct="1">
+              <a:spcBef>
+                <a:spcPct val="20000"/>
+              </a:spcBef>
+              <a:buFont typeface="Arial"/>
+              <a:buChar char="•"/>
+              <a:defRPr sz="1500" kern="1200">
+                <a:solidFill>
+                  <a:schemeClr val="tx1"/>
+                </a:solidFill>
+                <a:latin typeface="+mn-lt"/>
+                <a:ea typeface="+mn-ea"/>
+                <a:cs typeface="+mn-cs"/>
+              </a:defRPr>
+            </a:lvl9pPr>
+          </a:lstStyle>
+          <a:p>
+            <a:pPr marL="0" indent="0">
+              <a:buNone/>
+            </a:pPr>
+            <a:r>
+              <a:rPr lang="en-US" dirty="0"/>
+              <a:t>Keywords: “Ecological modernization”, “treadmill of production”, “treadmill of destruction”, “social metabolism”, “ecological unequal exchange”, “risk society” </a:t>
+            </a:r>
+          </a:p>
+        </p:txBody>
+      </p:sp>
+      <p:sp>
+        <p:nvSpPr>
+          <p:cNvPr id="5" name="Content Placeholder 2">
+            <a:extLst>
+              <a:ext uri="{FF2B5EF4-FFF2-40B4-BE49-F238E27FC236}">
+                <a16:creationId xmlns:a16="http://schemas.microsoft.com/office/drawing/2014/main" id="{E5968520-2636-430C-9787-C631B7596CF1}"/>
+              </a:ext>
+            </a:extLst>
+          </p:cNvPr>
+          <p:cNvSpPr txBox="1">
+            <a:spLocks/>
+          </p:cNvSpPr>
+          <p:nvPr/>
+        </p:nvSpPr>
+        <p:spPr bwMode="auto">
+          <a:xfrm>
+            <a:off x="457200" y="3534752"/>
+            <a:ext cx="8229600" cy="484065"/>
+          </a:xfrm>
+          <a:prstGeom prst="rect">
+            <a:avLst/>
+          </a:prstGeom>
+          <a:noFill/>
+          <a:ln>
+            <a:noFill/>
+          </a:ln>
+          <a:extLst>
+            <a:ext uri="{909E8E84-426E-40DD-AFC4-6F175D3DCCD1}">
+              <a14:hiddenFill xmlns:a14="http://schemas.microsoft.com/office/drawing/2010/main">
+                <a:solidFill>
+                  <a:srgbClr val="FFFFFF"/>
+                </a:solidFill>
+              </a14:hiddenFill>
+            </a:ext>
+            <a:ext uri="{91240B29-F687-4F45-9708-019B960494DF}">
+              <a14:hiddenLine xmlns:a14="http://schemas.microsoft.com/office/drawing/2010/main" w="9525">
+                <a:solidFill>
+                  <a:srgbClr val="000000"/>
+                </a:solidFill>
+                <a:miter lim="800000"/>
+                <a:headEnd/>
+                <a:tailEnd/>
+              </a14:hiddenLine>
+            </a:ext>
+            <a:ext uri="{FAA26D3D-D897-4be2-8F04-BA451C77F1D7}">
+              <ma14:placeholderFlag xmlns:ma14="http://schemas.microsoft.com/office/mac/drawingml/2011/main" xmlns="" val="1"/>
+            </a:ext>
+          </a:extLst>
+        </p:spPr>
+        <p:txBody>
+          <a:bodyPr vert="horz" wrap="square" lIns="91440" tIns="45720" rIns="91440" bIns="45720" numCol="1" anchor="t" anchorCtr="0" compatLnSpc="1">
+            <a:prstTxWarp prst="textNoShape">
+              <a:avLst/>
+            </a:prstTxWarp>
+          </a:bodyPr>
+          <a:lstStyle>
+            <a:lvl1pPr marL="257175" indent="-257175" algn="l" defTabSz="342900" rtl="0" eaLnBrk="1" fontAlgn="base" hangingPunct="1">
+              <a:spcBef>
+                <a:spcPct val="20000"/>
+              </a:spcBef>
+              <a:spcAft>
+                <a:spcPct val="0"/>
+              </a:spcAft>
+              <a:buFont typeface="Arial" charset="0"/>
+              <a:buChar char="•"/>
+              <a:defRPr sz="1800" kern="1200">
+                <a:solidFill>
+                  <a:schemeClr val="tx1"/>
+                </a:solidFill>
+                <a:latin typeface="Arial"/>
+                <a:ea typeface="ＭＳ Ｐゴシック" charset="0"/>
+                <a:cs typeface="Arial"/>
+              </a:defRPr>
+            </a:lvl1pPr>
+            <a:lvl2pPr marL="557213" indent="-214313" algn="l" defTabSz="342900" rtl="0" eaLnBrk="1" fontAlgn="base" hangingPunct="1">
+              <a:spcBef>
+                <a:spcPct val="20000"/>
+              </a:spcBef>
+              <a:spcAft>
+                <a:spcPct val="0"/>
+              </a:spcAft>
+              <a:buFont typeface="Arial" charset="0"/>
+              <a:buChar char="–"/>
+              <a:defRPr sz="1800" kern="1200">
+                <a:solidFill>
+                  <a:schemeClr val="tx1"/>
+                </a:solidFill>
+                <a:latin typeface="Arial"/>
+                <a:ea typeface="ＭＳ Ｐゴシック" charset="0"/>
+                <a:cs typeface="Arial"/>
+              </a:defRPr>
+            </a:lvl2pPr>
+            <a:lvl3pPr marL="857250" indent="-171450" algn="l" defTabSz="342900" rtl="0" eaLnBrk="1" fontAlgn="base" hangingPunct="1">
+              <a:spcBef>
+                <a:spcPct val="20000"/>
+              </a:spcBef>
+              <a:spcAft>
+                <a:spcPct val="0"/>
+              </a:spcAft>
+              <a:buFont typeface="Arial" charset="0"/>
+              <a:buChar char="•"/>
+              <a:defRPr kern="1200">
+                <a:solidFill>
+                  <a:schemeClr val="tx1"/>
+                </a:solidFill>
+                <a:latin typeface="Arial"/>
+                <a:ea typeface="ＭＳ Ｐゴシック" charset="0"/>
+                <a:cs typeface="Arial"/>
+              </a:defRPr>
+            </a:lvl3pPr>
+            <a:lvl4pPr marL="1200150" indent="-171450" algn="l" defTabSz="342900" rtl="0" eaLnBrk="1" fontAlgn="base" hangingPunct="1">
+              <a:spcBef>
+                <a:spcPct val="20000"/>
+              </a:spcBef>
+              <a:spcAft>
+                <a:spcPct val="0"/>
+              </a:spcAft>
+              <a:buFont typeface="Arial" charset="0"/>
+              <a:buChar char="–"/>
+              <a:defRPr sz="1050" kern="1200">
+                <a:solidFill>
+                  <a:schemeClr val="tx1"/>
+                </a:solidFill>
+                <a:latin typeface="Arial"/>
+                <a:ea typeface="ＭＳ Ｐゴシック" charset="0"/>
+                <a:cs typeface="Arial"/>
+              </a:defRPr>
+            </a:lvl4pPr>
+            <a:lvl5pPr marL="1543050" indent="-171450" algn="l" defTabSz="342900" rtl="0" eaLnBrk="1" fontAlgn="base" hangingPunct="1">
+              <a:spcBef>
+                <a:spcPct val="20000"/>
+              </a:spcBef>
+              <a:spcAft>
+                <a:spcPct val="0"/>
+              </a:spcAft>
+              <a:buFont typeface="Arial" charset="0"/>
+              <a:buChar char="»"/>
+              <a:defRPr sz="750" kern="1200">
+                <a:solidFill>
+                  <a:schemeClr val="tx1"/>
+                </a:solidFill>
+                <a:latin typeface="Arial"/>
+                <a:ea typeface="ＭＳ Ｐゴシック" charset="0"/>
+                <a:cs typeface="Arial"/>
+              </a:defRPr>
+            </a:lvl5pPr>
+            <a:lvl6pPr marL="1885950" indent="-171450" algn="l" defTabSz="342900" rtl="0" eaLnBrk="1" latinLnBrk="0" hangingPunct="1">
+              <a:spcBef>
+                <a:spcPct val="20000"/>
+              </a:spcBef>
+              <a:buFont typeface="Arial"/>
+              <a:buChar char="•"/>
+              <a:defRPr sz="1500" kern="1200">
+                <a:solidFill>
+                  <a:schemeClr val="tx1"/>
+                </a:solidFill>
+                <a:latin typeface="+mn-lt"/>
+                <a:ea typeface="+mn-ea"/>
+                <a:cs typeface="+mn-cs"/>
+              </a:defRPr>
+            </a:lvl6pPr>
+            <a:lvl7pPr marL="2228850" indent="-171450" algn="l" defTabSz="342900" rtl="0" eaLnBrk="1" latinLnBrk="0" hangingPunct="1">
+              <a:spcBef>
+                <a:spcPct val="20000"/>
+              </a:spcBef>
+              <a:buFont typeface="Arial"/>
+              <a:buChar char="•"/>
+              <a:defRPr sz="1500" kern="1200">
+                <a:solidFill>
+                  <a:schemeClr val="tx1"/>
+                </a:solidFill>
+                <a:latin typeface="+mn-lt"/>
+                <a:ea typeface="+mn-ea"/>
+                <a:cs typeface="+mn-cs"/>
+              </a:defRPr>
+            </a:lvl7pPr>
+            <a:lvl8pPr marL="2571750" indent="-171450" algn="l" defTabSz="342900" rtl="0" eaLnBrk="1" latinLnBrk="0" hangingPunct="1">
+              <a:spcBef>
+                <a:spcPct val="20000"/>
+              </a:spcBef>
+              <a:buFont typeface="Arial"/>
+              <a:buChar char="•"/>
+              <a:defRPr sz="1500" kern="1200">
+                <a:solidFill>
+                  <a:schemeClr val="tx1"/>
+                </a:solidFill>
+                <a:latin typeface="+mn-lt"/>
+                <a:ea typeface="+mn-ea"/>
+                <a:cs typeface="+mn-cs"/>
+              </a:defRPr>
+            </a:lvl8pPr>
+            <a:lvl9pPr marL="2914650" indent="-171450" algn="l" defTabSz="342900" rtl="0" eaLnBrk="1" latinLnBrk="0" hangingPunct="1">
+              <a:spcBef>
+                <a:spcPct val="20000"/>
+              </a:spcBef>
+              <a:buFont typeface="Arial"/>
+              <a:buChar char="•"/>
+              <a:defRPr sz="1500" kern="1200">
+                <a:solidFill>
+                  <a:schemeClr val="tx1"/>
+                </a:solidFill>
+                <a:latin typeface="+mn-lt"/>
+                <a:ea typeface="+mn-ea"/>
+                <a:cs typeface="+mn-cs"/>
+              </a:defRPr>
+            </a:lvl9pPr>
+          </a:lstStyle>
+          <a:p>
+            <a:pPr marL="0" indent="0">
+              <a:buFont typeface="Arial" charset="0"/>
+              <a:buNone/>
+            </a:pPr>
+            <a:r>
+              <a:rPr lang="en-US" dirty="0"/>
+              <a:t>Journals: 20 in total, both within discipline and interdisciplinary </a:t>
+            </a:r>
+          </a:p>
+        </p:txBody>
+      </p:sp>
+    </p:spTree>
+    <p:extLst>
+      <p:ext uri="{BB962C8B-B14F-4D97-AF65-F5344CB8AC3E}">
+        <p14:creationId xmlns:p14="http://schemas.microsoft.com/office/powerpoint/2010/main" val="1226771764"/>
+      </p:ext>
+    </p:extLst>
+  </p:cSld>
+  <p:clrMapOvr>
+    <a:masterClrMapping/>
+  </p:clrMapOvr>
+</p:sld>
+</file>
+
+<file path=ppt/slides/slide13.xml><?xml version="1.0" encoding="utf-8"?>
+<p:sld xmlns:a="http://schemas.openxmlformats.org/drawingml/2006/main" xmlns:r="http://schemas.openxmlformats.org/officeDocument/2006/relationships" xmlns:p="http://schemas.openxmlformats.org/presentationml/2006/main">
+  <p:cSld>
+    <p:spTree>
+      <p:nvGrpSpPr>
+        <p:cNvPr id="1" name=""/>
+        <p:cNvGrpSpPr/>
+        <p:nvPr/>
+      </p:nvGrpSpPr>
+      <p:grpSpPr>
+        <a:xfrm>
+          <a:off x="0" y="0"/>
+          <a:ext cx="0" cy="0"/>
+          <a:chOff x="0" y="0"/>
+          <a:chExt cx="0" cy="0"/>
+        </a:xfrm>
+      </p:grpSpPr>
+      <p:sp>
+        <p:nvSpPr>
+          <p:cNvPr id="2" name="Title 1">
+            <a:extLst>
+              <a:ext uri="{FF2B5EF4-FFF2-40B4-BE49-F238E27FC236}">
+                <a16:creationId xmlns:a16="http://schemas.microsoft.com/office/drawing/2014/main" id="{E6095F8F-180A-4FFD-9D00-B35333443614}"/>
+              </a:ext>
+            </a:extLst>
+          </p:cNvPr>
+          <p:cNvSpPr>
+            <a:spLocks noGrp="1"/>
+          </p:cNvSpPr>
+          <p:nvPr>
+            <p:ph type="title"/>
+          </p:nvPr>
+        </p:nvSpPr>
+        <p:spPr/>
+        <p:txBody>
+          <a:bodyPr/>
+          <a:lstStyle/>
+          <a:p>
+            <a:r>
+              <a:rPr lang="en-US" dirty="0"/>
+              <a:t>Building a Keywork Table</a:t>
+            </a:r>
+          </a:p>
+        </p:txBody>
+      </p:sp>
+      <p:sp>
+        <p:nvSpPr>
+          <p:cNvPr id="4" name="TextBox 3">
+            <a:extLst>
+              <a:ext uri="{FF2B5EF4-FFF2-40B4-BE49-F238E27FC236}">
+                <a16:creationId xmlns:a16="http://schemas.microsoft.com/office/drawing/2014/main" id="{CD130E1E-B72F-4641-BD53-171A4407202B}"/>
+              </a:ext>
+            </a:extLst>
+          </p:cNvPr>
+          <p:cNvSpPr txBox="1"/>
+          <p:nvPr/>
+        </p:nvSpPr>
+        <p:spPr>
+          <a:xfrm>
+            <a:off x="1485900" y="2928461"/>
+            <a:ext cx="6172200" cy="1477328"/>
+          </a:xfrm>
+          <a:prstGeom prst="rect">
+            <a:avLst/>
+          </a:prstGeom>
+          <a:noFill/>
+        </p:spPr>
+        <p:txBody>
+          <a:bodyPr wrap="square">
+            <a:spAutoFit/>
+          </a:bodyPr>
+          <a:lstStyle/>
+          <a:p>
+            <a:pPr marL="0" indent="0">
+              <a:buNone/>
+            </a:pPr>
+            <a:r>
+              <a:rPr lang="en-US" dirty="0"/>
+              <a:t>In the GitHub, </a:t>
+            </a:r>
+            <a:r>
+              <a:rPr lang="en-US" dirty="0">
+                <a:hlinkClick r:id="rId2"/>
+              </a:rPr>
+              <a:t>https://tinyurl.com/y94wafw6</a:t>
+            </a:r>
+            <a:r>
+              <a:rPr lang="en-US" dirty="0"/>
+              <a:t>, there is a file labeled, “</a:t>
+            </a:r>
+            <a:r>
+              <a:rPr lang="en-US" dirty="0" err="1"/>
+              <a:t>KeyWordSearchHandout</a:t>
+            </a:r>
+            <a:r>
+              <a:rPr lang="en-US" dirty="0"/>
+              <a:t>”. Download that file for this activity. I will walk us through how to use the table as a tool for establishing a set of keywords to search for academic literature on your topic. </a:t>
+            </a:r>
+          </a:p>
+        </p:txBody>
+      </p:sp>
+      <p:sp>
+        <p:nvSpPr>
+          <p:cNvPr id="5" name="Content Placeholder 2">
+            <a:extLst>
+              <a:ext uri="{FF2B5EF4-FFF2-40B4-BE49-F238E27FC236}">
+                <a16:creationId xmlns:a16="http://schemas.microsoft.com/office/drawing/2014/main" id="{5844464D-037A-4169-A785-C4BEEFF218AE}"/>
+              </a:ext>
+            </a:extLst>
+          </p:cNvPr>
+          <p:cNvSpPr txBox="1">
+            <a:spLocks/>
+          </p:cNvSpPr>
+          <p:nvPr/>
+        </p:nvSpPr>
+        <p:spPr bwMode="auto">
+          <a:xfrm>
+            <a:off x="1485900" y="2171105"/>
+            <a:ext cx="6172200" cy="801290"/>
+          </a:xfrm>
+          <a:prstGeom prst="rect">
+            <a:avLst/>
+          </a:prstGeom>
+          <a:noFill/>
+          <a:ln>
+            <a:noFill/>
+          </a:ln>
+          <a:extLst>
+            <a:ext uri="{909E8E84-426E-40DD-AFC4-6F175D3DCCD1}">
+              <a14:hiddenFill xmlns:a14="http://schemas.microsoft.com/office/drawing/2010/main">
+                <a:solidFill>
+                  <a:srgbClr val="FFFFFF"/>
+                </a:solidFill>
+              </a14:hiddenFill>
+            </a:ext>
+            <a:ext uri="{91240B29-F687-4F45-9708-019B960494DF}">
+              <a14:hiddenLine xmlns:a14="http://schemas.microsoft.com/office/drawing/2010/main" w="9525">
+                <a:solidFill>
+                  <a:srgbClr val="000000"/>
+                </a:solidFill>
+                <a:miter lim="800000"/>
+                <a:headEnd/>
+                <a:tailEnd/>
+              </a14:hiddenLine>
+            </a:ext>
+            <a:ext uri="{FAA26D3D-D897-4be2-8F04-BA451C77F1D7}">
+              <ma14:placeholderFlag xmlns:ma14="http://schemas.microsoft.com/office/mac/drawingml/2011/main" xmlns="" val="1"/>
+            </a:ext>
+          </a:extLst>
+        </p:spPr>
+        <p:txBody>
+          <a:bodyPr vert="horz" wrap="square" lIns="91440" tIns="45720" rIns="91440" bIns="45720" numCol="1" anchor="t" anchorCtr="0" compatLnSpc="1">
+            <a:prstTxWarp prst="textNoShape">
+              <a:avLst/>
+            </a:prstTxWarp>
+          </a:bodyPr>
+          <a:lstStyle>
+            <a:lvl1pPr marL="257175" indent="-257175" algn="l" defTabSz="342900" rtl="0" eaLnBrk="1" fontAlgn="base" hangingPunct="1">
+              <a:spcBef>
+                <a:spcPct val="20000"/>
+              </a:spcBef>
+              <a:spcAft>
+                <a:spcPct val="0"/>
+              </a:spcAft>
+              <a:buFont typeface="Arial" charset="0"/>
+              <a:buChar char="•"/>
+              <a:defRPr sz="1800" kern="1200">
+                <a:solidFill>
+                  <a:schemeClr val="tx1"/>
+                </a:solidFill>
+                <a:latin typeface="Arial"/>
+                <a:ea typeface="ＭＳ Ｐゴシック" charset="0"/>
+                <a:cs typeface="Arial"/>
+              </a:defRPr>
+            </a:lvl1pPr>
+            <a:lvl2pPr marL="557213" indent="-214313" algn="l" defTabSz="342900" rtl="0" eaLnBrk="1" fontAlgn="base" hangingPunct="1">
+              <a:spcBef>
+                <a:spcPct val="20000"/>
+              </a:spcBef>
+              <a:spcAft>
+                <a:spcPct val="0"/>
+              </a:spcAft>
+              <a:buFont typeface="Arial" charset="0"/>
+              <a:buChar char="–"/>
+              <a:defRPr sz="1800" kern="1200">
+                <a:solidFill>
+                  <a:schemeClr val="tx1"/>
+                </a:solidFill>
+                <a:latin typeface="Arial"/>
+                <a:ea typeface="ＭＳ Ｐゴシック" charset="0"/>
+                <a:cs typeface="Arial"/>
+              </a:defRPr>
+            </a:lvl2pPr>
+            <a:lvl3pPr marL="857250" indent="-171450" algn="l" defTabSz="342900" rtl="0" eaLnBrk="1" fontAlgn="base" hangingPunct="1">
+              <a:spcBef>
+                <a:spcPct val="20000"/>
+              </a:spcBef>
+              <a:spcAft>
+                <a:spcPct val="0"/>
+              </a:spcAft>
+              <a:buFont typeface="Arial" charset="0"/>
+              <a:buChar char="•"/>
+              <a:defRPr kern="1200">
+                <a:solidFill>
+                  <a:schemeClr val="tx1"/>
+                </a:solidFill>
+                <a:latin typeface="Arial"/>
+                <a:ea typeface="ＭＳ Ｐゴシック" charset="0"/>
+                <a:cs typeface="Arial"/>
+              </a:defRPr>
+            </a:lvl3pPr>
+            <a:lvl4pPr marL="1200150" indent="-171450" algn="l" defTabSz="342900" rtl="0" eaLnBrk="1" fontAlgn="base" hangingPunct="1">
+              <a:spcBef>
+                <a:spcPct val="20000"/>
+              </a:spcBef>
+              <a:spcAft>
+                <a:spcPct val="0"/>
+              </a:spcAft>
+              <a:buFont typeface="Arial" charset="0"/>
+              <a:buChar char="–"/>
+              <a:defRPr sz="1050" kern="1200">
+                <a:solidFill>
+                  <a:schemeClr val="tx1"/>
+                </a:solidFill>
+                <a:latin typeface="Arial"/>
+                <a:ea typeface="ＭＳ Ｐゴシック" charset="0"/>
+                <a:cs typeface="Arial"/>
+              </a:defRPr>
+            </a:lvl4pPr>
+            <a:lvl5pPr marL="1543050" indent="-171450" algn="l" defTabSz="342900" rtl="0" eaLnBrk="1" fontAlgn="base" hangingPunct="1">
+              <a:spcBef>
+                <a:spcPct val="20000"/>
+              </a:spcBef>
+              <a:spcAft>
+                <a:spcPct val="0"/>
+              </a:spcAft>
+              <a:buFont typeface="Arial" charset="0"/>
+              <a:buChar char="»"/>
+              <a:defRPr sz="750" kern="1200">
+                <a:solidFill>
+                  <a:schemeClr val="tx1"/>
+                </a:solidFill>
+                <a:latin typeface="Arial"/>
+                <a:ea typeface="ＭＳ Ｐゴシック" charset="0"/>
+                <a:cs typeface="Arial"/>
+              </a:defRPr>
+            </a:lvl5pPr>
+            <a:lvl6pPr marL="1885950" indent="-171450" algn="l" defTabSz="342900" rtl="0" eaLnBrk="1" latinLnBrk="0" hangingPunct="1">
+              <a:spcBef>
+                <a:spcPct val="20000"/>
+              </a:spcBef>
+              <a:buFont typeface="Arial"/>
+              <a:buChar char="•"/>
+              <a:defRPr sz="1500" kern="1200">
+                <a:solidFill>
+                  <a:schemeClr val="tx1"/>
+                </a:solidFill>
+                <a:latin typeface="+mn-lt"/>
+                <a:ea typeface="+mn-ea"/>
+                <a:cs typeface="+mn-cs"/>
+              </a:defRPr>
+            </a:lvl6pPr>
+            <a:lvl7pPr marL="2228850" indent="-171450" algn="l" defTabSz="342900" rtl="0" eaLnBrk="1" latinLnBrk="0" hangingPunct="1">
+              <a:spcBef>
+                <a:spcPct val="20000"/>
+              </a:spcBef>
+              <a:buFont typeface="Arial"/>
+              <a:buChar char="•"/>
+              <a:defRPr sz="1500" kern="1200">
+                <a:solidFill>
+                  <a:schemeClr val="tx1"/>
+                </a:solidFill>
+                <a:latin typeface="+mn-lt"/>
+                <a:ea typeface="+mn-ea"/>
+                <a:cs typeface="+mn-cs"/>
+              </a:defRPr>
+            </a:lvl7pPr>
+            <a:lvl8pPr marL="2571750" indent="-171450" algn="l" defTabSz="342900" rtl="0" eaLnBrk="1" latinLnBrk="0" hangingPunct="1">
+              <a:spcBef>
+                <a:spcPct val="20000"/>
+              </a:spcBef>
+              <a:buFont typeface="Arial"/>
+              <a:buChar char="•"/>
+              <a:defRPr sz="1500" kern="1200">
+                <a:solidFill>
+                  <a:schemeClr val="tx1"/>
+                </a:solidFill>
+                <a:latin typeface="+mn-lt"/>
+                <a:ea typeface="+mn-ea"/>
+                <a:cs typeface="+mn-cs"/>
+              </a:defRPr>
+            </a:lvl8pPr>
+            <a:lvl9pPr marL="2914650" indent="-171450" algn="l" defTabSz="342900" rtl="0" eaLnBrk="1" latinLnBrk="0" hangingPunct="1">
+              <a:spcBef>
+                <a:spcPct val="20000"/>
+              </a:spcBef>
+              <a:buFont typeface="Arial"/>
+              <a:buChar char="•"/>
+              <a:defRPr sz="1500" kern="1200">
+                <a:solidFill>
+                  <a:schemeClr val="tx1"/>
+                </a:solidFill>
+                <a:latin typeface="+mn-lt"/>
+                <a:ea typeface="+mn-ea"/>
+                <a:cs typeface="+mn-cs"/>
+              </a:defRPr>
+            </a:lvl9pPr>
+          </a:lstStyle>
+          <a:p>
+            <a:pPr marL="0" indent="0">
+              <a:buFont typeface="Arial" charset="0"/>
+              <a:buNone/>
+            </a:pPr>
+            <a:r>
+              <a:rPr lang="en-US" dirty="0"/>
+              <a:t>Instructions: </a:t>
+            </a:r>
+          </a:p>
+        </p:txBody>
+      </p:sp>
+    </p:spTree>
+    <p:extLst>
+      <p:ext uri="{BB962C8B-B14F-4D97-AF65-F5344CB8AC3E}">
+        <p14:creationId xmlns:p14="http://schemas.microsoft.com/office/powerpoint/2010/main" val="3128947667"/>
+      </p:ext>
+    </p:extLst>
+  </p:cSld>
+  <p:clrMapOvr>
+    <a:masterClrMapping/>
+  </p:clrMapOvr>
+</p:sld>
+</file>
+
+<file path=ppt/slides/slide14.xml><?xml version="1.0" encoding="utf-8"?>
+<p:sld xmlns:a="http://schemas.openxmlformats.org/drawingml/2006/main" xmlns:r="http://schemas.openxmlformats.org/officeDocument/2006/relationships" xmlns:p="http://schemas.openxmlformats.org/presentationml/2006/main">
+  <p:cSld>
+    <p:spTree>
+      <p:nvGrpSpPr>
+        <p:cNvPr id="1" name=""/>
+        <p:cNvGrpSpPr/>
+        <p:nvPr/>
+      </p:nvGrpSpPr>
+      <p:grpSpPr>
+        <a:xfrm>
+          <a:off x="0" y="0"/>
+          <a:ext cx="0" cy="0"/>
+          <a:chOff x="0" y="0"/>
+          <a:chExt cx="0" cy="0"/>
+        </a:xfrm>
+      </p:grpSpPr>
+      <p:sp>
+        <p:nvSpPr>
+          <p:cNvPr id="2" name="Title 1">
+            <a:extLst>
+              <a:ext uri="{FF2B5EF4-FFF2-40B4-BE49-F238E27FC236}">
+                <a16:creationId xmlns:a16="http://schemas.microsoft.com/office/drawing/2014/main" id="{A69C806F-E512-CC8E-F808-9D131B078C9E}"/>
+              </a:ext>
+            </a:extLst>
+          </p:cNvPr>
+          <p:cNvSpPr>
+            <a:spLocks noGrp="1"/>
+          </p:cNvSpPr>
+          <p:nvPr>
+            <p:ph type="title"/>
+          </p:nvPr>
+        </p:nvSpPr>
+        <p:spPr/>
+        <p:txBody>
+          <a:bodyPr/>
+          <a:lstStyle/>
+          <a:p>
+            <a:r>
+              <a:rPr lang="en-US" dirty="0"/>
+              <a:t>Synthesizing the literature</a:t>
+            </a:r>
+          </a:p>
+        </p:txBody>
+      </p:sp>
+      <p:sp>
+        <p:nvSpPr>
+          <p:cNvPr id="3" name="Text Placeholder 2">
+            <a:extLst>
+              <a:ext uri="{FF2B5EF4-FFF2-40B4-BE49-F238E27FC236}">
+                <a16:creationId xmlns:a16="http://schemas.microsoft.com/office/drawing/2014/main" id="{55FC0478-1696-63BA-0EC3-2DC755881663}"/>
+              </a:ext>
+            </a:extLst>
+          </p:cNvPr>
+          <p:cNvSpPr>
+            <a:spLocks noGrp="1"/>
+          </p:cNvSpPr>
+          <p:nvPr>
+            <p:ph type="body" idx="1"/>
+          </p:nvPr>
+        </p:nvSpPr>
+        <p:spPr/>
+        <p:txBody>
+          <a:bodyPr/>
+          <a:lstStyle/>
+          <a:p>
+            <a:endParaRPr lang="en-US"/>
+          </a:p>
+        </p:txBody>
+      </p:sp>
+    </p:spTree>
+    <p:extLst>
+      <p:ext uri="{BB962C8B-B14F-4D97-AF65-F5344CB8AC3E}">
+        <p14:creationId xmlns:p14="http://schemas.microsoft.com/office/powerpoint/2010/main" val="276298106"/>
+      </p:ext>
+    </p:extLst>
+  </p:cSld>
+  <p:clrMapOvr>
+    <a:masterClrMapping/>
+  </p:clrMapOvr>
+</p:sld>
+</file>
+
+<file path=ppt/slides/slide15.xml><?xml version="1.0" encoding="utf-8"?>
+<p:sld xmlns:a="http://schemas.openxmlformats.org/drawingml/2006/main" xmlns:r="http://schemas.openxmlformats.org/officeDocument/2006/relationships" xmlns:p="http://schemas.openxmlformats.org/presentationml/2006/main">
+  <p:cSld>
+    <p:spTree>
+      <p:nvGrpSpPr>
+        <p:cNvPr id="1" name=""/>
+        <p:cNvGrpSpPr/>
+        <p:nvPr/>
+      </p:nvGrpSpPr>
+      <p:grpSpPr>
+        <a:xfrm>
+          <a:off x="0" y="0"/>
+          <a:ext cx="0" cy="0"/>
+          <a:chOff x="0" y="0"/>
+          <a:chExt cx="0" cy="0"/>
+        </a:xfrm>
+      </p:grpSpPr>
+      <p:sp>
+        <p:nvSpPr>
+          <p:cNvPr id="2" name="Title 1">
+            <a:extLst>
+              <a:ext uri="{FF2B5EF4-FFF2-40B4-BE49-F238E27FC236}">
+                <a16:creationId xmlns:a16="http://schemas.microsoft.com/office/drawing/2014/main" id="{F088BE2E-2070-4BC6-A56B-F5C06027E2E4}"/>
+              </a:ext>
+            </a:extLst>
+          </p:cNvPr>
+          <p:cNvSpPr>
+            <a:spLocks noGrp="1"/>
+          </p:cNvSpPr>
+          <p:nvPr>
+            <p:ph type="title"/>
+          </p:nvPr>
+        </p:nvSpPr>
+        <p:spPr/>
+        <p:txBody>
+          <a:bodyPr/>
+          <a:lstStyle/>
+          <a:p>
+            <a:r>
+              <a:rPr lang="en-US" dirty="0"/>
+              <a:t>Conducting your own literature review</a:t>
+            </a:r>
+          </a:p>
+        </p:txBody>
+      </p:sp>
+      <p:sp>
+        <p:nvSpPr>
+          <p:cNvPr id="4" name="Content Placeholder 2">
+            <a:extLst>
+              <a:ext uri="{FF2B5EF4-FFF2-40B4-BE49-F238E27FC236}">
+                <a16:creationId xmlns:a16="http://schemas.microsoft.com/office/drawing/2014/main" id="{813170DE-BABA-4C25-9587-889C5456EECF}"/>
+              </a:ext>
+            </a:extLst>
+          </p:cNvPr>
+          <p:cNvSpPr txBox="1">
+            <a:spLocks/>
+          </p:cNvSpPr>
+          <p:nvPr/>
+        </p:nvSpPr>
+        <p:spPr bwMode="auto">
+          <a:xfrm>
+            <a:off x="1485900" y="1784519"/>
+            <a:ext cx="6563946" cy="801290"/>
+          </a:xfrm>
+          <a:prstGeom prst="rect">
+            <a:avLst/>
+          </a:prstGeom>
+          <a:noFill/>
+          <a:ln>
+            <a:noFill/>
+          </a:ln>
+          <a:extLst>
+            <a:ext uri="{909E8E84-426E-40DD-AFC4-6F175D3DCCD1}">
+              <a14:hiddenFill xmlns:a14="http://schemas.microsoft.com/office/drawing/2010/main">
+                <a:solidFill>
+                  <a:srgbClr val="FFFFFF"/>
+                </a:solidFill>
+              </a14:hiddenFill>
+            </a:ext>
+            <a:ext uri="{91240B29-F687-4F45-9708-019B960494DF}">
+              <a14:hiddenLine xmlns:a14="http://schemas.microsoft.com/office/drawing/2010/main" w="9525">
+                <a:solidFill>
+                  <a:srgbClr val="000000"/>
+                </a:solidFill>
+                <a:miter lim="800000"/>
+                <a:headEnd/>
+                <a:tailEnd/>
+              </a14:hiddenLine>
+            </a:ext>
+            <a:ext uri="{FAA26D3D-D897-4be2-8F04-BA451C77F1D7}">
+              <ma14:placeholderFlag xmlns:ma14="http://schemas.microsoft.com/office/mac/drawingml/2011/main" xmlns="" val="1"/>
+            </a:ext>
+          </a:extLst>
+        </p:spPr>
+        <p:txBody>
+          <a:bodyPr vert="horz" wrap="square" lIns="91440" tIns="45720" rIns="91440" bIns="45720" numCol="1" anchor="t" anchorCtr="0" compatLnSpc="1">
+            <a:prstTxWarp prst="textNoShape">
+              <a:avLst/>
+            </a:prstTxWarp>
+          </a:bodyPr>
+          <a:lstStyle>
+            <a:lvl1pPr marL="257175" indent="-257175" algn="l" defTabSz="342900" rtl="0" eaLnBrk="1" fontAlgn="base" hangingPunct="1">
+              <a:spcBef>
+                <a:spcPct val="20000"/>
+              </a:spcBef>
+              <a:spcAft>
+                <a:spcPct val="0"/>
+              </a:spcAft>
+              <a:buFont typeface="Arial" charset="0"/>
+              <a:buChar char="•"/>
+              <a:defRPr sz="1800" kern="1200">
+                <a:solidFill>
+                  <a:schemeClr val="tx1"/>
+                </a:solidFill>
+                <a:latin typeface="Arial"/>
+                <a:ea typeface="ＭＳ Ｐゴシック" charset="0"/>
+                <a:cs typeface="Arial"/>
+              </a:defRPr>
+            </a:lvl1pPr>
+            <a:lvl2pPr marL="557213" indent="-214313" algn="l" defTabSz="342900" rtl="0" eaLnBrk="1" fontAlgn="base" hangingPunct="1">
+              <a:spcBef>
+                <a:spcPct val="20000"/>
+              </a:spcBef>
+              <a:spcAft>
+                <a:spcPct val="0"/>
+              </a:spcAft>
+              <a:buFont typeface="Arial" charset="0"/>
+              <a:buChar char="–"/>
+              <a:defRPr sz="1800" kern="1200">
+                <a:solidFill>
+                  <a:schemeClr val="tx1"/>
+                </a:solidFill>
+                <a:latin typeface="Arial"/>
+                <a:ea typeface="ＭＳ Ｐゴシック" charset="0"/>
+                <a:cs typeface="Arial"/>
+              </a:defRPr>
+            </a:lvl2pPr>
+            <a:lvl3pPr marL="857250" indent="-171450" algn="l" defTabSz="342900" rtl="0" eaLnBrk="1" fontAlgn="base" hangingPunct="1">
+              <a:spcBef>
+                <a:spcPct val="20000"/>
+              </a:spcBef>
+              <a:spcAft>
+                <a:spcPct val="0"/>
+              </a:spcAft>
+              <a:buFont typeface="Arial" charset="0"/>
+              <a:buChar char="•"/>
+              <a:defRPr kern="1200">
+                <a:solidFill>
+                  <a:schemeClr val="tx1"/>
+                </a:solidFill>
+                <a:latin typeface="Arial"/>
+                <a:ea typeface="ＭＳ Ｐゴシック" charset="0"/>
+                <a:cs typeface="Arial"/>
+              </a:defRPr>
+            </a:lvl3pPr>
+            <a:lvl4pPr marL="1200150" indent="-171450" algn="l" defTabSz="342900" rtl="0" eaLnBrk="1" fontAlgn="base" hangingPunct="1">
+              <a:spcBef>
+                <a:spcPct val="20000"/>
+              </a:spcBef>
+              <a:spcAft>
+                <a:spcPct val="0"/>
+              </a:spcAft>
+              <a:buFont typeface="Arial" charset="0"/>
+              <a:buChar char="–"/>
+              <a:defRPr sz="1050" kern="1200">
+                <a:solidFill>
+                  <a:schemeClr val="tx1"/>
+                </a:solidFill>
+                <a:latin typeface="Arial"/>
+                <a:ea typeface="ＭＳ Ｐゴシック" charset="0"/>
+                <a:cs typeface="Arial"/>
+              </a:defRPr>
+            </a:lvl4pPr>
+            <a:lvl5pPr marL="1543050" indent="-171450" algn="l" defTabSz="342900" rtl="0" eaLnBrk="1" fontAlgn="base" hangingPunct="1">
+              <a:spcBef>
+                <a:spcPct val="20000"/>
+              </a:spcBef>
+              <a:spcAft>
+                <a:spcPct val="0"/>
+              </a:spcAft>
+              <a:buFont typeface="Arial" charset="0"/>
+              <a:buChar char="»"/>
+              <a:defRPr sz="750" kern="1200">
+                <a:solidFill>
+                  <a:schemeClr val="tx1"/>
+                </a:solidFill>
+                <a:latin typeface="Arial"/>
+                <a:ea typeface="ＭＳ Ｐゴシック" charset="0"/>
+                <a:cs typeface="Arial"/>
+              </a:defRPr>
+            </a:lvl5pPr>
+            <a:lvl6pPr marL="1885950" indent="-171450" algn="l" defTabSz="342900" rtl="0" eaLnBrk="1" latinLnBrk="0" hangingPunct="1">
+              <a:spcBef>
+                <a:spcPct val="20000"/>
+              </a:spcBef>
+              <a:buFont typeface="Arial"/>
+              <a:buChar char="•"/>
+              <a:defRPr sz="1500" kern="1200">
+                <a:solidFill>
+                  <a:schemeClr val="tx1"/>
+                </a:solidFill>
+                <a:latin typeface="+mn-lt"/>
+                <a:ea typeface="+mn-ea"/>
+                <a:cs typeface="+mn-cs"/>
+              </a:defRPr>
+            </a:lvl6pPr>
+            <a:lvl7pPr marL="2228850" indent="-171450" algn="l" defTabSz="342900" rtl="0" eaLnBrk="1" latinLnBrk="0" hangingPunct="1">
+              <a:spcBef>
+                <a:spcPct val="20000"/>
+              </a:spcBef>
+              <a:buFont typeface="Arial"/>
+              <a:buChar char="•"/>
+              <a:defRPr sz="1500" kern="1200">
+                <a:solidFill>
+                  <a:schemeClr val="tx1"/>
+                </a:solidFill>
+                <a:latin typeface="+mn-lt"/>
+                <a:ea typeface="+mn-ea"/>
+                <a:cs typeface="+mn-cs"/>
+              </a:defRPr>
+            </a:lvl7pPr>
+            <a:lvl8pPr marL="2571750" indent="-171450" algn="l" defTabSz="342900" rtl="0" eaLnBrk="1" latinLnBrk="0" hangingPunct="1">
+              <a:spcBef>
+                <a:spcPct val="20000"/>
+              </a:spcBef>
+              <a:buFont typeface="Arial"/>
+              <a:buChar char="•"/>
+              <a:defRPr sz="1500" kern="1200">
+                <a:solidFill>
+                  <a:schemeClr val="tx1"/>
+                </a:solidFill>
+                <a:latin typeface="+mn-lt"/>
+                <a:ea typeface="+mn-ea"/>
+                <a:cs typeface="+mn-cs"/>
+              </a:defRPr>
+            </a:lvl8pPr>
+            <a:lvl9pPr marL="2914650" indent="-171450" algn="l" defTabSz="342900" rtl="0" eaLnBrk="1" latinLnBrk="0" hangingPunct="1">
+              <a:spcBef>
+                <a:spcPct val="20000"/>
+              </a:spcBef>
+              <a:buFont typeface="Arial"/>
+              <a:buChar char="•"/>
+              <a:defRPr sz="1500" kern="1200">
+                <a:solidFill>
+                  <a:schemeClr val="tx1"/>
+                </a:solidFill>
+                <a:latin typeface="+mn-lt"/>
+                <a:ea typeface="+mn-ea"/>
+                <a:cs typeface="+mn-cs"/>
+              </a:defRPr>
+            </a:lvl9pPr>
+          </a:lstStyle>
+          <a:p>
+            <a:pPr marL="0" indent="0">
+              <a:buFont typeface="Arial" charset="0"/>
+              <a:buNone/>
+            </a:pPr>
+            <a:r>
+              <a:rPr lang="en-US" dirty="0"/>
+              <a:t>What general trend from your search could you organize your literature review around? </a:t>
+            </a:r>
+          </a:p>
+        </p:txBody>
+      </p:sp>
+      <p:sp>
+        <p:nvSpPr>
+          <p:cNvPr id="5" name="Content Placeholder 2">
+            <a:extLst>
+              <a:ext uri="{FF2B5EF4-FFF2-40B4-BE49-F238E27FC236}">
+                <a16:creationId xmlns:a16="http://schemas.microsoft.com/office/drawing/2014/main" id="{D17AE029-558C-48B5-874A-338D6B34088E}"/>
+              </a:ext>
+            </a:extLst>
+          </p:cNvPr>
+          <p:cNvSpPr txBox="1">
+            <a:spLocks/>
+          </p:cNvSpPr>
+          <p:nvPr/>
+        </p:nvSpPr>
+        <p:spPr bwMode="auto">
+          <a:xfrm>
+            <a:off x="1485900" y="2893953"/>
+            <a:ext cx="6563946" cy="801290"/>
+          </a:xfrm>
+          <a:prstGeom prst="rect">
+            <a:avLst/>
+          </a:prstGeom>
+          <a:noFill/>
+          <a:ln>
+            <a:noFill/>
+          </a:ln>
+          <a:extLst>
+            <a:ext uri="{909E8E84-426E-40DD-AFC4-6F175D3DCCD1}">
+              <a14:hiddenFill xmlns:a14="http://schemas.microsoft.com/office/drawing/2010/main">
+                <a:solidFill>
+                  <a:srgbClr val="FFFFFF"/>
+                </a:solidFill>
+              </a14:hiddenFill>
+            </a:ext>
+            <a:ext uri="{91240B29-F687-4F45-9708-019B960494DF}">
+              <a14:hiddenLine xmlns:a14="http://schemas.microsoft.com/office/drawing/2010/main" w="9525">
+                <a:solidFill>
+                  <a:srgbClr val="000000"/>
+                </a:solidFill>
+                <a:miter lim="800000"/>
+                <a:headEnd/>
+                <a:tailEnd/>
+              </a14:hiddenLine>
+            </a:ext>
+            <a:ext uri="{FAA26D3D-D897-4be2-8F04-BA451C77F1D7}">
+              <ma14:placeholderFlag xmlns:ma14="http://schemas.microsoft.com/office/mac/drawingml/2011/main" xmlns="" val="1"/>
+            </a:ext>
+          </a:extLst>
+        </p:spPr>
+        <p:txBody>
+          <a:bodyPr vert="horz" wrap="square" lIns="91440" tIns="45720" rIns="91440" bIns="45720" numCol="1" anchor="t" anchorCtr="0" compatLnSpc="1">
+            <a:prstTxWarp prst="textNoShape">
+              <a:avLst/>
+            </a:prstTxWarp>
+          </a:bodyPr>
+          <a:lstStyle>
+            <a:lvl1pPr marL="257175" indent="-257175" algn="l" defTabSz="342900" rtl="0" eaLnBrk="1" fontAlgn="base" hangingPunct="1">
+              <a:spcBef>
+                <a:spcPct val="20000"/>
+              </a:spcBef>
+              <a:spcAft>
+                <a:spcPct val="0"/>
+              </a:spcAft>
+              <a:buFont typeface="Arial" charset="0"/>
+              <a:buChar char="•"/>
+              <a:defRPr sz="1800" kern="1200">
+                <a:solidFill>
+                  <a:schemeClr val="tx1"/>
+                </a:solidFill>
+                <a:latin typeface="Arial"/>
+                <a:ea typeface="ＭＳ Ｐゴシック" charset="0"/>
+                <a:cs typeface="Arial"/>
+              </a:defRPr>
+            </a:lvl1pPr>
+            <a:lvl2pPr marL="557213" indent="-214313" algn="l" defTabSz="342900" rtl="0" eaLnBrk="1" fontAlgn="base" hangingPunct="1">
+              <a:spcBef>
+                <a:spcPct val="20000"/>
+              </a:spcBef>
+              <a:spcAft>
+                <a:spcPct val="0"/>
+              </a:spcAft>
+              <a:buFont typeface="Arial" charset="0"/>
+              <a:buChar char="–"/>
+              <a:defRPr sz="1800" kern="1200">
+                <a:solidFill>
+                  <a:schemeClr val="tx1"/>
+                </a:solidFill>
+                <a:latin typeface="Arial"/>
+                <a:ea typeface="ＭＳ Ｐゴシック" charset="0"/>
+                <a:cs typeface="Arial"/>
+              </a:defRPr>
+            </a:lvl2pPr>
+            <a:lvl3pPr marL="857250" indent="-171450" algn="l" defTabSz="342900" rtl="0" eaLnBrk="1" fontAlgn="base" hangingPunct="1">
+              <a:spcBef>
+                <a:spcPct val="20000"/>
+              </a:spcBef>
+              <a:spcAft>
+                <a:spcPct val="0"/>
+              </a:spcAft>
+              <a:buFont typeface="Arial" charset="0"/>
+              <a:buChar char="•"/>
+              <a:defRPr kern="1200">
+                <a:solidFill>
+                  <a:schemeClr val="tx1"/>
+                </a:solidFill>
+                <a:latin typeface="Arial"/>
+                <a:ea typeface="ＭＳ Ｐゴシック" charset="0"/>
+                <a:cs typeface="Arial"/>
+              </a:defRPr>
+            </a:lvl3pPr>
+            <a:lvl4pPr marL="1200150" indent="-171450" algn="l" defTabSz="342900" rtl="0" eaLnBrk="1" fontAlgn="base" hangingPunct="1">
+              <a:spcBef>
+                <a:spcPct val="20000"/>
+              </a:spcBef>
+              <a:spcAft>
+                <a:spcPct val="0"/>
+              </a:spcAft>
+              <a:buFont typeface="Arial" charset="0"/>
+              <a:buChar char="–"/>
+              <a:defRPr sz="1050" kern="1200">
+                <a:solidFill>
+                  <a:schemeClr val="tx1"/>
+                </a:solidFill>
+                <a:latin typeface="Arial"/>
+                <a:ea typeface="ＭＳ Ｐゴシック" charset="0"/>
+                <a:cs typeface="Arial"/>
+              </a:defRPr>
+            </a:lvl4pPr>
+            <a:lvl5pPr marL="1543050" indent="-171450" algn="l" defTabSz="342900" rtl="0" eaLnBrk="1" fontAlgn="base" hangingPunct="1">
+              <a:spcBef>
+                <a:spcPct val="20000"/>
+              </a:spcBef>
+              <a:spcAft>
+                <a:spcPct val="0"/>
+              </a:spcAft>
+              <a:buFont typeface="Arial" charset="0"/>
+              <a:buChar char="»"/>
+              <a:defRPr sz="750" kern="1200">
+                <a:solidFill>
+                  <a:schemeClr val="tx1"/>
+                </a:solidFill>
+                <a:latin typeface="Arial"/>
+                <a:ea typeface="ＭＳ Ｐゴシック" charset="0"/>
+                <a:cs typeface="Arial"/>
+              </a:defRPr>
+            </a:lvl5pPr>
+            <a:lvl6pPr marL="1885950" indent="-171450" algn="l" defTabSz="342900" rtl="0" eaLnBrk="1" latinLnBrk="0" hangingPunct="1">
+              <a:spcBef>
+                <a:spcPct val="20000"/>
+              </a:spcBef>
+              <a:buFont typeface="Arial"/>
+              <a:buChar char="•"/>
+              <a:defRPr sz="1500" kern="1200">
+                <a:solidFill>
+                  <a:schemeClr val="tx1"/>
+                </a:solidFill>
+                <a:latin typeface="+mn-lt"/>
+                <a:ea typeface="+mn-ea"/>
+                <a:cs typeface="+mn-cs"/>
+              </a:defRPr>
+            </a:lvl6pPr>
+            <a:lvl7pPr marL="2228850" indent="-171450" algn="l" defTabSz="342900" rtl="0" eaLnBrk="1" latinLnBrk="0" hangingPunct="1">
+              <a:spcBef>
+                <a:spcPct val="20000"/>
+              </a:spcBef>
+              <a:buFont typeface="Arial"/>
+              <a:buChar char="•"/>
+              <a:defRPr sz="1500" kern="1200">
+                <a:solidFill>
+                  <a:schemeClr val="tx1"/>
+                </a:solidFill>
+                <a:latin typeface="+mn-lt"/>
+                <a:ea typeface="+mn-ea"/>
+                <a:cs typeface="+mn-cs"/>
+              </a:defRPr>
+            </a:lvl7pPr>
+            <a:lvl8pPr marL="2571750" indent="-171450" algn="l" defTabSz="342900" rtl="0" eaLnBrk="1" latinLnBrk="0" hangingPunct="1">
+              <a:spcBef>
+                <a:spcPct val="20000"/>
+              </a:spcBef>
+              <a:buFont typeface="Arial"/>
+              <a:buChar char="•"/>
+              <a:defRPr sz="1500" kern="1200">
+                <a:solidFill>
+                  <a:schemeClr val="tx1"/>
+                </a:solidFill>
+                <a:latin typeface="+mn-lt"/>
+                <a:ea typeface="+mn-ea"/>
+                <a:cs typeface="+mn-cs"/>
+              </a:defRPr>
+            </a:lvl8pPr>
+            <a:lvl9pPr marL="2914650" indent="-171450" algn="l" defTabSz="342900" rtl="0" eaLnBrk="1" latinLnBrk="0" hangingPunct="1">
+              <a:spcBef>
+                <a:spcPct val="20000"/>
+              </a:spcBef>
+              <a:buFont typeface="Arial"/>
+              <a:buChar char="•"/>
+              <a:defRPr sz="1500" kern="1200">
+                <a:solidFill>
+                  <a:schemeClr val="tx1"/>
+                </a:solidFill>
+                <a:latin typeface="+mn-lt"/>
+                <a:ea typeface="+mn-ea"/>
+                <a:cs typeface="+mn-cs"/>
+              </a:defRPr>
+            </a:lvl9pPr>
+          </a:lstStyle>
+          <a:p>
+            <a:pPr marL="0" indent="0">
+              <a:buFont typeface="Arial" charset="0"/>
+              <a:buNone/>
+            </a:pPr>
+            <a:r>
+              <a:rPr lang="en-US" dirty="0"/>
+              <a:t>What is the big question your literature review is based upon? What is the narrower focus? </a:t>
+            </a:r>
+          </a:p>
+        </p:txBody>
+      </p:sp>
+      <p:sp>
+        <p:nvSpPr>
+          <p:cNvPr id="6" name="Content Placeholder 2">
+            <a:extLst>
+              <a:ext uri="{FF2B5EF4-FFF2-40B4-BE49-F238E27FC236}">
+                <a16:creationId xmlns:a16="http://schemas.microsoft.com/office/drawing/2014/main" id="{2025EEDC-CA5D-4F09-A078-131AFE531066}"/>
+              </a:ext>
+            </a:extLst>
+          </p:cNvPr>
+          <p:cNvSpPr txBox="1">
+            <a:spLocks/>
+          </p:cNvSpPr>
+          <p:nvPr/>
+        </p:nvSpPr>
+        <p:spPr bwMode="auto">
+          <a:xfrm>
+            <a:off x="1485900" y="4003387"/>
+            <a:ext cx="6563946" cy="801290"/>
+          </a:xfrm>
+          <a:prstGeom prst="rect">
+            <a:avLst/>
+          </a:prstGeom>
+          <a:noFill/>
+          <a:ln>
+            <a:noFill/>
+          </a:ln>
+          <a:extLst>
+            <a:ext uri="{909E8E84-426E-40DD-AFC4-6F175D3DCCD1}">
+              <a14:hiddenFill xmlns:a14="http://schemas.microsoft.com/office/drawing/2010/main">
+                <a:solidFill>
+                  <a:srgbClr val="FFFFFF"/>
+                </a:solidFill>
+              </a14:hiddenFill>
+            </a:ext>
+            <a:ext uri="{91240B29-F687-4F45-9708-019B960494DF}">
+              <a14:hiddenLine xmlns:a14="http://schemas.microsoft.com/office/drawing/2010/main" w="9525">
+                <a:solidFill>
+                  <a:srgbClr val="000000"/>
+                </a:solidFill>
+                <a:miter lim="800000"/>
+                <a:headEnd/>
+                <a:tailEnd/>
+              </a14:hiddenLine>
+            </a:ext>
+            <a:ext uri="{FAA26D3D-D897-4be2-8F04-BA451C77F1D7}">
+              <ma14:placeholderFlag xmlns:ma14="http://schemas.microsoft.com/office/mac/drawingml/2011/main" xmlns="" val="1"/>
+            </a:ext>
+          </a:extLst>
+        </p:spPr>
+        <p:txBody>
+          <a:bodyPr vert="horz" wrap="square" lIns="91440" tIns="45720" rIns="91440" bIns="45720" numCol="1" anchor="t" anchorCtr="0" compatLnSpc="1">
+            <a:prstTxWarp prst="textNoShape">
+              <a:avLst/>
+            </a:prstTxWarp>
+          </a:bodyPr>
+          <a:lstStyle>
+            <a:lvl1pPr marL="257175" indent="-257175" algn="l" defTabSz="342900" rtl="0" eaLnBrk="1" fontAlgn="base" hangingPunct="1">
+              <a:spcBef>
+                <a:spcPct val="20000"/>
+              </a:spcBef>
+              <a:spcAft>
+                <a:spcPct val="0"/>
+              </a:spcAft>
+              <a:buFont typeface="Arial" charset="0"/>
+              <a:buChar char="•"/>
+              <a:defRPr sz="1800" kern="1200">
+                <a:solidFill>
+                  <a:schemeClr val="tx1"/>
+                </a:solidFill>
+                <a:latin typeface="Arial"/>
+                <a:ea typeface="ＭＳ Ｐゴシック" charset="0"/>
+                <a:cs typeface="Arial"/>
+              </a:defRPr>
+            </a:lvl1pPr>
+            <a:lvl2pPr marL="557213" indent="-214313" algn="l" defTabSz="342900" rtl="0" eaLnBrk="1" fontAlgn="base" hangingPunct="1">
+              <a:spcBef>
+                <a:spcPct val="20000"/>
+              </a:spcBef>
+              <a:spcAft>
+                <a:spcPct val="0"/>
+              </a:spcAft>
+              <a:buFont typeface="Arial" charset="0"/>
+              <a:buChar char="–"/>
+              <a:defRPr sz="1800" kern="1200">
+                <a:solidFill>
+                  <a:schemeClr val="tx1"/>
+                </a:solidFill>
+                <a:latin typeface="Arial"/>
+                <a:ea typeface="ＭＳ Ｐゴシック" charset="0"/>
+                <a:cs typeface="Arial"/>
+              </a:defRPr>
+            </a:lvl2pPr>
+            <a:lvl3pPr marL="857250" indent="-171450" algn="l" defTabSz="342900" rtl="0" eaLnBrk="1" fontAlgn="base" hangingPunct="1">
+              <a:spcBef>
+                <a:spcPct val="20000"/>
+              </a:spcBef>
+              <a:spcAft>
+                <a:spcPct val="0"/>
+              </a:spcAft>
+              <a:buFont typeface="Arial" charset="0"/>
+              <a:buChar char="•"/>
+              <a:defRPr kern="1200">
+                <a:solidFill>
+                  <a:schemeClr val="tx1"/>
+                </a:solidFill>
+                <a:latin typeface="Arial"/>
+                <a:ea typeface="ＭＳ Ｐゴシック" charset="0"/>
+                <a:cs typeface="Arial"/>
+              </a:defRPr>
+            </a:lvl3pPr>
+            <a:lvl4pPr marL="1200150" indent="-171450" algn="l" defTabSz="342900" rtl="0" eaLnBrk="1" fontAlgn="base" hangingPunct="1">
+              <a:spcBef>
+                <a:spcPct val="20000"/>
+              </a:spcBef>
+              <a:spcAft>
+                <a:spcPct val="0"/>
+              </a:spcAft>
+              <a:buFont typeface="Arial" charset="0"/>
+              <a:buChar char="–"/>
+              <a:defRPr sz="1050" kern="1200">
+                <a:solidFill>
+                  <a:schemeClr val="tx1"/>
+                </a:solidFill>
+                <a:latin typeface="Arial"/>
+                <a:ea typeface="ＭＳ Ｐゴシック" charset="0"/>
+                <a:cs typeface="Arial"/>
+              </a:defRPr>
+            </a:lvl4pPr>
+            <a:lvl5pPr marL="1543050" indent="-171450" algn="l" defTabSz="342900" rtl="0" eaLnBrk="1" fontAlgn="base" hangingPunct="1">
+              <a:spcBef>
+                <a:spcPct val="20000"/>
+              </a:spcBef>
+              <a:spcAft>
+                <a:spcPct val="0"/>
+              </a:spcAft>
+              <a:buFont typeface="Arial" charset="0"/>
+              <a:buChar char="»"/>
+              <a:defRPr sz="750" kern="1200">
+                <a:solidFill>
+                  <a:schemeClr val="tx1"/>
+                </a:solidFill>
+                <a:latin typeface="Arial"/>
+                <a:ea typeface="ＭＳ Ｐゴシック" charset="0"/>
+                <a:cs typeface="Arial"/>
+              </a:defRPr>
+            </a:lvl5pPr>
+            <a:lvl6pPr marL="1885950" indent="-171450" algn="l" defTabSz="342900" rtl="0" eaLnBrk="1" latinLnBrk="0" hangingPunct="1">
+              <a:spcBef>
+                <a:spcPct val="20000"/>
+              </a:spcBef>
+              <a:buFont typeface="Arial"/>
+              <a:buChar char="•"/>
+              <a:defRPr sz="1500" kern="1200">
+                <a:solidFill>
+                  <a:schemeClr val="tx1"/>
+                </a:solidFill>
+                <a:latin typeface="+mn-lt"/>
+                <a:ea typeface="+mn-ea"/>
+                <a:cs typeface="+mn-cs"/>
+              </a:defRPr>
+            </a:lvl6pPr>
+            <a:lvl7pPr marL="2228850" indent="-171450" algn="l" defTabSz="342900" rtl="0" eaLnBrk="1" latinLnBrk="0" hangingPunct="1">
+              <a:spcBef>
+                <a:spcPct val="20000"/>
+              </a:spcBef>
+              <a:buFont typeface="Arial"/>
+              <a:buChar char="•"/>
+              <a:defRPr sz="1500" kern="1200">
+                <a:solidFill>
+                  <a:schemeClr val="tx1"/>
+                </a:solidFill>
+                <a:latin typeface="+mn-lt"/>
+                <a:ea typeface="+mn-ea"/>
+                <a:cs typeface="+mn-cs"/>
+              </a:defRPr>
+            </a:lvl7pPr>
+            <a:lvl8pPr marL="2571750" indent="-171450" algn="l" defTabSz="342900" rtl="0" eaLnBrk="1" latinLnBrk="0" hangingPunct="1">
+              <a:spcBef>
+                <a:spcPct val="20000"/>
+              </a:spcBef>
+              <a:buFont typeface="Arial"/>
+              <a:buChar char="•"/>
+              <a:defRPr sz="1500" kern="1200">
+                <a:solidFill>
+                  <a:schemeClr val="tx1"/>
+                </a:solidFill>
+                <a:latin typeface="+mn-lt"/>
+                <a:ea typeface="+mn-ea"/>
+                <a:cs typeface="+mn-cs"/>
+              </a:defRPr>
+            </a:lvl8pPr>
+            <a:lvl9pPr marL="2914650" indent="-171450" algn="l" defTabSz="342900" rtl="0" eaLnBrk="1" latinLnBrk="0" hangingPunct="1">
+              <a:spcBef>
+                <a:spcPct val="20000"/>
+              </a:spcBef>
+              <a:buFont typeface="Arial"/>
+              <a:buChar char="•"/>
+              <a:defRPr sz="1500" kern="1200">
+                <a:solidFill>
+                  <a:schemeClr val="tx1"/>
+                </a:solidFill>
+                <a:latin typeface="+mn-lt"/>
+                <a:ea typeface="+mn-ea"/>
+                <a:cs typeface="+mn-cs"/>
+              </a:defRPr>
+            </a:lvl9pPr>
+          </a:lstStyle>
+          <a:p>
+            <a:pPr marL="0" indent="0">
+              <a:buFont typeface="Arial" charset="0"/>
+              <a:buNone/>
+            </a:pPr>
+            <a:r>
+              <a:rPr lang="en-US" dirty="0"/>
+              <a:t>What is your ideal for your project? What pragmatic considerations should you account for? </a:t>
+            </a:r>
+          </a:p>
+        </p:txBody>
+      </p:sp>
+    </p:spTree>
+    <p:extLst>
+      <p:ext uri="{BB962C8B-B14F-4D97-AF65-F5344CB8AC3E}">
+        <p14:creationId xmlns:p14="http://schemas.microsoft.com/office/powerpoint/2010/main" val="2208055471"/>
+      </p:ext>
+    </p:extLst>
+  </p:cSld>
+  <p:clrMapOvr>
+    <a:masterClrMapping/>
+  </p:clrMapOvr>
+</p:sld>
+</file>
+
+<file path=ppt/slides/slide16.xml><?xml version="1.0" encoding="utf-8"?>
 <p:sld xmlns:a="http://schemas.openxmlformats.org/drawingml/2006/main" xmlns:r="http://schemas.openxmlformats.org/officeDocument/2006/relationships" xmlns:p="http://schemas.openxmlformats.org/presentationml/2006/main">
   <p:cSld>
     <p:spTree>
@@ -6590,7 +9404,7 @@
 </p:sld>
 </file>
 
-<file path=ppt/slides/slide12.xml><?xml version="1.0" encoding="utf-8"?>
+<file path=ppt/slides/slide17.xml><?xml version="1.0" encoding="utf-8"?>
 <p:sld xmlns:a="http://schemas.openxmlformats.org/drawingml/2006/main" xmlns:r="http://schemas.openxmlformats.org/officeDocument/2006/relationships" xmlns:p="http://schemas.openxmlformats.org/presentationml/2006/main">
   <p:cSld>
     <p:spTree>
@@ -7216,7 +10030,7 @@
 </p:sld>
 </file>
 
-<file path=ppt/slides/slide13.xml><?xml version="1.0" encoding="utf-8"?>
+<file path=ppt/slides/slide18.xml><?xml version="1.0" encoding="utf-8"?>
 <p:sld xmlns:a="http://schemas.openxmlformats.org/drawingml/2006/main" xmlns:r="http://schemas.openxmlformats.org/officeDocument/2006/relationships" xmlns:p="http://schemas.openxmlformats.org/presentationml/2006/main">
   <p:cSld>
     <p:spTree>
@@ -8617,7 +11431,7 @@
 </p:sld>
 </file>
 
-<file path=ppt/slides/slide14.xml><?xml version="1.0" encoding="utf-8"?>
+<file path=ppt/slides/slide19.xml><?xml version="1.0" encoding="utf-8"?>
 <p:sld xmlns:a="http://schemas.openxmlformats.org/drawingml/2006/main" xmlns:r="http://schemas.openxmlformats.org/officeDocument/2006/relationships" xmlns:p="http://schemas.openxmlformats.org/presentationml/2006/main">
   <p:cSld>
     <p:spTree>
@@ -9425,7 +12239,126 @@
 </p:sld>
 </file>
 
-<file path=ppt/slides/slide15.xml><?xml version="1.0" encoding="utf-8"?>
+<file path=ppt/slides/slide2.xml><?xml version="1.0" encoding="utf-8"?>
+<p:sld xmlns:a="http://schemas.openxmlformats.org/drawingml/2006/main" xmlns:r="http://schemas.openxmlformats.org/officeDocument/2006/relationships" xmlns:p="http://schemas.openxmlformats.org/presentationml/2006/main">
+  <p:cSld>
+    <p:spTree>
+      <p:nvGrpSpPr>
+        <p:cNvPr id="1" name=""/>
+        <p:cNvGrpSpPr/>
+        <p:nvPr/>
+      </p:nvGrpSpPr>
+      <p:grpSpPr>
+        <a:xfrm>
+          <a:off x="0" y="0"/>
+          <a:ext cx="0" cy="0"/>
+          <a:chOff x="0" y="0"/>
+          <a:chExt cx="0" cy="0"/>
+        </a:xfrm>
+      </p:grpSpPr>
+      <p:sp>
+        <p:nvSpPr>
+          <p:cNvPr id="2" name="Title 1">
+            <a:extLst>
+              <a:ext uri="{FF2B5EF4-FFF2-40B4-BE49-F238E27FC236}">
+                <a16:creationId xmlns:a16="http://schemas.microsoft.com/office/drawing/2014/main" id="{62CF985A-70CA-4D2E-86CF-44CA1BC38E0C}"/>
+              </a:ext>
+            </a:extLst>
+          </p:cNvPr>
+          <p:cNvSpPr>
+            <a:spLocks noGrp="1"/>
+          </p:cNvSpPr>
+          <p:nvPr>
+            <p:ph type="title"/>
+          </p:nvPr>
+        </p:nvSpPr>
+        <p:spPr/>
+        <p:txBody>
+          <a:bodyPr/>
+          <a:lstStyle/>
+          <a:p>
+            <a:r>
+              <a:rPr lang="en-US" dirty="0"/>
+              <a:t>Getting Started </a:t>
+            </a:r>
+          </a:p>
+        </p:txBody>
+      </p:sp>
+      <p:sp>
+        <p:nvSpPr>
+          <p:cNvPr id="6" name="Content Placeholder 5">
+            <a:extLst>
+              <a:ext uri="{FF2B5EF4-FFF2-40B4-BE49-F238E27FC236}">
+                <a16:creationId xmlns:a16="http://schemas.microsoft.com/office/drawing/2014/main" id="{671C83BD-4CF0-4315-A531-516409E1AB6F}"/>
+              </a:ext>
+            </a:extLst>
+          </p:cNvPr>
+          <p:cNvSpPr>
+            <a:spLocks noGrp="1"/>
+          </p:cNvSpPr>
+          <p:nvPr>
+            <p:ph idx="1"/>
+          </p:nvPr>
+        </p:nvSpPr>
+        <p:spPr/>
+        <p:txBody>
+          <a:bodyPr/>
+          <a:lstStyle/>
+          <a:p>
+            <a:pPr marL="0" indent="0">
+              <a:buNone/>
+            </a:pPr>
+            <a:r>
+              <a:rPr lang="en-US" dirty="0"/>
+              <a:t>Pull out a pen and paper. Take a moment, and think about the following question: </a:t>
+            </a:r>
+          </a:p>
+          <a:p>
+            <a:pPr marL="0" indent="0">
+              <a:buNone/>
+            </a:pPr>
+            <a:endParaRPr lang="en-US" dirty="0"/>
+          </a:p>
+          <a:p>
+            <a:pPr marL="0" indent="0">
+              <a:buNone/>
+            </a:pPr>
+            <a:r>
+              <a:rPr lang="en-US" dirty="0"/>
+              <a:t>What problems have you confronted conducting a literature review?  </a:t>
+            </a:r>
+          </a:p>
+          <a:p>
+            <a:pPr marL="0" indent="0">
+              <a:buNone/>
+            </a:pPr>
+            <a:endParaRPr lang="en-US" dirty="0"/>
+          </a:p>
+          <a:p>
+            <a:pPr marL="0" indent="0">
+              <a:buNone/>
+            </a:pPr>
+            <a:r>
+              <a:rPr lang="en-US" dirty="0"/>
+              <a:t>Then, write down a few of the ideas that come to you. We will share these to start our conversation. </a:t>
+            </a:r>
+          </a:p>
+        </p:txBody>
+      </p:sp>
+    </p:spTree>
+    <p:extLst>
+      <p:ext uri="{BB962C8B-B14F-4D97-AF65-F5344CB8AC3E}">
+        <p14:creationId xmlns:p14="http://schemas.microsoft.com/office/powerpoint/2010/main" val="2409496009"/>
+      </p:ext>
+    </p:extLst>
+  </p:cSld>
+  <p:clrMapOvr>
+    <a:masterClrMapping/>
+  </p:clrMapOvr>
+</p:sld>
+</file>
+
+<file path=ppt/slides/slide20.xml><?xml version="1.0" encoding="utf-8"?>
 <p:sld xmlns:a="http://schemas.openxmlformats.org/drawingml/2006/main" xmlns:r="http://schemas.openxmlformats.org/officeDocument/2006/relationships" xmlns:p="http://schemas.openxmlformats.org/presentationml/2006/main">
   <p:cSld>
     <p:spTree>
@@ -10661,7 +13594,7 @@
 </p:sld>
 </file>
 
-<file path=ppt/slides/slide16.xml><?xml version="1.0" encoding="utf-8"?>
+<file path=ppt/slides/slide21.xml><?xml version="1.0" encoding="utf-8"?>
 <p:sld xmlns:a="http://schemas.openxmlformats.org/drawingml/2006/main" xmlns:r="http://schemas.openxmlformats.org/officeDocument/2006/relationships" xmlns:p="http://schemas.openxmlformats.org/presentationml/2006/main">
   <p:cSld>
     <p:spTree>
@@ -11225,7 +14158,7 @@
 </p:sld>
 </file>
 
-<file path=ppt/slides/slide17.xml><?xml version="1.0" encoding="utf-8"?>
+<file path=ppt/slides/slide22.xml><?xml version="1.0" encoding="utf-8"?>
 <p:sld xmlns:a="http://schemas.openxmlformats.org/drawingml/2006/main" xmlns:r="http://schemas.openxmlformats.org/officeDocument/2006/relationships" xmlns:p="http://schemas.openxmlformats.org/presentationml/2006/main">
   <p:cSld>
     <p:spTree>
@@ -11247,7 +14180,7 @@
           <p:cNvPr id="2" name="Title 1">
             <a:extLst>
               <a:ext uri="{FF2B5EF4-FFF2-40B4-BE49-F238E27FC236}">
-                <a16:creationId xmlns:a16="http://schemas.microsoft.com/office/drawing/2014/main" id="{F088BE2E-2070-4BC6-A56B-F5C06027E2E4}"/>
+                <a16:creationId xmlns:a16="http://schemas.microsoft.com/office/drawing/2014/main" id="{2DDF428A-04A8-4D63-A943-C70838B54228}"/>
               </a:ext>
             </a:extLst>
           </p:cNvPr>
@@ -11265,664 +14198,74 @@
           <a:p>
             <a:r>
               <a:rPr lang="en-US" dirty="0"/>
-              <a:t>Conducting your own literature review, Pt. 2</a:t>
+              <a:t>Cool Down</a:t>
             </a:r>
           </a:p>
         </p:txBody>
       </p:sp>
       <p:sp>
         <p:nvSpPr>
-          <p:cNvPr id="4" name="Content Placeholder 2">
+          <p:cNvPr id="4" name="Rectangle 3">
             <a:extLst>
               <a:ext uri="{FF2B5EF4-FFF2-40B4-BE49-F238E27FC236}">
-                <a16:creationId xmlns:a16="http://schemas.microsoft.com/office/drawing/2014/main" id="{813170DE-BABA-4C25-9587-889C5456EECF}"/>
+                <a16:creationId xmlns:a16="http://schemas.microsoft.com/office/drawing/2014/main" id="{C925F89A-6F96-480E-BF35-D556DC401627}"/>
               </a:ext>
             </a:extLst>
           </p:cNvPr>
-          <p:cNvSpPr txBox="1">
-            <a:spLocks/>
-          </p:cNvSpPr>
+          <p:cNvSpPr/>
           <p:nvPr/>
         </p:nvSpPr>
-        <p:spPr bwMode="auto">
+        <p:spPr>
           <a:xfrm>
-            <a:off x="1485900" y="1784519"/>
-            <a:ext cx="6563946" cy="801290"/>
+            <a:off x="672123" y="2156251"/>
+            <a:ext cx="7799754" cy="2554545"/>
           </a:xfrm>
           <a:prstGeom prst="rect">
             <a:avLst/>
           </a:prstGeom>
-          <a:noFill/>
-          <a:ln>
-            <a:noFill/>
-          </a:ln>
-          <a:extLst>
-            <a:ext uri="{909E8E84-426E-40DD-AFC4-6F175D3DCCD1}">
-              <a14:hiddenFill xmlns:a14="http://schemas.microsoft.com/office/drawing/2010/main">
-                <a:solidFill>
-                  <a:srgbClr val="FFFFFF"/>
-                </a:solidFill>
-              </a14:hiddenFill>
-            </a:ext>
-            <a:ext uri="{91240B29-F687-4F45-9708-019B960494DF}">
-              <a14:hiddenLine xmlns:a14="http://schemas.microsoft.com/office/drawing/2010/main" w="9525">
-                <a:solidFill>
-                  <a:srgbClr val="000000"/>
-                </a:solidFill>
-                <a:miter lim="800000"/>
-                <a:headEnd/>
-                <a:tailEnd/>
-              </a14:hiddenLine>
-            </a:ext>
-            <a:ext uri="{FAA26D3D-D897-4be2-8F04-BA451C77F1D7}">
-              <ma14:placeholderFlag xmlns:ma14="http://schemas.microsoft.com/office/mac/drawingml/2011/main" xmlns="" val="1"/>
-            </a:ext>
-          </a:extLst>
         </p:spPr>
         <p:txBody>
-          <a:bodyPr vert="horz" wrap="square" lIns="91440" tIns="45720" rIns="91440" bIns="45720" numCol="1" anchor="t" anchorCtr="0" compatLnSpc="1">
-            <a:prstTxWarp prst="textNoShape">
-              <a:avLst/>
-            </a:prstTxWarp>
+          <a:bodyPr wrap="square">
+            <a:spAutoFit/>
           </a:bodyPr>
-          <a:lstStyle>
-            <a:lvl1pPr marL="257175" indent="-257175" algn="l" defTabSz="342900" rtl="0" eaLnBrk="1" fontAlgn="base" hangingPunct="1">
-              <a:spcBef>
-                <a:spcPct val="20000"/>
-              </a:spcBef>
-              <a:spcAft>
-                <a:spcPct val="0"/>
-              </a:spcAft>
-              <a:buFont typeface="Arial" charset="0"/>
-              <a:buChar char="•"/>
-              <a:defRPr sz="1800" kern="1200">
-                <a:solidFill>
-                  <a:schemeClr val="tx1"/>
-                </a:solidFill>
-                <a:latin typeface="Arial"/>
-                <a:ea typeface="ＭＳ Ｐゴシック" charset="0"/>
-                <a:cs typeface="Arial"/>
-              </a:defRPr>
-            </a:lvl1pPr>
-            <a:lvl2pPr marL="557213" indent="-214313" algn="l" defTabSz="342900" rtl="0" eaLnBrk="1" fontAlgn="base" hangingPunct="1">
-              <a:spcBef>
-                <a:spcPct val="20000"/>
-              </a:spcBef>
-              <a:spcAft>
-                <a:spcPct val="0"/>
-              </a:spcAft>
-              <a:buFont typeface="Arial" charset="0"/>
-              <a:buChar char="–"/>
-              <a:defRPr sz="1800" kern="1200">
-                <a:solidFill>
-                  <a:schemeClr val="tx1"/>
-                </a:solidFill>
-                <a:latin typeface="Arial"/>
-                <a:ea typeface="ＭＳ Ｐゴシック" charset="0"/>
-                <a:cs typeface="Arial"/>
-              </a:defRPr>
-            </a:lvl2pPr>
-            <a:lvl3pPr marL="857250" indent="-171450" algn="l" defTabSz="342900" rtl="0" eaLnBrk="1" fontAlgn="base" hangingPunct="1">
-              <a:spcBef>
-                <a:spcPct val="20000"/>
-              </a:spcBef>
-              <a:spcAft>
-                <a:spcPct val="0"/>
-              </a:spcAft>
-              <a:buFont typeface="Arial" charset="0"/>
-              <a:buChar char="•"/>
-              <a:defRPr kern="1200">
-                <a:solidFill>
-                  <a:schemeClr val="tx1"/>
-                </a:solidFill>
-                <a:latin typeface="Arial"/>
-                <a:ea typeface="ＭＳ Ｐゴシック" charset="0"/>
-                <a:cs typeface="Arial"/>
-              </a:defRPr>
-            </a:lvl3pPr>
-            <a:lvl4pPr marL="1200150" indent="-171450" algn="l" defTabSz="342900" rtl="0" eaLnBrk="1" fontAlgn="base" hangingPunct="1">
-              <a:spcBef>
-                <a:spcPct val="20000"/>
-              </a:spcBef>
-              <a:spcAft>
-                <a:spcPct val="0"/>
-              </a:spcAft>
-              <a:buFont typeface="Arial" charset="0"/>
-              <a:buChar char="–"/>
-              <a:defRPr sz="1050" kern="1200">
-                <a:solidFill>
-                  <a:schemeClr val="tx1"/>
-                </a:solidFill>
-                <a:latin typeface="Arial"/>
-                <a:ea typeface="ＭＳ Ｐゴシック" charset="0"/>
-                <a:cs typeface="Arial"/>
-              </a:defRPr>
-            </a:lvl4pPr>
-            <a:lvl5pPr marL="1543050" indent="-171450" algn="l" defTabSz="342900" rtl="0" eaLnBrk="1" fontAlgn="base" hangingPunct="1">
-              <a:spcBef>
-                <a:spcPct val="20000"/>
-              </a:spcBef>
-              <a:spcAft>
-                <a:spcPct val="0"/>
-              </a:spcAft>
-              <a:buFont typeface="Arial" charset="0"/>
-              <a:buChar char="»"/>
-              <a:defRPr sz="750" kern="1200">
-                <a:solidFill>
-                  <a:schemeClr val="tx1"/>
-                </a:solidFill>
-                <a:latin typeface="Arial"/>
-                <a:ea typeface="ＭＳ Ｐゴシック" charset="0"/>
-                <a:cs typeface="Arial"/>
-              </a:defRPr>
-            </a:lvl5pPr>
-            <a:lvl6pPr marL="1885950" indent="-171450" algn="l" defTabSz="342900" rtl="0" eaLnBrk="1" latinLnBrk="0" hangingPunct="1">
-              <a:spcBef>
-                <a:spcPct val="20000"/>
-              </a:spcBef>
-              <a:buFont typeface="Arial"/>
-              <a:buChar char="•"/>
-              <a:defRPr sz="1500" kern="1200">
-                <a:solidFill>
-                  <a:schemeClr val="tx1"/>
-                </a:solidFill>
-                <a:latin typeface="+mn-lt"/>
-                <a:ea typeface="+mn-ea"/>
-                <a:cs typeface="+mn-cs"/>
-              </a:defRPr>
-            </a:lvl6pPr>
-            <a:lvl7pPr marL="2228850" indent="-171450" algn="l" defTabSz="342900" rtl="0" eaLnBrk="1" latinLnBrk="0" hangingPunct="1">
-              <a:spcBef>
-                <a:spcPct val="20000"/>
-              </a:spcBef>
-              <a:buFont typeface="Arial"/>
-              <a:buChar char="•"/>
-              <a:defRPr sz="1500" kern="1200">
-                <a:solidFill>
-                  <a:schemeClr val="tx1"/>
-                </a:solidFill>
-                <a:latin typeface="+mn-lt"/>
-                <a:ea typeface="+mn-ea"/>
-                <a:cs typeface="+mn-cs"/>
-              </a:defRPr>
-            </a:lvl7pPr>
-            <a:lvl8pPr marL="2571750" indent="-171450" algn="l" defTabSz="342900" rtl="0" eaLnBrk="1" latinLnBrk="0" hangingPunct="1">
-              <a:spcBef>
-                <a:spcPct val="20000"/>
-              </a:spcBef>
-              <a:buFont typeface="Arial"/>
-              <a:buChar char="•"/>
-              <a:defRPr sz="1500" kern="1200">
-                <a:solidFill>
-                  <a:schemeClr val="tx1"/>
-                </a:solidFill>
-                <a:latin typeface="+mn-lt"/>
-                <a:ea typeface="+mn-ea"/>
-                <a:cs typeface="+mn-cs"/>
-              </a:defRPr>
-            </a:lvl8pPr>
-            <a:lvl9pPr marL="2914650" indent="-171450" algn="l" defTabSz="342900" rtl="0" eaLnBrk="1" latinLnBrk="0" hangingPunct="1">
-              <a:spcBef>
-                <a:spcPct val="20000"/>
-              </a:spcBef>
-              <a:buFont typeface="Arial"/>
-              <a:buChar char="•"/>
-              <a:defRPr sz="1500" kern="1200">
-                <a:solidFill>
-                  <a:schemeClr val="tx1"/>
-                </a:solidFill>
-                <a:latin typeface="+mn-lt"/>
-                <a:ea typeface="+mn-ea"/>
-                <a:cs typeface="+mn-cs"/>
-              </a:defRPr>
-            </a:lvl9pPr>
-          </a:lstStyle>
+          <a:lstStyle/>
           <a:p>
             <a:pPr marL="0" indent="0">
-              <a:buFont typeface="Arial" charset="0"/>
               <a:buNone/>
             </a:pPr>
             <a:r>
-              <a:rPr lang="en-US" dirty="0"/>
-              <a:t>What general trend from your search could you organize your literature review around? </a:t>
-            </a:r>
-          </a:p>
-        </p:txBody>
-      </p:sp>
-      <p:sp>
-        <p:nvSpPr>
-          <p:cNvPr id="5" name="Content Placeholder 2">
-            <a:extLst>
-              <a:ext uri="{FF2B5EF4-FFF2-40B4-BE49-F238E27FC236}">
-                <a16:creationId xmlns:a16="http://schemas.microsoft.com/office/drawing/2014/main" id="{D17AE029-558C-48B5-874A-338D6B34088E}"/>
-              </a:ext>
-            </a:extLst>
-          </p:cNvPr>
-          <p:cNvSpPr txBox="1">
-            <a:spLocks/>
-          </p:cNvSpPr>
-          <p:nvPr/>
-        </p:nvSpPr>
-        <p:spPr bwMode="auto">
-          <a:xfrm>
-            <a:off x="1485900" y="2893953"/>
-            <a:ext cx="6563946" cy="801290"/>
-          </a:xfrm>
-          <a:prstGeom prst="rect">
-            <a:avLst/>
-          </a:prstGeom>
-          <a:noFill/>
-          <a:ln>
-            <a:noFill/>
-          </a:ln>
-          <a:extLst>
-            <a:ext uri="{909E8E84-426E-40DD-AFC4-6F175D3DCCD1}">
-              <a14:hiddenFill xmlns:a14="http://schemas.microsoft.com/office/drawing/2010/main">
-                <a:solidFill>
-                  <a:srgbClr val="FFFFFF"/>
-                </a:solidFill>
-              </a14:hiddenFill>
-            </a:ext>
-            <a:ext uri="{91240B29-F687-4F45-9708-019B960494DF}">
-              <a14:hiddenLine xmlns:a14="http://schemas.microsoft.com/office/drawing/2010/main" w="9525">
-                <a:solidFill>
-                  <a:srgbClr val="000000"/>
-                </a:solidFill>
-                <a:miter lim="800000"/>
-                <a:headEnd/>
-                <a:tailEnd/>
-              </a14:hiddenLine>
-            </a:ext>
-            <a:ext uri="{FAA26D3D-D897-4be2-8F04-BA451C77F1D7}">
-              <ma14:placeholderFlag xmlns:ma14="http://schemas.microsoft.com/office/mac/drawingml/2011/main" xmlns="" val="1"/>
-            </a:ext>
-          </a:extLst>
-        </p:spPr>
-        <p:txBody>
-          <a:bodyPr vert="horz" wrap="square" lIns="91440" tIns="45720" rIns="91440" bIns="45720" numCol="1" anchor="t" anchorCtr="0" compatLnSpc="1">
-            <a:prstTxWarp prst="textNoShape">
-              <a:avLst/>
-            </a:prstTxWarp>
-          </a:bodyPr>
-          <a:lstStyle>
-            <a:lvl1pPr marL="257175" indent="-257175" algn="l" defTabSz="342900" rtl="0" eaLnBrk="1" fontAlgn="base" hangingPunct="1">
-              <a:spcBef>
-                <a:spcPct val="20000"/>
-              </a:spcBef>
-              <a:spcAft>
-                <a:spcPct val="0"/>
-              </a:spcAft>
-              <a:buFont typeface="Arial" charset="0"/>
-              <a:buChar char="•"/>
-              <a:defRPr sz="1800" kern="1200">
-                <a:solidFill>
-                  <a:schemeClr val="tx1"/>
-                </a:solidFill>
-                <a:latin typeface="Arial"/>
-                <a:ea typeface="ＭＳ Ｐゴシック" charset="0"/>
-                <a:cs typeface="Arial"/>
-              </a:defRPr>
-            </a:lvl1pPr>
-            <a:lvl2pPr marL="557213" indent="-214313" algn="l" defTabSz="342900" rtl="0" eaLnBrk="1" fontAlgn="base" hangingPunct="1">
-              <a:spcBef>
-                <a:spcPct val="20000"/>
-              </a:spcBef>
-              <a:spcAft>
-                <a:spcPct val="0"/>
-              </a:spcAft>
-              <a:buFont typeface="Arial" charset="0"/>
-              <a:buChar char="–"/>
-              <a:defRPr sz="1800" kern="1200">
-                <a:solidFill>
-                  <a:schemeClr val="tx1"/>
-                </a:solidFill>
-                <a:latin typeface="Arial"/>
-                <a:ea typeface="ＭＳ Ｐゴシック" charset="0"/>
-                <a:cs typeface="Arial"/>
-              </a:defRPr>
-            </a:lvl2pPr>
-            <a:lvl3pPr marL="857250" indent="-171450" algn="l" defTabSz="342900" rtl="0" eaLnBrk="1" fontAlgn="base" hangingPunct="1">
-              <a:spcBef>
-                <a:spcPct val="20000"/>
-              </a:spcBef>
-              <a:spcAft>
-                <a:spcPct val="0"/>
-              </a:spcAft>
-              <a:buFont typeface="Arial" charset="0"/>
-              <a:buChar char="•"/>
-              <a:defRPr kern="1200">
-                <a:solidFill>
-                  <a:schemeClr val="tx1"/>
-                </a:solidFill>
-                <a:latin typeface="Arial"/>
-                <a:ea typeface="ＭＳ Ｐゴシック" charset="0"/>
-                <a:cs typeface="Arial"/>
-              </a:defRPr>
-            </a:lvl3pPr>
-            <a:lvl4pPr marL="1200150" indent="-171450" algn="l" defTabSz="342900" rtl="0" eaLnBrk="1" fontAlgn="base" hangingPunct="1">
-              <a:spcBef>
-                <a:spcPct val="20000"/>
-              </a:spcBef>
-              <a:spcAft>
-                <a:spcPct val="0"/>
-              </a:spcAft>
-              <a:buFont typeface="Arial" charset="0"/>
-              <a:buChar char="–"/>
-              <a:defRPr sz="1050" kern="1200">
-                <a:solidFill>
-                  <a:schemeClr val="tx1"/>
-                </a:solidFill>
-                <a:latin typeface="Arial"/>
-                <a:ea typeface="ＭＳ Ｐゴシック" charset="0"/>
-                <a:cs typeface="Arial"/>
-              </a:defRPr>
-            </a:lvl4pPr>
-            <a:lvl5pPr marL="1543050" indent="-171450" algn="l" defTabSz="342900" rtl="0" eaLnBrk="1" fontAlgn="base" hangingPunct="1">
-              <a:spcBef>
-                <a:spcPct val="20000"/>
-              </a:spcBef>
-              <a:spcAft>
-                <a:spcPct val="0"/>
-              </a:spcAft>
-              <a:buFont typeface="Arial" charset="0"/>
-              <a:buChar char="»"/>
-              <a:defRPr sz="750" kern="1200">
-                <a:solidFill>
-                  <a:schemeClr val="tx1"/>
-                </a:solidFill>
-                <a:latin typeface="Arial"/>
-                <a:ea typeface="ＭＳ Ｐゴシック" charset="0"/>
-                <a:cs typeface="Arial"/>
-              </a:defRPr>
-            </a:lvl5pPr>
-            <a:lvl6pPr marL="1885950" indent="-171450" algn="l" defTabSz="342900" rtl="0" eaLnBrk="1" latinLnBrk="0" hangingPunct="1">
-              <a:spcBef>
-                <a:spcPct val="20000"/>
-              </a:spcBef>
-              <a:buFont typeface="Arial"/>
-              <a:buChar char="•"/>
-              <a:defRPr sz="1500" kern="1200">
-                <a:solidFill>
-                  <a:schemeClr val="tx1"/>
-                </a:solidFill>
-                <a:latin typeface="+mn-lt"/>
-                <a:ea typeface="+mn-ea"/>
-                <a:cs typeface="+mn-cs"/>
-              </a:defRPr>
-            </a:lvl6pPr>
-            <a:lvl7pPr marL="2228850" indent="-171450" algn="l" defTabSz="342900" rtl="0" eaLnBrk="1" latinLnBrk="0" hangingPunct="1">
-              <a:spcBef>
-                <a:spcPct val="20000"/>
-              </a:spcBef>
-              <a:buFont typeface="Arial"/>
-              <a:buChar char="•"/>
-              <a:defRPr sz="1500" kern="1200">
-                <a:solidFill>
-                  <a:schemeClr val="tx1"/>
-                </a:solidFill>
-                <a:latin typeface="+mn-lt"/>
-                <a:ea typeface="+mn-ea"/>
-                <a:cs typeface="+mn-cs"/>
-              </a:defRPr>
-            </a:lvl7pPr>
-            <a:lvl8pPr marL="2571750" indent="-171450" algn="l" defTabSz="342900" rtl="0" eaLnBrk="1" latinLnBrk="0" hangingPunct="1">
-              <a:spcBef>
-                <a:spcPct val="20000"/>
-              </a:spcBef>
-              <a:buFont typeface="Arial"/>
-              <a:buChar char="•"/>
-              <a:defRPr sz="1500" kern="1200">
-                <a:solidFill>
-                  <a:schemeClr val="tx1"/>
-                </a:solidFill>
-                <a:latin typeface="+mn-lt"/>
-                <a:ea typeface="+mn-ea"/>
-                <a:cs typeface="+mn-cs"/>
-              </a:defRPr>
-            </a:lvl8pPr>
-            <a:lvl9pPr marL="2914650" indent="-171450" algn="l" defTabSz="342900" rtl="0" eaLnBrk="1" latinLnBrk="0" hangingPunct="1">
-              <a:spcBef>
-                <a:spcPct val="20000"/>
-              </a:spcBef>
-              <a:buFont typeface="Arial"/>
-              <a:buChar char="•"/>
-              <a:defRPr sz="1500" kern="1200">
-                <a:solidFill>
-                  <a:schemeClr val="tx1"/>
-                </a:solidFill>
-                <a:latin typeface="+mn-lt"/>
-                <a:ea typeface="+mn-ea"/>
-                <a:cs typeface="+mn-cs"/>
-              </a:defRPr>
-            </a:lvl9pPr>
-          </a:lstStyle>
+              <a:rPr lang="en-US" sz="2000" dirty="0"/>
+              <a:t>Pull out a pen and paper. Take a moment, and think about the following question: </a:t>
+            </a:r>
+          </a:p>
           <a:p>
             <a:pPr marL="0" indent="0">
-              <a:buFont typeface="Arial" charset="0"/>
               <a:buNone/>
             </a:pPr>
-            <a:r>
-              <a:rPr lang="en-US" dirty="0"/>
-              <a:t>What is the big question your literature review is based upon? What is the narrower focus? </a:t>
-            </a:r>
-          </a:p>
-        </p:txBody>
-      </p:sp>
-      <p:sp>
-        <p:nvSpPr>
-          <p:cNvPr id="6" name="Content Placeholder 2">
-            <a:extLst>
-              <a:ext uri="{FF2B5EF4-FFF2-40B4-BE49-F238E27FC236}">
-                <a16:creationId xmlns:a16="http://schemas.microsoft.com/office/drawing/2014/main" id="{2025EEDC-CA5D-4F09-A078-131AFE531066}"/>
-              </a:ext>
-            </a:extLst>
-          </p:cNvPr>
-          <p:cNvSpPr txBox="1">
-            <a:spLocks/>
-          </p:cNvSpPr>
-          <p:nvPr/>
-        </p:nvSpPr>
-        <p:spPr bwMode="auto">
-          <a:xfrm>
-            <a:off x="1485900" y="4003387"/>
-            <a:ext cx="6563946" cy="801290"/>
-          </a:xfrm>
-          <a:prstGeom prst="rect">
-            <a:avLst/>
-          </a:prstGeom>
-          <a:noFill/>
-          <a:ln>
-            <a:noFill/>
-          </a:ln>
-          <a:extLst>
-            <a:ext uri="{909E8E84-426E-40DD-AFC4-6F175D3DCCD1}">
-              <a14:hiddenFill xmlns:a14="http://schemas.microsoft.com/office/drawing/2010/main">
-                <a:solidFill>
-                  <a:srgbClr val="FFFFFF"/>
-                </a:solidFill>
-              </a14:hiddenFill>
-            </a:ext>
-            <a:ext uri="{91240B29-F687-4F45-9708-019B960494DF}">
-              <a14:hiddenLine xmlns:a14="http://schemas.microsoft.com/office/drawing/2010/main" w="9525">
-                <a:solidFill>
-                  <a:srgbClr val="000000"/>
-                </a:solidFill>
-                <a:miter lim="800000"/>
-                <a:headEnd/>
-                <a:tailEnd/>
-              </a14:hiddenLine>
-            </a:ext>
-            <a:ext uri="{FAA26D3D-D897-4be2-8F04-BA451C77F1D7}">
-              <ma14:placeholderFlag xmlns:ma14="http://schemas.microsoft.com/office/mac/drawingml/2011/main" xmlns="" val="1"/>
-            </a:ext>
-          </a:extLst>
-        </p:spPr>
-        <p:txBody>
-          <a:bodyPr vert="horz" wrap="square" lIns="91440" tIns="45720" rIns="91440" bIns="45720" numCol="1" anchor="t" anchorCtr="0" compatLnSpc="1">
-            <a:prstTxWarp prst="textNoShape">
-              <a:avLst/>
-            </a:prstTxWarp>
-          </a:bodyPr>
-          <a:lstStyle>
-            <a:lvl1pPr marL="257175" indent="-257175" algn="l" defTabSz="342900" rtl="0" eaLnBrk="1" fontAlgn="base" hangingPunct="1">
-              <a:spcBef>
-                <a:spcPct val="20000"/>
-              </a:spcBef>
-              <a:spcAft>
-                <a:spcPct val="0"/>
-              </a:spcAft>
-              <a:buFont typeface="Arial" charset="0"/>
-              <a:buChar char="•"/>
-              <a:defRPr sz="1800" kern="1200">
-                <a:solidFill>
-                  <a:schemeClr val="tx1"/>
-                </a:solidFill>
-                <a:latin typeface="Arial"/>
-                <a:ea typeface="ＭＳ Ｐゴシック" charset="0"/>
-                <a:cs typeface="Arial"/>
-              </a:defRPr>
-            </a:lvl1pPr>
-            <a:lvl2pPr marL="557213" indent="-214313" algn="l" defTabSz="342900" rtl="0" eaLnBrk="1" fontAlgn="base" hangingPunct="1">
-              <a:spcBef>
-                <a:spcPct val="20000"/>
-              </a:spcBef>
-              <a:spcAft>
-                <a:spcPct val="0"/>
-              </a:spcAft>
-              <a:buFont typeface="Arial" charset="0"/>
-              <a:buChar char="–"/>
-              <a:defRPr sz="1800" kern="1200">
-                <a:solidFill>
-                  <a:schemeClr val="tx1"/>
-                </a:solidFill>
-                <a:latin typeface="Arial"/>
-                <a:ea typeface="ＭＳ Ｐゴシック" charset="0"/>
-                <a:cs typeface="Arial"/>
-              </a:defRPr>
-            </a:lvl2pPr>
-            <a:lvl3pPr marL="857250" indent="-171450" algn="l" defTabSz="342900" rtl="0" eaLnBrk="1" fontAlgn="base" hangingPunct="1">
-              <a:spcBef>
-                <a:spcPct val="20000"/>
-              </a:spcBef>
-              <a:spcAft>
-                <a:spcPct val="0"/>
-              </a:spcAft>
-              <a:buFont typeface="Arial" charset="0"/>
-              <a:buChar char="•"/>
-              <a:defRPr kern="1200">
-                <a:solidFill>
-                  <a:schemeClr val="tx1"/>
-                </a:solidFill>
-                <a:latin typeface="Arial"/>
-                <a:ea typeface="ＭＳ Ｐゴシック" charset="0"/>
-                <a:cs typeface="Arial"/>
-              </a:defRPr>
-            </a:lvl3pPr>
-            <a:lvl4pPr marL="1200150" indent="-171450" algn="l" defTabSz="342900" rtl="0" eaLnBrk="1" fontAlgn="base" hangingPunct="1">
-              <a:spcBef>
-                <a:spcPct val="20000"/>
-              </a:spcBef>
-              <a:spcAft>
-                <a:spcPct val="0"/>
-              </a:spcAft>
-              <a:buFont typeface="Arial" charset="0"/>
-              <a:buChar char="–"/>
-              <a:defRPr sz="1050" kern="1200">
-                <a:solidFill>
-                  <a:schemeClr val="tx1"/>
-                </a:solidFill>
-                <a:latin typeface="Arial"/>
-                <a:ea typeface="ＭＳ Ｐゴシック" charset="0"/>
-                <a:cs typeface="Arial"/>
-              </a:defRPr>
-            </a:lvl4pPr>
-            <a:lvl5pPr marL="1543050" indent="-171450" algn="l" defTabSz="342900" rtl="0" eaLnBrk="1" fontAlgn="base" hangingPunct="1">
-              <a:spcBef>
-                <a:spcPct val="20000"/>
-              </a:spcBef>
-              <a:spcAft>
-                <a:spcPct val="0"/>
-              </a:spcAft>
-              <a:buFont typeface="Arial" charset="0"/>
-              <a:buChar char="»"/>
-              <a:defRPr sz="750" kern="1200">
-                <a:solidFill>
-                  <a:schemeClr val="tx1"/>
-                </a:solidFill>
-                <a:latin typeface="Arial"/>
-                <a:ea typeface="ＭＳ Ｐゴシック" charset="0"/>
-                <a:cs typeface="Arial"/>
-              </a:defRPr>
-            </a:lvl5pPr>
-            <a:lvl6pPr marL="1885950" indent="-171450" algn="l" defTabSz="342900" rtl="0" eaLnBrk="1" latinLnBrk="0" hangingPunct="1">
-              <a:spcBef>
-                <a:spcPct val="20000"/>
-              </a:spcBef>
-              <a:buFont typeface="Arial"/>
-              <a:buChar char="•"/>
-              <a:defRPr sz="1500" kern="1200">
-                <a:solidFill>
-                  <a:schemeClr val="tx1"/>
-                </a:solidFill>
-                <a:latin typeface="+mn-lt"/>
-                <a:ea typeface="+mn-ea"/>
-                <a:cs typeface="+mn-cs"/>
-              </a:defRPr>
-            </a:lvl6pPr>
-            <a:lvl7pPr marL="2228850" indent="-171450" algn="l" defTabSz="342900" rtl="0" eaLnBrk="1" latinLnBrk="0" hangingPunct="1">
-              <a:spcBef>
-                <a:spcPct val="20000"/>
-              </a:spcBef>
-              <a:buFont typeface="Arial"/>
-              <a:buChar char="•"/>
-              <a:defRPr sz="1500" kern="1200">
-                <a:solidFill>
-                  <a:schemeClr val="tx1"/>
-                </a:solidFill>
-                <a:latin typeface="+mn-lt"/>
-                <a:ea typeface="+mn-ea"/>
-                <a:cs typeface="+mn-cs"/>
-              </a:defRPr>
-            </a:lvl7pPr>
-            <a:lvl8pPr marL="2571750" indent="-171450" algn="l" defTabSz="342900" rtl="0" eaLnBrk="1" latinLnBrk="0" hangingPunct="1">
-              <a:spcBef>
-                <a:spcPct val="20000"/>
-              </a:spcBef>
-              <a:buFont typeface="Arial"/>
-              <a:buChar char="•"/>
-              <a:defRPr sz="1500" kern="1200">
-                <a:solidFill>
-                  <a:schemeClr val="tx1"/>
-                </a:solidFill>
-                <a:latin typeface="+mn-lt"/>
-                <a:ea typeface="+mn-ea"/>
-                <a:cs typeface="+mn-cs"/>
-              </a:defRPr>
-            </a:lvl8pPr>
-            <a:lvl9pPr marL="2914650" indent="-171450" algn="l" defTabSz="342900" rtl="0" eaLnBrk="1" latinLnBrk="0" hangingPunct="1">
-              <a:spcBef>
-                <a:spcPct val="20000"/>
-              </a:spcBef>
-              <a:buFont typeface="Arial"/>
-              <a:buChar char="•"/>
-              <a:defRPr sz="1500" kern="1200">
-                <a:solidFill>
-                  <a:schemeClr val="tx1"/>
-                </a:solidFill>
-                <a:latin typeface="+mn-lt"/>
-                <a:ea typeface="+mn-ea"/>
-                <a:cs typeface="+mn-cs"/>
-              </a:defRPr>
-            </a:lvl9pPr>
-          </a:lstStyle>
+            <a:endParaRPr lang="en-US" sz="2000" dirty="0"/>
+          </a:p>
           <a:p>
             <a:pPr marL="0" indent="0">
-              <a:buFont typeface="Arial" charset="0"/>
               <a:buNone/>
             </a:pPr>
             <a:r>
-              <a:rPr lang="en-US" dirty="0"/>
-              <a:t>What is your ideal for your project? What pragmatic considerations should you account for? </a:t>
+              <a:rPr lang="en-US" sz="2000" dirty="0"/>
+              <a:t>What is your writing process for a literature review? How does it compare and contrast with our discussion today? </a:t>
+            </a:r>
+          </a:p>
+          <a:p>
+            <a:pPr marL="0" indent="0">
+              <a:buNone/>
+            </a:pPr>
+            <a:endParaRPr lang="en-US" sz="2000" dirty="0"/>
+          </a:p>
+          <a:p>
+            <a:pPr marL="0" indent="0">
+              <a:buNone/>
+            </a:pPr>
+            <a:r>
+              <a:rPr lang="en-US" sz="2000" dirty="0"/>
+              <a:t>Then, write down a few of the ideas that come to you. We will share these to start our conversation. </a:t>
             </a:r>
           </a:p>
         </p:txBody>
@@ -11930,7 +14273,7 @@
     </p:spTree>
     <p:extLst>
       <p:ext uri="{BB962C8B-B14F-4D97-AF65-F5344CB8AC3E}">
-        <p14:creationId xmlns:p14="http://schemas.microsoft.com/office/powerpoint/2010/main" val="2208055471"/>
+        <p14:creationId xmlns:p14="http://schemas.microsoft.com/office/powerpoint/2010/main" val="3286306561"/>
       </p:ext>
     </p:extLst>
   </p:cSld>
@@ -11940,7 +14283,7 @@
 </p:sld>
 </file>
 
-<file path=ppt/slides/slide2.xml><?xml version="1.0" encoding="utf-8"?>
+<file path=ppt/slides/slide3.xml><?xml version="1.0" encoding="utf-8"?>
 <p:sld xmlns:a="http://schemas.openxmlformats.org/drawingml/2006/main" xmlns:r="http://schemas.openxmlformats.org/officeDocument/2006/relationships" xmlns:p="http://schemas.openxmlformats.org/presentationml/2006/main">
   <p:cSld>
     <p:spTree>
@@ -11962,7 +14305,7 @@
           <p:cNvPr id="2" name="Title 1">
             <a:extLst>
               <a:ext uri="{FF2B5EF4-FFF2-40B4-BE49-F238E27FC236}">
-                <a16:creationId xmlns:a16="http://schemas.microsoft.com/office/drawing/2014/main" id="{62CF985A-70CA-4D2E-86CF-44CA1BC38E0C}"/>
+                <a16:creationId xmlns:a16="http://schemas.microsoft.com/office/drawing/2014/main" id="{1F694997-A01B-F2D5-9B2D-85B25F8CF381}"/>
               </a:ext>
             </a:extLst>
           </p:cNvPr>
@@ -11980,17 +14323,17 @@
           <a:p>
             <a:r>
               <a:rPr lang="en-US" dirty="0"/>
-              <a:t>Getting Started </a:t>
+              <a:t>Basics </a:t>
             </a:r>
           </a:p>
         </p:txBody>
       </p:sp>
       <p:sp>
         <p:nvSpPr>
-          <p:cNvPr id="6" name="Content Placeholder 5">
+          <p:cNvPr id="3" name="Text Placeholder 2">
             <a:extLst>
               <a:ext uri="{FF2B5EF4-FFF2-40B4-BE49-F238E27FC236}">
-                <a16:creationId xmlns:a16="http://schemas.microsoft.com/office/drawing/2014/main" id="{671C83BD-4CF0-4315-A531-516409E1AB6F}"/>
+                <a16:creationId xmlns:a16="http://schemas.microsoft.com/office/drawing/2014/main" id="{01CBBA49-AF8E-9F8B-311B-FBF8A460C2B5}"/>
               </a:ext>
             </a:extLst>
           </p:cNvPr>
@@ -11998,7 +14341,7 @@
             <a:spLocks noGrp="1"/>
           </p:cNvSpPr>
           <p:nvPr>
-            <p:ph idx="1"/>
+            <p:ph type="body" idx="1"/>
           </p:nvPr>
         </p:nvSpPr>
         <p:spPr/>
@@ -12006,50 +14349,14 @@
           <a:bodyPr/>
           <a:lstStyle/>
           <a:p>
-            <a:pPr marL="0" indent="0">
-              <a:buNone/>
-            </a:pPr>
-            <a:r>
-              <a:rPr lang="en-US" dirty="0"/>
-              <a:t>Pull out a pen and paper. Take a moment, and think about the following question: </a:t>
-            </a:r>
-          </a:p>
-          <a:p>
-            <a:pPr marL="0" indent="0">
-              <a:buNone/>
-            </a:pPr>
             <a:endParaRPr lang="en-US" dirty="0"/>
-          </a:p>
-          <a:p>
-            <a:pPr marL="0" indent="0">
-              <a:buNone/>
-            </a:pPr>
-            <a:r>
-              <a:rPr lang="en-US" dirty="0"/>
-              <a:t>What problems have you confronted conducting a literature review?  </a:t>
-            </a:r>
-          </a:p>
-          <a:p>
-            <a:pPr marL="0" indent="0">
-              <a:buNone/>
-            </a:pPr>
-            <a:endParaRPr lang="en-US" dirty="0"/>
-          </a:p>
-          <a:p>
-            <a:pPr marL="0" indent="0">
-              <a:buNone/>
-            </a:pPr>
-            <a:r>
-              <a:rPr lang="en-US" dirty="0"/>
-              <a:t>Then, write down a few of the ideas that come to you. We will share these to start our conversation. </a:t>
-            </a:r>
           </a:p>
         </p:txBody>
       </p:sp>
     </p:spTree>
     <p:extLst>
       <p:ext uri="{BB962C8B-B14F-4D97-AF65-F5344CB8AC3E}">
-        <p14:creationId xmlns:p14="http://schemas.microsoft.com/office/powerpoint/2010/main" val="2409496009"/>
+        <p14:creationId xmlns:p14="http://schemas.microsoft.com/office/powerpoint/2010/main" val="1720876675"/>
       </p:ext>
     </p:extLst>
   </p:cSld>
@@ -12059,7 +14366,7 @@
 </p:sld>
 </file>
 
-<file path=ppt/slides/slide3.xml><?xml version="1.0" encoding="utf-8"?>
+<file path=ppt/slides/slide4.xml><?xml version="1.0" encoding="utf-8"?>
 <p:sld xmlns:a="http://schemas.openxmlformats.org/drawingml/2006/main" xmlns:r="http://schemas.openxmlformats.org/officeDocument/2006/relationships" xmlns:p="http://schemas.openxmlformats.org/presentationml/2006/main">
   <p:cSld>
     <p:spTree>
@@ -12665,7 +14972,748 @@
 </p:sld>
 </file>
 
-<file path=ppt/slides/slide4.xml><?xml version="1.0" encoding="utf-8"?>
+<file path=ppt/slides/slide5.xml><?xml version="1.0" encoding="utf-8"?>
+<p:sld xmlns:a="http://schemas.openxmlformats.org/drawingml/2006/main" xmlns:r="http://schemas.openxmlformats.org/officeDocument/2006/relationships" xmlns:p="http://schemas.openxmlformats.org/presentationml/2006/main">
+  <p:cSld>
+    <p:spTree>
+      <p:nvGrpSpPr>
+        <p:cNvPr id="1" name=""/>
+        <p:cNvGrpSpPr/>
+        <p:nvPr/>
+      </p:nvGrpSpPr>
+      <p:grpSpPr>
+        <a:xfrm>
+          <a:off x="0" y="0"/>
+          <a:ext cx="0" cy="0"/>
+          <a:chOff x="0" y="0"/>
+          <a:chExt cx="0" cy="0"/>
+        </a:xfrm>
+      </p:grpSpPr>
+      <p:sp>
+        <p:nvSpPr>
+          <p:cNvPr id="2" name="Title 1">
+            <a:extLst>
+              <a:ext uri="{FF2B5EF4-FFF2-40B4-BE49-F238E27FC236}">
+                <a16:creationId xmlns:a16="http://schemas.microsoft.com/office/drawing/2014/main" id="{44552D14-A830-C568-CD3E-6F4FE29DA5C6}"/>
+              </a:ext>
+            </a:extLst>
+          </p:cNvPr>
+          <p:cNvSpPr>
+            <a:spLocks noGrp="1"/>
+          </p:cNvSpPr>
+          <p:nvPr>
+            <p:ph type="title"/>
+          </p:nvPr>
+        </p:nvSpPr>
+        <p:spPr/>
+        <p:txBody>
+          <a:bodyPr/>
+          <a:lstStyle/>
+          <a:p>
+            <a:r>
+              <a:rPr lang="en-US" dirty="0"/>
+              <a:t>Types of Literature Reviews</a:t>
+            </a:r>
+          </a:p>
+        </p:txBody>
+      </p:sp>
+      <p:sp>
+        <p:nvSpPr>
+          <p:cNvPr id="3" name="Content Placeholder 2">
+            <a:extLst>
+              <a:ext uri="{FF2B5EF4-FFF2-40B4-BE49-F238E27FC236}">
+                <a16:creationId xmlns:a16="http://schemas.microsoft.com/office/drawing/2014/main" id="{DB79BBB2-8DB2-BAF3-36C6-9EAACCF222BF}"/>
+              </a:ext>
+            </a:extLst>
+          </p:cNvPr>
+          <p:cNvSpPr>
+            <a:spLocks noGrp="1"/>
+          </p:cNvSpPr>
+          <p:nvPr>
+            <p:ph idx="1"/>
+          </p:nvPr>
+        </p:nvSpPr>
+        <p:spPr/>
+        <p:txBody>
+          <a:bodyPr/>
+          <a:lstStyle/>
+          <a:p>
+            <a:r>
+              <a:rPr lang="en-US" dirty="0"/>
+              <a:t>Scoping Review – Broad search within a topic area to identify gaps, types of evidence, methodologies, and understand concepts </a:t>
+            </a:r>
+          </a:p>
+          <a:p>
+            <a:pPr marL="0" indent="0">
+              <a:buNone/>
+            </a:pPr>
+            <a:endParaRPr lang="en-US" dirty="0"/>
+          </a:p>
+          <a:p>
+            <a:pPr marL="0" indent="0">
+              <a:buNone/>
+            </a:pPr>
+            <a:endParaRPr lang="en-US" dirty="0"/>
+          </a:p>
+          <a:p>
+            <a:r>
+              <a:rPr lang="en-US" dirty="0"/>
+              <a:t>Systematic Review – Narrow search under specific parameters to understand current state of the field and evidence to guide best practices  </a:t>
+            </a:r>
+          </a:p>
+        </p:txBody>
+      </p:sp>
+    </p:spTree>
+    <p:extLst>
+      <p:ext uri="{BB962C8B-B14F-4D97-AF65-F5344CB8AC3E}">
+        <p14:creationId xmlns:p14="http://schemas.microsoft.com/office/powerpoint/2010/main" val="746152380"/>
+      </p:ext>
+    </p:extLst>
+  </p:cSld>
+  <p:clrMapOvr>
+    <a:masterClrMapping/>
+  </p:clrMapOvr>
+</p:sld>
+</file>
+
+<file path=ppt/slides/slide6.xml><?xml version="1.0" encoding="utf-8"?>
+<p:sld xmlns:a="http://schemas.openxmlformats.org/drawingml/2006/main" xmlns:r="http://schemas.openxmlformats.org/officeDocument/2006/relationships" xmlns:p="http://schemas.openxmlformats.org/presentationml/2006/main">
+  <p:cSld>
+    <p:spTree>
+      <p:nvGrpSpPr>
+        <p:cNvPr id="1" name=""/>
+        <p:cNvGrpSpPr/>
+        <p:nvPr/>
+      </p:nvGrpSpPr>
+      <p:grpSpPr>
+        <a:xfrm>
+          <a:off x="0" y="0"/>
+          <a:ext cx="0" cy="0"/>
+          <a:chOff x="0" y="0"/>
+          <a:chExt cx="0" cy="0"/>
+        </a:xfrm>
+      </p:grpSpPr>
+      <p:sp>
+        <p:nvSpPr>
+          <p:cNvPr id="2" name="Title 1">
+            <a:extLst>
+              <a:ext uri="{FF2B5EF4-FFF2-40B4-BE49-F238E27FC236}">
+                <a16:creationId xmlns:a16="http://schemas.microsoft.com/office/drawing/2014/main" id="{5D6E604F-4E7C-4DE2-9607-796DC0C7E818}"/>
+              </a:ext>
+            </a:extLst>
+          </p:cNvPr>
+          <p:cNvSpPr>
+            <a:spLocks noGrp="1"/>
+          </p:cNvSpPr>
+          <p:nvPr>
+            <p:ph type="title"/>
+          </p:nvPr>
+        </p:nvSpPr>
+        <p:spPr/>
+        <p:txBody>
+          <a:bodyPr/>
+          <a:lstStyle/>
+          <a:p>
+            <a:r>
+              <a:rPr lang="en-US" dirty="0"/>
+              <a:t>Modified Meta-Study</a:t>
+            </a:r>
+          </a:p>
+        </p:txBody>
+      </p:sp>
+      <p:sp>
+        <p:nvSpPr>
+          <p:cNvPr id="3" name="Content Placeholder 2">
+            <a:extLst>
+              <a:ext uri="{FF2B5EF4-FFF2-40B4-BE49-F238E27FC236}">
+                <a16:creationId xmlns:a16="http://schemas.microsoft.com/office/drawing/2014/main" id="{9C1856C5-849D-4F1A-BEC3-1870CB4DB99E}"/>
+              </a:ext>
+            </a:extLst>
+          </p:cNvPr>
+          <p:cNvSpPr>
+            <a:spLocks noGrp="1"/>
+          </p:cNvSpPr>
+          <p:nvPr>
+            <p:ph idx="1"/>
+          </p:nvPr>
+        </p:nvSpPr>
+        <p:spPr>
+          <a:xfrm>
+            <a:off x="457200" y="1553885"/>
+            <a:ext cx="8229600" cy="2327672"/>
+          </a:xfrm>
+        </p:spPr>
+        <p:txBody>
+          <a:bodyPr/>
+          <a:lstStyle/>
+          <a:p>
+            <a:pPr marL="0" indent="0">
+              <a:buNone/>
+            </a:pPr>
+            <a:r>
+              <a:rPr lang="en-US" dirty="0"/>
+              <a:t>Meta-study is a method to analyze and synthesize a large body of qualitative research</a:t>
+            </a:r>
+          </a:p>
+          <a:p>
+            <a:pPr marL="0" indent="0">
+              <a:buNone/>
+            </a:pPr>
+            <a:endParaRPr lang="en-US" dirty="0"/>
+          </a:p>
+          <a:p>
+            <a:pPr marL="0" indent="0">
+              <a:buNone/>
+            </a:pPr>
+            <a:r>
+              <a:rPr lang="en-US" dirty="0"/>
+              <a:t>		Interpretative approach to building knowledge from prior knowledge 			through a systematic content analysis </a:t>
+            </a:r>
+          </a:p>
+          <a:p>
+            <a:pPr marL="0" indent="0">
+              <a:buNone/>
+            </a:pPr>
+            <a:r>
+              <a:rPr lang="en-US" dirty="0"/>
+              <a:t>			– assess contradictions and convergence </a:t>
+            </a:r>
+          </a:p>
+          <a:p>
+            <a:pPr marL="0" indent="0">
+              <a:buNone/>
+            </a:pPr>
+            <a:r>
+              <a:rPr lang="en-US" i="1" dirty="0"/>
+              <a:t>			</a:t>
+            </a:r>
+            <a:r>
+              <a:rPr lang="en-US" dirty="0"/>
+              <a:t>- assess change over time and shifting research priorities </a:t>
+            </a:r>
+            <a:endParaRPr lang="en-US" i="1" dirty="0"/>
+          </a:p>
+          <a:p>
+            <a:pPr marL="0" indent="0">
+              <a:buNone/>
+            </a:pPr>
+            <a:r>
+              <a:rPr lang="en-US" dirty="0"/>
+              <a:t>		</a:t>
+            </a:r>
+          </a:p>
+          <a:p>
+            <a:pPr marL="0" indent="0">
+              <a:buNone/>
+            </a:pPr>
+            <a:r>
+              <a:rPr lang="en-US" dirty="0"/>
+              <a:t>		</a:t>
+            </a:r>
+          </a:p>
+          <a:p>
+            <a:pPr marL="0" indent="0">
+              <a:buNone/>
+            </a:pPr>
+            <a:r>
+              <a:rPr lang="en-US" dirty="0"/>
+              <a:t>		</a:t>
+            </a:r>
+          </a:p>
+          <a:p>
+            <a:pPr marL="0" indent="0">
+              <a:buNone/>
+            </a:pPr>
+            <a:r>
+              <a:rPr lang="en-US" dirty="0"/>
+              <a:t>		</a:t>
+            </a:r>
+          </a:p>
+        </p:txBody>
+      </p:sp>
+      <p:sp>
+        <p:nvSpPr>
+          <p:cNvPr id="5" name="TextBox 4">
+            <a:extLst>
+              <a:ext uri="{FF2B5EF4-FFF2-40B4-BE49-F238E27FC236}">
+                <a16:creationId xmlns:a16="http://schemas.microsoft.com/office/drawing/2014/main" id="{C18A5B1D-8158-4AC9-80CC-254C94FDDEE2}"/>
+              </a:ext>
+            </a:extLst>
+          </p:cNvPr>
+          <p:cNvSpPr txBox="1"/>
+          <p:nvPr/>
+        </p:nvSpPr>
+        <p:spPr>
+          <a:xfrm>
+            <a:off x="1241571" y="4052916"/>
+            <a:ext cx="6887361" cy="830997"/>
+          </a:xfrm>
+          <a:prstGeom prst="rect">
+            <a:avLst/>
+          </a:prstGeom>
+          <a:noFill/>
+        </p:spPr>
+        <p:txBody>
+          <a:bodyPr wrap="square">
+            <a:spAutoFit/>
+          </a:bodyPr>
+          <a:lstStyle/>
+          <a:p>
+            <a:pPr marL="0" indent="0">
+              <a:buNone/>
+            </a:pPr>
+            <a:r>
+              <a:rPr lang="en-US" sz="1600" dirty="0"/>
+              <a:t>Modification: For the purpose of literature review, quantitative and qualitative studies can be included – therefore, standardize annotation to handle both types – recognize will not be re-running statistics as in meta-analysis</a:t>
+            </a:r>
+          </a:p>
+        </p:txBody>
+      </p:sp>
+    </p:spTree>
+    <p:extLst>
+      <p:ext uri="{BB962C8B-B14F-4D97-AF65-F5344CB8AC3E}">
+        <p14:creationId xmlns:p14="http://schemas.microsoft.com/office/powerpoint/2010/main" val="794383763"/>
+      </p:ext>
+    </p:extLst>
+  </p:cSld>
+  <p:clrMapOvr>
+    <a:masterClrMapping/>
+  </p:clrMapOvr>
+</p:sld>
+</file>
+
+<file path=ppt/slides/slide7.xml><?xml version="1.0" encoding="utf-8"?>
+<p:sld xmlns:a="http://schemas.openxmlformats.org/drawingml/2006/main" xmlns:r="http://schemas.openxmlformats.org/officeDocument/2006/relationships" xmlns:p="http://schemas.openxmlformats.org/presentationml/2006/main">
+  <p:cSld>
+    <p:spTree>
+      <p:nvGrpSpPr>
+        <p:cNvPr id="1" name=""/>
+        <p:cNvGrpSpPr/>
+        <p:nvPr/>
+      </p:nvGrpSpPr>
+      <p:grpSpPr>
+        <a:xfrm>
+          <a:off x="0" y="0"/>
+          <a:ext cx="0" cy="0"/>
+          <a:chOff x="0" y="0"/>
+          <a:chExt cx="0" cy="0"/>
+        </a:xfrm>
+      </p:grpSpPr>
+      <p:sp>
+        <p:nvSpPr>
+          <p:cNvPr id="2" name="Title 1">
+            <a:extLst>
+              <a:ext uri="{FF2B5EF4-FFF2-40B4-BE49-F238E27FC236}">
+                <a16:creationId xmlns:a16="http://schemas.microsoft.com/office/drawing/2014/main" id="{A69C806F-E512-CC8E-F808-9D131B078C9E}"/>
+              </a:ext>
+            </a:extLst>
+          </p:cNvPr>
+          <p:cNvSpPr>
+            <a:spLocks noGrp="1"/>
+          </p:cNvSpPr>
+          <p:nvPr>
+            <p:ph type="title"/>
+          </p:nvPr>
+        </p:nvSpPr>
+        <p:spPr/>
+        <p:txBody>
+          <a:bodyPr/>
+          <a:lstStyle/>
+          <a:p>
+            <a:r>
+              <a:rPr lang="en-US" dirty="0"/>
+              <a:t>Keyword Searches</a:t>
+            </a:r>
+          </a:p>
+        </p:txBody>
+      </p:sp>
+      <p:sp>
+        <p:nvSpPr>
+          <p:cNvPr id="3" name="Text Placeholder 2">
+            <a:extLst>
+              <a:ext uri="{FF2B5EF4-FFF2-40B4-BE49-F238E27FC236}">
+                <a16:creationId xmlns:a16="http://schemas.microsoft.com/office/drawing/2014/main" id="{55FC0478-1696-63BA-0EC3-2DC755881663}"/>
+              </a:ext>
+            </a:extLst>
+          </p:cNvPr>
+          <p:cNvSpPr>
+            <a:spLocks noGrp="1"/>
+          </p:cNvSpPr>
+          <p:nvPr>
+            <p:ph type="body" idx="1"/>
+          </p:nvPr>
+        </p:nvSpPr>
+        <p:spPr/>
+        <p:txBody>
+          <a:bodyPr/>
+          <a:lstStyle/>
+          <a:p>
+            <a:endParaRPr lang="en-US"/>
+          </a:p>
+        </p:txBody>
+      </p:sp>
+    </p:spTree>
+    <p:extLst>
+      <p:ext uri="{BB962C8B-B14F-4D97-AF65-F5344CB8AC3E}">
+        <p14:creationId xmlns:p14="http://schemas.microsoft.com/office/powerpoint/2010/main" val="3009371060"/>
+      </p:ext>
+    </p:extLst>
+  </p:cSld>
+  <p:clrMapOvr>
+    <a:masterClrMapping/>
+  </p:clrMapOvr>
+</p:sld>
+</file>
+
+<file path=ppt/slides/slide8.xml><?xml version="1.0" encoding="utf-8"?>
+<p:sld xmlns:a="http://schemas.openxmlformats.org/drawingml/2006/main" xmlns:r="http://schemas.openxmlformats.org/officeDocument/2006/relationships" xmlns:p="http://schemas.openxmlformats.org/presentationml/2006/main">
+  <p:cSld>
+    <p:spTree>
+      <p:nvGrpSpPr>
+        <p:cNvPr id="1" name=""/>
+        <p:cNvGrpSpPr/>
+        <p:nvPr/>
+      </p:nvGrpSpPr>
+      <p:grpSpPr>
+        <a:xfrm>
+          <a:off x="0" y="0"/>
+          <a:ext cx="0" cy="0"/>
+          <a:chOff x="0" y="0"/>
+          <a:chExt cx="0" cy="0"/>
+        </a:xfrm>
+      </p:grpSpPr>
+      <p:sp>
+        <p:nvSpPr>
+          <p:cNvPr id="2" name="Title 1">
+            <a:extLst>
+              <a:ext uri="{FF2B5EF4-FFF2-40B4-BE49-F238E27FC236}">
+                <a16:creationId xmlns:a16="http://schemas.microsoft.com/office/drawing/2014/main" id="{F088BE2E-2070-4BC6-A56B-F5C06027E2E4}"/>
+              </a:ext>
+            </a:extLst>
+          </p:cNvPr>
+          <p:cNvSpPr>
+            <a:spLocks noGrp="1"/>
+          </p:cNvSpPr>
+          <p:nvPr>
+            <p:ph type="title"/>
+          </p:nvPr>
+        </p:nvSpPr>
+        <p:spPr/>
+        <p:txBody>
+          <a:bodyPr/>
+          <a:lstStyle/>
+          <a:p>
+            <a:r>
+              <a:rPr lang="en-US" dirty="0"/>
+              <a:t>Keywords</a:t>
+            </a:r>
+          </a:p>
+        </p:txBody>
+      </p:sp>
+      <p:sp>
+        <p:nvSpPr>
+          <p:cNvPr id="3" name="Content Placeholder 2">
+            <a:extLst>
+              <a:ext uri="{FF2B5EF4-FFF2-40B4-BE49-F238E27FC236}">
+                <a16:creationId xmlns:a16="http://schemas.microsoft.com/office/drawing/2014/main" id="{951E205D-7D7A-4188-8244-F44013279AC8}"/>
+              </a:ext>
+            </a:extLst>
+          </p:cNvPr>
+          <p:cNvSpPr>
+            <a:spLocks noGrp="1"/>
+          </p:cNvSpPr>
+          <p:nvPr>
+            <p:ph idx="1"/>
+          </p:nvPr>
+        </p:nvSpPr>
+        <p:spPr>
+          <a:xfrm>
+            <a:off x="1485900" y="3787770"/>
+            <a:ext cx="6172200" cy="801290"/>
+          </a:xfrm>
+        </p:spPr>
+        <p:txBody>
+          <a:bodyPr/>
+          <a:lstStyle/>
+          <a:p>
+            <a:pPr marL="0" indent="0">
+              <a:buNone/>
+            </a:pPr>
+            <a:r>
+              <a:rPr lang="en-US" dirty="0"/>
+              <a:t>What topics do you want to conduct a literature review on? </a:t>
+            </a:r>
+          </a:p>
+        </p:txBody>
+      </p:sp>
+      <p:sp>
+        <p:nvSpPr>
+          <p:cNvPr id="5" name="Content Placeholder 2">
+            <a:extLst>
+              <a:ext uri="{FF2B5EF4-FFF2-40B4-BE49-F238E27FC236}">
+                <a16:creationId xmlns:a16="http://schemas.microsoft.com/office/drawing/2014/main" id="{09CA6B60-23B3-4714-BB8B-12713E94DD84}"/>
+              </a:ext>
+            </a:extLst>
+          </p:cNvPr>
+          <p:cNvSpPr txBox="1">
+            <a:spLocks/>
+          </p:cNvSpPr>
+          <p:nvPr/>
+        </p:nvSpPr>
+        <p:spPr bwMode="auto">
+          <a:xfrm>
+            <a:off x="1485900" y="2171105"/>
+            <a:ext cx="6415454" cy="494723"/>
+          </a:xfrm>
+          <a:prstGeom prst="rect">
+            <a:avLst/>
+          </a:prstGeom>
+          <a:noFill/>
+          <a:ln>
+            <a:noFill/>
+          </a:ln>
+          <a:extLst>
+            <a:ext uri="{909E8E84-426E-40DD-AFC4-6F175D3DCCD1}">
+              <a14:hiddenFill xmlns:a14="http://schemas.microsoft.com/office/drawing/2010/main">
+                <a:solidFill>
+                  <a:srgbClr val="FFFFFF"/>
+                </a:solidFill>
+              </a14:hiddenFill>
+            </a:ext>
+            <a:ext uri="{91240B29-F687-4F45-9708-019B960494DF}">
+              <a14:hiddenLine xmlns:a14="http://schemas.microsoft.com/office/drawing/2010/main" w="9525">
+                <a:solidFill>
+                  <a:srgbClr val="000000"/>
+                </a:solidFill>
+                <a:miter lim="800000"/>
+                <a:headEnd/>
+                <a:tailEnd/>
+              </a14:hiddenLine>
+            </a:ext>
+            <a:ext uri="{FAA26D3D-D897-4be2-8F04-BA451C77F1D7}">
+              <ma14:placeholderFlag xmlns:ma14="http://schemas.microsoft.com/office/mac/drawingml/2011/main" xmlns="" val="1"/>
+            </a:ext>
+          </a:extLst>
+        </p:spPr>
+        <p:txBody>
+          <a:bodyPr vert="horz" wrap="square" lIns="91440" tIns="45720" rIns="91440" bIns="45720" numCol="1" anchor="t" anchorCtr="0" compatLnSpc="1">
+            <a:prstTxWarp prst="textNoShape">
+              <a:avLst/>
+            </a:prstTxWarp>
+          </a:bodyPr>
+          <a:lstStyle>
+            <a:lvl1pPr marL="257175" indent="-257175" algn="l" defTabSz="342900" rtl="0" eaLnBrk="1" fontAlgn="base" hangingPunct="1">
+              <a:spcBef>
+                <a:spcPct val="20000"/>
+              </a:spcBef>
+              <a:spcAft>
+                <a:spcPct val="0"/>
+              </a:spcAft>
+              <a:buFont typeface="Arial" charset="0"/>
+              <a:buChar char="•"/>
+              <a:defRPr sz="1800" kern="1200">
+                <a:solidFill>
+                  <a:schemeClr val="tx1"/>
+                </a:solidFill>
+                <a:latin typeface="Arial"/>
+                <a:ea typeface="ＭＳ Ｐゴシック" charset="0"/>
+                <a:cs typeface="Arial"/>
+              </a:defRPr>
+            </a:lvl1pPr>
+            <a:lvl2pPr marL="557213" indent="-214313" algn="l" defTabSz="342900" rtl="0" eaLnBrk="1" fontAlgn="base" hangingPunct="1">
+              <a:spcBef>
+                <a:spcPct val="20000"/>
+              </a:spcBef>
+              <a:spcAft>
+                <a:spcPct val="0"/>
+              </a:spcAft>
+              <a:buFont typeface="Arial" charset="0"/>
+              <a:buChar char="–"/>
+              <a:defRPr sz="1800" kern="1200">
+                <a:solidFill>
+                  <a:schemeClr val="tx1"/>
+                </a:solidFill>
+                <a:latin typeface="Arial"/>
+                <a:ea typeface="ＭＳ Ｐゴシック" charset="0"/>
+                <a:cs typeface="Arial"/>
+              </a:defRPr>
+            </a:lvl2pPr>
+            <a:lvl3pPr marL="857250" indent="-171450" algn="l" defTabSz="342900" rtl="0" eaLnBrk="1" fontAlgn="base" hangingPunct="1">
+              <a:spcBef>
+                <a:spcPct val="20000"/>
+              </a:spcBef>
+              <a:spcAft>
+                <a:spcPct val="0"/>
+              </a:spcAft>
+              <a:buFont typeface="Arial" charset="0"/>
+              <a:buChar char="•"/>
+              <a:defRPr kern="1200">
+                <a:solidFill>
+                  <a:schemeClr val="tx1"/>
+                </a:solidFill>
+                <a:latin typeface="Arial"/>
+                <a:ea typeface="ＭＳ Ｐゴシック" charset="0"/>
+                <a:cs typeface="Arial"/>
+              </a:defRPr>
+            </a:lvl3pPr>
+            <a:lvl4pPr marL="1200150" indent="-171450" algn="l" defTabSz="342900" rtl="0" eaLnBrk="1" fontAlgn="base" hangingPunct="1">
+              <a:spcBef>
+                <a:spcPct val="20000"/>
+              </a:spcBef>
+              <a:spcAft>
+                <a:spcPct val="0"/>
+              </a:spcAft>
+              <a:buFont typeface="Arial" charset="0"/>
+              <a:buChar char="–"/>
+              <a:defRPr sz="1050" kern="1200">
+                <a:solidFill>
+                  <a:schemeClr val="tx1"/>
+                </a:solidFill>
+                <a:latin typeface="Arial"/>
+                <a:ea typeface="ＭＳ Ｐゴシック" charset="0"/>
+                <a:cs typeface="Arial"/>
+              </a:defRPr>
+            </a:lvl4pPr>
+            <a:lvl5pPr marL="1543050" indent="-171450" algn="l" defTabSz="342900" rtl="0" eaLnBrk="1" fontAlgn="base" hangingPunct="1">
+              <a:spcBef>
+                <a:spcPct val="20000"/>
+              </a:spcBef>
+              <a:spcAft>
+                <a:spcPct val="0"/>
+              </a:spcAft>
+              <a:buFont typeface="Arial" charset="0"/>
+              <a:buChar char="»"/>
+              <a:defRPr sz="750" kern="1200">
+                <a:solidFill>
+                  <a:schemeClr val="tx1"/>
+                </a:solidFill>
+                <a:latin typeface="Arial"/>
+                <a:ea typeface="ＭＳ Ｐゴシック" charset="0"/>
+                <a:cs typeface="Arial"/>
+              </a:defRPr>
+            </a:lvl5pPr>
+            <a:lvl6pPr marL="1885950" indent="-171450" algn="l" defTabSz="342900" rtl="0" eaLnBrk="1" latinLnBrk="0" hangingPunct="1">
+              <a:spcBef>
+                <a:spcPct val="20000"/>
+              </a:spcBef>
+              <a:buFont typeface="Arial"/>
+              <a:buChar char="•"/>
+              <a:defRPr sz="1500" kern="1200">
+                <a:solidFill>
+                  <a:schemeClr val="tx1"/>
+                </a:solidFill>
+                <a:latin typeface="+mn-lt"/>
+                <a:ea typeface="+mn-ea"/>
+                <a:cs typeface="+mn-cs"/>
+              </a:defRPr>
+            </a:lvl6pPr>
+            <a:lvl7pPr marL="2228850" indent="-171450" algn="l" defTabSz="342900" rtl="0" eaLnBrk="1" latinLnBrk="0" hangingPunct="1">
+              <a:spcBef>
+                <a:spcPct val="20000"/>
+              </a:spcBef>
+              <a:buFont typeface="Arial"/>
+              <a:buChar char="•"/>
+              <a:defRPr sz="1500" kern="1200">
+                <a:solidFill>
+                  <a:schemeClr val="tx1"/>
+                </a:solidFill>
+                <a:latin typeface="+mn-lt"/>
+                <a:ea typeface="+mn-ea"/>
+                <a:cs typeface="+mn-cs"/>
+              </a:defRPr>
+            </a:lvl7pPr>
+            <a:lvl8pPr marL="2571750" indent="-171450" algn="l" defTabSz="342900" rtl="0" eaLnBrk="1" latinLnBrk="0" hangingPunct="1">
+              <a:spcBef>
+                <a:spcPct val="20000"/>
+              </a:spcBef>
+              <a:buFont typeface="Arial"/>
+              <a:buChar char="•"/>
+              <a:defRPr sz="1500" kern="1200">
+                <a:solidFill>
+                  <a:schemeClr val="tx1"/>
+                </a:solidFill>
+                <a:latin typeface="+mn-lt"/>
+                <a:ea typeface="+mn-ea"/>
+                <a:cs typeface="+mn-cs"/>
+              </a:defRPr>
+            </a:lvl8pPr>
+            <a:lvl9pPr marL="2914650" indent="-171450" algn="l" defTabSz="342900" rtl="0" eaLnBrk="1" latinLnBrk="0" hangingPunct="1">
+              <a:spcBef>
+                <a:spcPct val="20000"/>
+              </a:spcBef>
+              <a:buFont typeface="Arial"/>
+              <a:buChar char="•"/>
+              <a:defRPr sz="1500" kern="1200">
+                <a:solidFill>
+                  <a:schemeClr val="tx1"/>
+                </a:solidFill>
+                <a:latin typeface="+mn-lt"/>
+                <a:ea typeface="+mn-ea"/>
+                <a:cs typeface="+mn-cs"/>
+              </a:defRPr>
+            </a:lvl9pPr>
+          </a:lstStyle>
+          <a:p>
+            <a:pPr marL="0" indent="0">
+              <a:buFont typeface="Arial" charset="0"/>
+              <a:buNone/>
+            </a:pPr>
+            <a:r>
+              <a:rPr lang="en-US" dirty="0"/>
+              <a:t>What keywords are you using? </a:t>
+            </a:r>
+          </a:p>
+        </p:txBody>
+      </p:sp>
+      <p:sp>
+        <p:nvSpPr>
+          <p:cNvPr id="6" name="TextBox 5">
+            <a:extLst>
+              <a:ext uri="{FF2B5EF4-FFF2-40B4-BE49-F238E27FC236}">
+                <a16:creationId xmlns:a16="http://schemas.microsoft.com/office/drawing/2014/main" id="{D22B500A-F44C-777A-4930-6AB309C198EA}"/>
+              </a:ext>
+            </a:extLst>
+          </p:cNvPr>
+          <p:cNvSpPr txBox="1"/>
+          <p:nvPr/>
+        </p:nvSpPr>
+        <p:spPr>
+          <a:xfrm>
+            <a:off x="1485900" y="3007833"/>
+            <a:ext cx="5688623" cy="400110"/>
+          </a:xfrm>
+          <a:prstGeom prst="rect">
+            <a:avLst/>
+          </a:prstGeom>
+          <a:noFill/>
+        </p:spPr>
+        <p:txBody>
+          <a:bodyPr wrap="square">
+            <a:spAutoFit/>
+          </a:bodyPr>
+          <a:lstStyle/>
+          <a:p>
+            <a:r>
+              <a:rPr lang="en-US" sz="2000" dirty="0"/>
+              <a:t>How can you refine your keywords? </a:t>
+            </a:r>
+          </a:p>
+        </p:txBody>
+      </p:sp>
+    </p:spTree>
+    <p:extLst>
+      <p:ext uri="{BB962C8B-B14F-4D97-AF65-F5344CB8AC3E}">
+        <p14:creationId xmlns:p14="http://schemas.microsoft.com/office/powerpoint/2010/main" val="4224090069"/>
+      </p:ext>
+    </p:extLst>
+  </p:cSld>
+  <p:clrMapOvr>
+    <a:masterClrMapping/>
+  </p:clrMapOvr>
+</p:sld>
+</file>
+
+<file path=ppt/slides/slide9.xml><?xml version="1.0" encoding="utf-8"?>
 <p:sld xmlns:a="http://schemas.openxmlformats.org/drawingml/2006/main" xmlns:r="http://schemas.openxmlformats.org/officeDocument/2006/relationships" xmlns:p="http://schemas.openxmlformats.org/presentationml/2006/main">
   <p:cSld>
     <p:spTree>
@@ -13028,1810 +16076,6 @@
       <p:bldP spid="6" grpId="0"/>
     </p:bldLst>
   </p:timing>
-</p:sld>
-</file>
-
-<file path=ppt/slides/slide5.xml><?xml version="1.0" encoding="utf-8"?>
-<p:sld xmlns:a="http://schemas.openxmlformats.org/drawingml/2006/main" xmlns:r="http://schemas.openxmlformats.org/officeDocument/2006/relationships" xmlns:p="http://schemas.openxmlformats.org/presentationml/2006/main">
-  <p:cSld>
-    <p:spTree>
-      <p:nvGrpSpPr>
-        <p:cNvPr id="1" name=""/>
-        <p:cNvGrpSpPr/>
-        <p:nvPr/>
-      </p:nvGrpSpPr>
-      <p:grpSpPr>
-        <a:xfrm>
-          <a:off x="0" y="0"/>
-          <a:ext cx="0" cy="0"/>
-          <a:chOff x="0" y="0"/>
-          <a:chExt cx="0" cy="0"/>
-        </a:xfrm>
-      </p:grpSpPr>
-      <p:sp>
-        <p:nvSpPr>
-          <p:cNvPr id="2" name="Title 1">
-            <a:extLst>
-              <a:ext uri="{FF2B5EF4-FFF2-40B4-BE49-F238E27FC236}">
-                <a16:creationId xmlns:a16="http://schemas.microsoft.com/office/drawing/2014/main" id="{7279F23A-39EE-4A73-B2F7-F88C9AF09A2A}"/>
-              </a:ext>
-            </a:extLst>
-          </p:cNvPr>
-          <p:cNvSpPr>
-            <a:spLocks noGrp="1"/>
-          </p:cNvSpPr>
-          <p:nvPr>
-            <p:ph type="title"/>
-          </p:nvPr>
-        </p:nvSpPr>
-        <p:spPr/>
-        <p:txBody>
-          <a:bodyPr/>
-          <a:lstStyle/>
-          <a:p>
-            <a:r>
-              <a:rPr lang="en-US" dirty="0"/>
-              <a:t>Systematic Search</a:t>
-            </a:r>
-          </a:p>
-        </p:txBody>
-      </p:sp>
-      <p:sp>
-        <p:nvSpPr>
-          <p:cNvPr id="3" name="Content Placeholder 2">
-            <a:extLst>
-              <a:ext uri="{FF2B5EF4-FFF2-40B4-BE49-F238E27FC236}">
-                <a16:creationId xmlns:a16="http://schemas.microsoft.com/office/drawing/2014/main" id="{F6617704-4534-4A33-9194-88266D939FF7}"/>
-              </a:ext>
-            </a:extLst>
-          </p:cNvPr>
-          <p:cNvSpPr>
-            <a:spLocks noGrp="1"/>
-          </p:cNvSpPr>
-          <p:nvPr>
-            <p:ph idx="1"/>
-          </p:nvPr>
-        </p:nvSpPr>
-        <p:spPr>
-          <a:xfrm>
-            <a:off x="1485900" y="2114147"/>
-            <a:ext cx="6172200" cy="533400"/>
-          </a:xfrm>
-        </p:spPr>
-        <p:txBody>
-          <a:bodyPr/>
-          <a:lstStyle/>
-          <a:p>
-            <a:pPr marL="0" indent="0">
-              <a:buNone/>
-            </a:pPr>
-            <a:r>
-              <a:rPr lang="en-US" sz="2400" dirty="0"/>
-              <a:t>Providing clear parameters for your search </a:t>
-            </a:r>
-          </a:p>
-        </p:txBody>
-      </p:sp>
-      <p:sp>
-        <p:nvSpPr>
-          <p:cNvPr id="4" name="Rectangle 3">
-            <a:extLst>
-              <a:ext uri="{FF2B5EF4-FFF2-40B4-BE49-F238E27FC236}">
-                <a16:creationId xmlns:a16="http://schemas.microsoft.com/office/drawing/2014/main" id="{377999BF-8FC8-4C1D-8588-77E3FFA78A1C}"/>
-              </a:ext>
-            </a:extLst>
-          </p:cNvPr>
-          <p:cNvSpPr/>
-          <p:nvPr/>
-        </p:nvSpPr>
-        <p:spPr>
-          <a:xfrm>
-            <a:off x="2001969" y="2621029"/>
-            <a:ext cx="3215367" cy="400110"/>
-          </a:xfrm>
-          <a:prstGeom prst="rect">
-            <a:avLst/>
-          </a:prstGeom>
-        </p:spPr>
-        <p:txBody>
-          <a:bodyPr wrap="none">
-            <a:spAutoFit/>
-          </a:bodyPr>
-          <a:lstStyle/>
-          <a:p>
-            <a:r>
-              <a:rPr lang="en-US" sz="2000" dirty="0"/>
-              <a:t>Pick an exact set of keywords</a:t>
-            </a:r>
-          </a:p>
-        </p:txBody>
-      </p:sp>
-      <p:sp>
-        <p:nvSpPr>
-          <p:cNvPr id="5" name="Rectangle 4">
-            <a:extLst>
-              <a:ext uri="{FF2B5EF4-FFF2-40B4-BE49-F238E27FC236}">
-                <a16:creationId xmlns:a16="http://schemas.microsoft.com/office/drawing/2014/main" id="{553A81B8-CDD4-4AEF-A2B6-61C4B0351301}"/>
-              </a:ext>
-            </a:extLst>
-          </p:cNvPr>
-          <p:cNvSpPr/>
-          <p:nvPr/>
-        </p:nvSpPr>
-        <p:spPr>
-          <a:xfrm>
-            <a:off x="2001969" y="3022027"/>
-            <a:ext cx="6037102" cy="400110"/>
-          </a:xfrm>
-          <a:prstGeom prst="rect">
-            <a:avLst/>
-          </a:prstGeom>
-        </p:spPr>
-        <p:txBody>
-          <a:bodyPr wrap="none">
-            <a:spAutoFit/>
-          </a:bodyPr>
-          <a:lstStyle/>
-          <a:p>
-            <a:r>
-              <a:rPr lang="en-US" sz="2000" dirty="0"/>
-              <a:t>Pick a set of journals that typically publish on your topic </a:t>
-            </a:r>
-          </a:p>
-        </p:txBody>
-      </p:sp>
-      <p:sp>
-        <p:nvSpPr>
-          <p:cNvPr id="6" name="Rectangle 5">
-            <a:extLst>
-              <a:ext uri="{FF2B5EF4-FFF2-40B4-BE49-F238E27FC236}">
-                <a16:creationId xmlns:a16="http://schemas.microsoft.com/office/drawing/2014/main" id="{A3FEE01A-643B-4369-8053-F18BF30E8320}"/>
-              </a:ext>
-            </a:extLst>
-          </p:cNvPr>
-          <p:cNvSpPr/>
-          <p:nvPr/>
-        </p:nvSpPr>
-        <p:spPr>
-          <a:xfrm>
-            <a:off x="2001969" y="3970620"/>
-            <a:ext cx="4037003" cy="400110"/>
-          </a:xfrm>
-          <a:prstGeom prst="rect">
-            <a:avLst/>
-          </a:prstGeom>
-        </p:spPr>
-        <p:txBody>
-          <a:bodyPr wrap="none">
-            <a:spAutoFit/>
-          </a:bodyPr>
-          <a:lstStyle/>
-          <a:p>
-            <a:r>
-              <a:rPr lang="en-US" sz="2000" dirty="0"/>
-              <a:t>Pick a timeframe to pull articles from</a:t>
-            </a:r>
-          </a:p>
-        </p:txBody>
-      </p:sp>
-      <p:sp>
-        <p:nvSpPr>
-          <p:cNvPr id="7" name="Rectangle 6">
-            <a:extLst>
-              <a:ext uri="{FF2B5EF4-FFF2-40B4-BE49-F238E27FC236}">
-                <a16:creationId xmlns:a16="http://schemas.microsoft.com/office/drawing/2014/main" id="{3580BC7F-ADCC-46B3-899C-499FA5607F9B}"/>
-              </a:ext>
-            </a:extLst>
-          </p:cNvPr>
-          <p:cNvSpPr/>
-          <p:nvPr/>
-        </p:nvSpPr>
-        <p:spPr>
-          <a:xfrm>
-            <a:off x="2529742" y="3343355"/>
-            <a:ext cx="3429000" cy="369332"/>
-          </a:xfrm>
-          <a:prstGeom prst="rect">
-            <a:avLst/>
-          </a:prstGeom>
-        </p:spPr>
-        <p:txBody>
-          <a:bodyPr>
-            <a:spAutoFit/>
-          </a:bodyPr>
-          <a:lstStyle/>
-          <a:p>
-            <a:r>
-              <a:rPr lang="en-US" dirty="0"/>
-              <a:t>Within discipline</a:t>
-            </a:r>
-          </a:p>
-        </p:txBody>
-      </p:sp>
-      <p:sp>
-        <p:nvSpPr>
-          <p:cNvPr id="8" name="Rectangle 7">
-            <a:extLst>
-              <a:ext uri="{FF2B5EF4-FFF2-40B4-BE49-F238E27FC236}">
-                <a16:creationId xmlns:a16="http://schemas.microsoft.com/office/drawing/2014/main" id="{4C073AD7-4018-4708-AA4C-ECE5F6411902}"/>
-              </a:ext>
-            </a:extLst>
-          </p:cNvPr>
-          <p:cNvSpPr/>
-          <p:nvPr/>
-        </p:nvSpPr>
-        <p:spPr>
-          <a:xfrm>
-            <a:off x="2529742" y="3676188"/>
-            <a:ext cx="3429000" cy="369332"/>
-          </a:xfrm>
-          <a:prstGeom prst="rect">
-            <a:avLst/>
-          </a:prstGeom>
-        </p:spPr>
-        <p:txBody>
-          <a:bodyPr>
-            <a:spAutoFit/>
-          </a:bodyPr>
-          <a:lstStyle/>
-          <a:p>
-            <a:r>
-              <a:rPr lang="en-US" dirty="0"/>
-              <a:t>Interdisciplinary </a:t>
-            </a:r>
-          </a:p>
-        </p:txBody>
-      </p:sp>
-      <p:sp>
-        <p:nvSpPr>
-          <p:cNvPr id="9" name="Rectangle 8">
-            <a:extLst>
-              <a:ext uri="{FF2B5EF4-FFF2-40B4-BE49-F238E27FC236}">
-                <a16:creationId xmlns:a16="http://schemas.microsoft.com/office/drawing/2014/main" id="{50B092B8-E352-4834-A4D6-1EEC0B8F8988}"/>
-              </a:ext>
-            </a:extLst>
-          </p:cNvPr>
-          <p:cNvSpPr/>
-          <p:nvPr/>
-        </p:nvSpPr>
-        <p:spPr>
-          <a:xfrm>
-            <a:off x="2529742" y="4291947"/>
-            <a:ext cx="3429000" cy="369332"/>
-          </a:xfrm>
-          <a:prstGeom prst="rect">
-            <a:avLst/>
-          </a:prstGeom>
-        </p:spPr>
-        <p:txBody>
-          <a:bodyPr>
-            <a:spAutoFit/>
-          </a:bodyPr>
-          <a:lstStyle/>
-          <a:p>
-            <a:r>
-              <a:rPr lang="es-MX" dirty="0"/>
-              <a:t>H</a:t>
-            </a:r>
-            <a:r>
-              <a:rPr lang="en-US" dirty="0" err="1"/>
-              <a:t>istory</a:t>
-            </a:r>
-            <a:r>
-              <a:rPr lang="en-US" dirty="0"/>
-              <a:t> of the topic </a:t>
-            </a:r>
-          </a:p>
-        </p:txBody>
-      </p:sp>
-      <p:sp>
-        <p:nvSpPr>
-          <p:cNvPr id="10" name="Rectangle 9">
-            <a:extLst>
-              <a:ext uri="{FF2B5EF4-FFF2-40B4-BE49-F238E27FC236}">
-                <a16:creationId xmlns:a16="http://schemas.microsoft.com/office/drawing/2014/main" id="{CD373EB1-2614-4574-AA83-4FC05660CF39}"/>
-              </a:ext>
-            </a:extLst>
-          </p:cNvPr>
-          <p:cNvSpPr/>
-          <p:nvPr/>
-        </p:nvSpPr>
-        <p:spPr>
-          <a:xfrm>
-            <a:off x="2529742" y="4646025"/>
-            <a:ext cx="3429000" cy="369332"/>
-          </a:xfrm>
-          <a:prstGeom prst="rect">
-            <a:avLst/>
-          </a:prstGeom>
-        </p:spPr>
-        <p:txBody>
-          <a:bodyPr>
-            <a:spAutoFit/>
-          </a:bodyPr>
-          <a:lstStyle/>
-          <a:p>
-            <a:r>
-              <a:rPr lang="es-MX" dirty="0" err="1"/>
-              <a:t>Contemporary</a:t>
-            </a:r>
-            <a:r>
-              <a:rPr lang="es-MX" dirty="0"/>
-              <a:t> </a:t>
-            </a:r>
-            <a:r>
-              <a:rPr lang="es-MX" dirty="0" err="1"/>
-              <a:t>state</a:t>
-            </a:r>
-            <a:r>
-              <a:rPr lang="es-MX" dirty="0"/>
-              <a:t> </a:t>
-            </a:r>
-            <a:r>
-              <a:rPr lang="es-MX" dirty="0" err="1"/>
-              <a:t>of</a:t>
-            </a:r>
-            <a:r>
-              <a:rPr lang="es-MX" dirty="0"/>
-              <a:t> </a:t>
-            </a:r>
-            <a:r>
-              <a:rPr lang="es-MX" dirty="0" err="1"/>
-              <a:t>the</a:t>
-            </a:r>
-            <a:r>
-              <a:rPr lang="es-MX" dirty="0"/>
-              <a:t> </a:t>
-            </a:r>
-            <a:r>
-              <a:rPr lang="es-MX" dirty="0" err="1"/>
-              <a:t>topic</a:t>
-            </a:r>
-            <a:endParaRPr lang="en-US" dirty="0"/>
-          </a:p>
-        </p:txBody>
-      </p:sp>
-    </p:spTree>
-    <p:extLst>
-      <p:ext uri="{BB962C8B-B14F-4D97-AF65-F5344CB8AC3E}">
-        <p14:creationId xmlns:p14="http://schemas.microsoft.com/office/powerpoint/2010/main" val="1498169512"/>
-      </p:ext>
-    </p:extLst>
-  </p:cSld>
-  <p:clrMapOvr>
-    <a:masterClrMapping/>
-  </p:clrMapOvr>
-  <p:timing>
-    <p:tnLst>
-      <p:par>
-        <p:cTn id="1" dur="indefinite" restart="never" nodeType="tmRoot">
-          <p:childTnLst>
-            <p:seq concurrent="1" nextAc="seek">
-              <p:cTn id="2" dur="indefinite" nodeType="mainSeq">
-                <p:childTnLst>
-                  <p:par>
-                    <p:cTn id="3" fill="hold">
-                      <p:stCondLst>
-                        <p:cond delay="indefinite"/>
-                      </p:stCondLst>
-                      <p:childTnLst>
-                        <p:par>
-                          <p:cTn id="4" fill="hold">
-                            <p:stCondLst>
-                              <p:cond delay="0"/>
-                            </p:stCondLst>
-                            <p:childTnLst>
-                              <p:par>
-                                <p:cTn id="5" presetID="1" presetClass="entr" presetSubtype="0" fill="hold" grpId="0" nodeType="clickEffect">
-                                  <p:stCondLst>
-                                    <p:cond delay="0"/>
-                                  </p:stCondLst>
-                                  <p:childTnLst>
-                                    <p:set>
-                                      <p:cBhvr>
-                                        <p:cTn id="6" dur="1" fill="hold">
-                                          <p:stCondLst>
-                                            <p:cond delay="0"/>
-                                          </p:stCondLst>
-                                        </p:cTn>
-                                        <p:tgtEl>
-                                          <p:spTgt spid="4"/>
-                                        </p:tgtEl>
-                                        <p:attrNameLst>
-                                          <p:attrName>style.visibility</p:attrName>
-                                        </p:attrNameLst>
-                                      </p:cBhvr>
-                                      <p:to>
-                                        <p:strVal val="visible"/>
-                                      </p:to>
-                                    </p:set>
-                                  </p:childTnLst>
-                                </p:cTn>
-                              </p:par>
-                            </p:childTnLst>
-                          </p:cTn>
-                        </p:par>
-                      </p:childTnLst>
-                    </p:cTn>
-                  </p:par>
-                  <p:par>
-                    <p:cTn id="7" fill="hold">
-                      <p:stCondLst>
-                        <p:cond delay="indefinite"/>
-                      </p:stCondLst>
-                      <p:childTnLst>
-                        <p:par>
-                          <p:cTn id="8" fill="hold">
-                            <p:stCondLst>
-                              <p:cond delay="0"/>
-                            </p:stCondLst>
-                            <p:childTnLst>
-                              <p:par>
-                                <p:cTn id="9" presetID="1" presetClass="entr" presetSubtype="0" fill="hold" grpId="0" nodeType="clickEffect">
-                                  <p:stCondLst>
-                                    <p:cond delay="0"/>
-                                  </p:stCondLst>
-                                  <p:childTnLst>
-                                    <p:set>
-                                      <p:cBhvr>
-                                        <p:cTn id="10" dur="1" fill="hold">
-                                          <p:stCondLst>
-                                            <p:cond delay="0"/>
-                                          </p:stCondLst>
-                                        </p:cTn>
-                                        <p:tgtEl>
-                                          <p:spTgt spid="5"/>
-                                        </p:tgtEl>
-                                        <p:attrNameLst>
-                                          <p:attrName>style.visibility</p:attrName>
-                                        </p:attrNameLst>
-                                      </p:cBhvr>
-                                      <p:to>
-                                        <p:strVal val="visible"/>
-                                      </p:to>
-                                    </p:set>
-                                  </p:childTnLst>
-                                </p:cTn>
-                              </p:par>
-                            </p:childTnLst>
-                          </p:cTn>
-                        </p:par>
-                      </p:childTnLst>
-                    </p:cTn>
-                  </p:par>
-                  <p:par>
-                    <p:cTn id="11" fill="hold">
-                      <p:stCondLst>
-                        <p:cond delay="indefinite"/>
-                      </p:stCondLst>
-                      <p:childTnLst>
-                        <p:par>
-                          <p:cTn id="12" fill="hold">
-                            <p:stCondLst>
-                              <p:cond delay="0"/>
-                            </p:stCondLst>
-                            <p:childTnLst>
-                              <p:par>
-                                <p:cTn id="13" presetID="1" presetClass="entr" presetSubtype="0" fill="hold" grpId="0" nodeType="clickEffect">
-                                  <p:stCondLst>
-                                    <p:cond delay="0"/>
-                                  </p:stCondLst>
-                                  <p:childTnLst>
-                                    <p:set>
-                                      <p:cBhvr>
-                                        <p:cTn id="14" dur="1" fill="hold">
-                                          <p:stCondLst>
-                                            <p:cond delay="0"/>
-                                          </p:stCondLst>
-                                        </p:cTn>
-                                        <p:tgtEl>
-                                          <p:spTgt spid="7"/>
-                                        </p:tgtEl>
-                                        <p:attrNameLst>
-                                          <p:attrName>style.visibility</p:attrName>
-                                        </p:attrNameLst>
-                                      </p:cBhvr>
-                                      <p:to>
-                                        <p:strVal val="visible"/>
-                                      </p:to>
-                                    </p:set>
-                                  </p:childTnLst>
-                                </p:cTn>
-                              </p:par>
-                            </p:childTnLst>
-                          </p:cTn>
-                        </p:par>
-                      </p:childTnLst>
-                    </p:cTn>
-                  </p:par>
-                  <p:par>
-                    <p:cTn id="15" fill="hold">
-                      <p:stCondLst>
-                        <p:cond delay="indefinite"/>
-                      </p:stCondLst>
-                      <p:childTnLst>
-                        <p:par>
-                          <p:cTn id="16" fill="hold">
-                            <p:stCondLst>
-                              <p:cond delay="0"/>
-                            </p:stCondLst>
-                            <p:childTnLst>
-                              <p:par>
-                                <p:cTn id="17" presetID="1" presetClass="entr" presetSubtype="0" fill="hold" grpId="0" nodeType="clickEffect">
-                                  <p:stCondLst>
-                                    <p:cond delay="0"/>
-                                  </p:stCondLst>
-                                  <p:childTnLst>
-                                    <p:set>
-                                      <p:cBhvr>
-                                        <p:cTn id="18" dur="1" fill="hold">
-                                          <p:stCondLst>
-                                            <p:cond delay="0"/>
-                                          </p:stCondLst>
-                                        </p:cTn>
-                                        <p:tgtEl>
-                                          <p:spTgt spid="8"/>
-                                        </p:tgtEl>
-                                        <p:attrNameLst>
-                                          <p:attrName>style.visibility</p:attrName>
-                                        </p:attrNameLst>
-                                      </p:cBhvr>
-                                      <p:to>
-                                        <p:strVal val="visible"/>
-                                      </p:to>
-                                    </p:set>
-                                  </p:childTnLst>
-                                </p:cTn>
-                              </p:par>
-                            </p:childTnLst>
-                          </p:cTn>
-                        </p:par>
-                      </p:childTnLst>
-                    </p:cTn>
-                  </p:par>
-                  <p:par>
-                    <p:cTn id="19" fill="hold">
-                      <p:stCondLst>
-                        <p:cond delay="indefinite"/>
-                      </p:stCondLst>
-                      <p:childTnLst>
-                        <p:par>
-                          <p:cTn id="20" fill="hold">
-                            <p:stCondLst>
-                              <p:cond delay="0"/>
-                            </p:stCondLst>
-                            <p:childTnLst>
-                              <p:par>
-                                <p:cTn id="21" presetID="1" presetClass="entr" presetSubtype="0" fill="hold" grpId="0" nodeType="clickEffect">
-                                  <p:stCondLst>
-                                    <p:cond delay="0"/>
-                                  </p:stCondLst>
-                                  <p:childTnLst>
-                                    <p:set>
-                                      <p:cBhvr>
-                                        <p:cTn id="22" dur="1" fill="hold">
-                                          <p:stCondLst>
-                                            <p:cond delay="0"/>
-                                          </p:stCondLst>
-                                        </p:cTn>
-                                        <p:tgtEl>
-                                          <p:spTgt spid="6"/>
-                                        </p:tgtEl>
-                                        <p:attrNameLst>
-                                          <p:attrName>style.visibility</p:attrName>
-                                        </p:attrNameLst>
-                                      </p:cBhvr>
-                                      <p:to>
-                                        <p:strVal val="visible"/>
-                                      </p:to>
-                                    </p:set>
-                                  </p:childTnLst>
-                                </p:cTn>
-                              </p:par>
-                            </p:childTnLst>
-                          </p:cTn>
-                        </p:par>
-                      </p:childTnLst>
-                    </p:cTn>
-                  </p:par>
-                  <p:par>
-                    <p:cTn id="23" fill="hold">
-                      <p:stCondLst>
-                        <p:cond delay="indefinite"/>
-                      </p:stCondLst>
-                      <p:childTnLst>
-                        <p:par>
-                          <p:cTn id="24" fill="hold">
-                            <p:stCondLst>
-                              <p:cond delay="0"/>
-                            </p:stCondLst>
-                            <p:childTnLst>
-                              <p:par>
-                                <p:cTn id="25" presetID="1" presetClass="entr" presetSubtype="0" fill="hold" nodeType="clickEffect">
-                                  <p:stCondLst>
-                                    <p:cond delay="0"/>
-                                  </p:stCondLst>
-                                  <p:childTnLst>
-                                    <p:set>
-                                      <p:cBhvr>
-                                        <p:cTn id="26" dur="1" fill="hold">
-                                          <p:stCondLst>
-                                            <p:cond delay="0"/>
-                                          </p:stCondLst>
-                                        </p:cTn>
-                                        <p:tgtEl>
-                                          <p:spTgt spid="9">
-                                            <p:txEl>
-                                              <p:pRg st="0" end="0"/>
-                                            </p:txEl>
-                                          </p:spTgt>
-                                        </p:tgtEl>
-                                        <p:attrNameLst>
-                                          <p:attrName>style.visibility</p:attrName>
-                                        </p:attrNameLst>
-                                      </p:cBhvr>
-                                      <p:to>
-                                        <p:strVal val="visible"/>
-                                      </p:to>
-                                    </p:set>
-                                  </p:childTnLst>
-                                </p:cTn>
-                              </p:par>
-                            </p:childTnLst>
-                          </p:cTn>
-                        </p:par>
-                      </p:childTnLst>
-                    </p:cTn>
-                  </p:par>
-                  <p:par>
-                    <p:cTn id="27" fill="hold">
-                      <p:stCondLst>
-                        <p:cond delay="indefinite"/>
-                      </p:stCondLst>
-                      <p:childTnLst>
-                        <p:par>
-                          <p:cTn id="28" fill="hold">
-                            <p:stCondLst>
-                              <p:cond delay="0"/>
-                            </p:stCondLst>
-                            <p:childTnLst>
-                              <p:par>
-                                <p:cTn id="29" presetID="1" presetClass="entr" presetSubtype="0" fill="hold" grpId="0" nodeType="clickEffect">
-                                  <p:stCondLst>
-                                    <p:cond delay="0"/>
-                                  </p:stCondLst>
-                                  <p:childTnLst>
-                                    <p:set>
-                                      <p:cBhvr>
-                                        <p:cTn id="30" dur="1" fill="hold">
-                                          <p:stCondLst>
-                                            <p:cond delay="0"/>
-                                          </p:stCondLst>
-                                        </p:cTn>
-                                        <p:tgtEl>
-                                          <p:spTgt spid="10"/>
-                                        </p:tgtEl>
-                                        <p:attrNameLst>
-                                          <p:attrName>style.visibility</p:attrName>
-                                        </p:attrNameLst>
-                                      </p:cBhvr>
-                                      <p:to>
-                                        <p:strVal val="visible"/>
-                                      </p:to>
-                                    </p:set>
-                                  </p:childTnLst>
-                                </p:cTn>
-                              </p:par>
-                            </p:childTnLst>
-                          </p:cTn>
-                        </p:par>
-                      </p:childTnLst>
-                    </p:cTn>
-                  </p:par>
-                </p:childTnLst>
-              </p:cTn>
-              <p:prevCondLst>
-                <p:cond evt="onPrev" delay="0">
-                  <p:tgtEl>
-                    <p:sldTgt/>
-                  </p:tgtEl>
-                </p:cond>
-              </p:prevCondLst>
-              <p:nextCondLst>
-                <p:cond evt="onNext" delay="0">
-                  <p:tgtEl>
-                    <p:sldTgt/>
-                  </p:tgtEl>
-                </p:cond>
-              </p:nextCondLst>
-            </p:seq>
-          </p:childTnLst>
-        </p:cTn>
-      </p:par>
-    </p:tnLst>
-    <p:bldLst>
-      <p:bldP spid="4" grpId="0"/>
-      <p:bldP spid="5" grpId="0"/>
-      <p:bldP spid="6" grpId="0"/>
-      <p:bldP spid="7" grpId="0"/>
-      <p:bldP spid="8" grpId="0"/>
-      <p:bldP spid="10" grpId="0"/>
-    </p:bldLst>
-  </p:timing>
-</p:sld>
-</file>
-
-<file path=ppt/slides/slide6.xml><?xml version="1.0" encoding="utf-8"?>
-<p:sld xmlns:a="http://schemas.openxmlformats.org/drawingml/2006/main" xmlns:r="http://schemas.openxmlformats.org/officeDocument/2006/relationships" xmlns:p="http://schemas.openxmlformats.org/presentationml/2006/main">
-  <p:cSld>
-    <p:spTree>
-      <p:nvGrpSpPr>
-        <p:cNvPr id="1" name=""/>
-        <p:cNvGrpSpPr/>
-        <p:nvPr/>
-      </p:nvGrpSpPr>
-      <p:grpSpPr>
-        <a:xfrm>
-          <a:off x="0" y="0"/>
-          <a:ext cx="0" cy="0"/>
-          <a:chOff x="0" y="0"/>
-          <a:chExt cx="0" cy="0"/>
-        </a:xfrm>
-      </p:grpSpPr>
-      <p:sp>
-        <p:nvSpPr>
-          <p:cNvPr id="2" name="Title 1">
-            <a:extLst>
-              <a:ext uri="{FF2B5EF4-FFF2-40B4-BE49-F238E27FC236}">
-                <a16:creationId xmlns:a16="http://schemas.microsoft.com/office/drawing/2014/main" id="{B34BCAB6-019E-47BF-B428-C4EF3D66C75F}"/>
-              </a:ext>
-            </a:extLst>
-          </p:cNvPr>
-          <p:cNvSpPr>
-            <a:spLocks noGrp="1"/>
-          </p:cNvSpPr>
-          <p:nvPr>
-            <p:ph type="title"/>
-          </p:nvPr>
-        </p:nvSpPr>
-        <p:spPr/>
-        <p:txBody>
-          <a:bodyPr/>
-          <a:lstStyle/>
-          <a:p>
-            <a:r>
-              <a:rPr lang="en-US" dirty="0"/>
-              <a:t>Technology for Organizing Literature</a:t>
-            </a:r>
-          </a:p>
-        </p:txBody>
-      </p:sp>
-      <p:sp>
-        <p:nvSpPr>
-          <p:cNvPr id="3" name="Content Placeholder 2">
-            <a:extLst>
-              <a:ext uri="{FF2B5EF4-FFF2-40B4-BE49-F238E27FC236}">
-                <a16:creationId xmlns:a16="http://schemas.microsoft.com/office/drawing/2014/main" id="{3EDC81D2-625D-48E0-B37F-49124A6A3511}"/>
-              </a:ext>
-            </a:extLst>
-          </p:cNvPr>
-          <p:cNvSpPr>
-            <a:spLocks noGrp="1"/>
-          </p:cNvSpPr>
-          <p:nvPr>
-            <p:ph idx="1"/>
-          </p:nvPr>
-        </p:nvSpPr>
-        <p:spPr/>
-        <p:txBody>
-          <a:bodyPr/>
-          <a:lstStyle/>
-          <a:p>
-            <a:pPr marL="0" indent="0">
-              <a:buNone/>
-            </a:pPr>
-            <a:r>
-              <a:rPr lang="en-US" dirty="0"/>
-              <a:t>Now over to Shaun, who will discuss RefWorks as a tool to help organize the literature you pull. </a:t>
-            </a:r>
-          </a:p>
-        </p:txBody>
-      </p:sp>
-      <p:pic>
-        <p:nvPicPr>
-          <p:cNvPr id="5" name="Picture 4" descr="A close up of a logo&#10;&#10;Description automatically generated">
-            <a:extLst>
-              <a:ext uri="{FF2B5EF4-FFF2-40B4-BE49-F238E27FC236}">
-                <a16:creationId xmlns:a16="http://schemas.microsoft.com/office/drawing/2014/main" id="{3D45BE65-F463-4070-91DC-88C4A959B507}"/>
-              </a:ext>
-            </a:extLst>
-          </p:cNvPr>
-          <p:cNvPicPr>
-            <a:picLocks noChangeAspect="1"/>
-          </p:cNvPicPr>
-          <p:nvPr/>
-        </p:nvPicPr>
-        <p:blipFill>
-          <a:blip r:embed="rId2"/>
-          <a:stretch>
-            <a:fillRect/>
-          </a:stretch>
-        </p:blipFill>
-        <p:spPr>
-          <a:xfrm>
-            <a:off x="2866003" y="3158947"/>
-            <a:ext cx="3411994" cy="1309468"/>
-          </a:xfrm>
-          <a:prstGeom prst="rect">
-            <a:avLst/>
-          </a:prstGeom>
-        </p:spPr>
-      </p:pic>
-    </p:spTree>
-    <p:extLst>
-      <p:ext uri="{BB962C8B-B14F-4D97-AF65-F5344CB8AC3E}">
-        <p14:creationId xmlns:p14="http://schemas.microsoft.com/office/powerpoint/2010/main" val="2385067442"/>
-      </p:ext>
-    </p:extLst>
-  </p:cSld>
-  <p:clrMapOvr>
-    <a:masterClrMapping/>
-  </p:clrMapOvr>
-</p:sld>
-</file>
-
-<file path=ppt/slides/slide7.xml><?xml version="1.0" encoding="utf-8"?>
-<p:sld xmlns:a="http://schemas.openxmlformats.org/drawingml/2006/main" xmlns:r="http://schemas.openxmlformats.org/officeDocument/2006/relationships" xmlns:p="http://schemas.openxmlformats.org/presentationml/2006/main">
-  <p:cSld>
-    <p:spTree>
-      <p:nvGrpSpPr>
-        <p:cNvPr id="1" name=""/>
-        <p:cNvGrpSpPr/>
-        <p:nvPr/>
-      </p:nvGrpSpPr>
-      <p:grpSpPr>
-        <a:xfrm>
-          <a:off x="0" y="0"/>
-          <a:ext cx="0" cy="0"/>
-          <a:chOff x="0" y="0"/>
-          <a:chExt cx="0" cy="0"/>
-        </a:xfrm>
-      </p:grpSpPr>
-      <p:sp>
-        <p:nvSpPr>
-          <p:cNvPr id="2" name="Title 1">
-            <a:extLst>
-              <a:ext uri="{FF2B5EF4-FFF2-40B4-BE49-F238E27FC236}">
-                <a16:creationId xmlns:a16="http://schemas.microsoft.com/office/drawing/2014/main" id="{1406B239-6F9E-4565-A261-79A426B9A308}"/>
-              </a:ext>
-            </a:extLst>
-          </p:cNvPr>
-          <p:cNvSpPr>
-            <a:spLocks noGrp="1"/>
-          </p:cNvSpPr>
-          <p:nvPr>
-            <p:ph type="title"/>
-          </p:nvPr>
-        </p:nvSpPr>
-        <p:spPr/>
-        <p:txBody>
-          <a:bodyPr/>
-          <a:lstStyle/>
-          <a:p>
-            <a:r>
-              <a:rPr lang="en-US" dirty="0"/>
-              <a:t>Example: </a:t>
-            </a:r>
-            <a:br>
-              <a:rPr lang="en-US" dirty="0"/>
-            </a:br>
-            <a:r>
-              <a:rPr lang="en-US" dirty="0"/>
-              <a:t>Environmental Sociology</a:t>
-            </a:r>
-          </a:p>
-        </p:txBody>
-      </p:sp>
-      <p:sp>
-        <p:nvSpPr>
-          <p:cNvPr id="3" name="Content Placeholder 2">
-            <a:extLst>
-              <a:ext uri="{FF2B5EF4-FFF2-40B4-BE49-F238E27FC236}">
-                <a16:creationId xmlns:a16="http://schemas.microsoft.com/office/drawing/2014/main" id="{B6D7BC25-4905-4B6E-843A-11B383B7324A}"/>
-              </a:ext>
-            </a:extLst>
-          </p:cNvPr>
-          <p:cNvSpPr>
-            <a:spLocks noGrp="1"/>
-          </p:cNvSpPr>
-          <p:nvPr>
-            <p:ph idx="1"/>
-          </p:nvPr>
-        </p:nvSpPr>
-        <p:spPr>
-          <a:xfrm>
-            <a:off x="457200" y="2266950"/>
-            <a:ext cx="8229600" cy="484065"/>
-          </a:xfrm>
-        </p:spPr>
-        <p:txBody>
-          <a:bodyPr/>
-          <a:lstStyle/>
-          <a:p>
-            <a:pPr marL="0" indent="0">
-              <a:buNone/>
-            </a:pPr>
-            <a:r>
-              <a:rPr lang="en-US" dirty="0"/>
-              <a:t>Topic: Political Economy and the Environment</a:t>
-            </a:r>
-          </a:p>
-        </p:txBody>
-      </p:sp>
-      <p:sp>
-        <p:nvSpPr>
-          <p:cNvPr id="4" name="Content Placeholder 2">
-            <a:extLst>
-              <a:ext uri="{FF2B5EF4-FFF2-40B4-BE49-F238E27FC236}">
-                <a16:creationId xmlns:a16="http://schemas.microsoft.com/office/drawing/2014/main" id="{4B7B1EAE-D7AF-4187-A1F4-73FEFE237C93}"/>
-              </a:ext>
-            </a:extLst>
-          </p:cNvPr>
-          <p:cNvSpPr txBox="1">
-            <a:spLocks/>
-          </p:cNvSpPr>
-          <p:nvPr/>
-        </p:nvSpPr>
-        <p:spPr bwMode="auto">
-          <a:xfrm>
-            <a:off x="457200" y="2751015"/>
-            <a:ext cx="8229600" cy="484065"/>
-          </a:xfrm>
-          <a:prstGeom prst="rect">
-            <a:avLst/>
-          </a:prstGeom>
-          <a:noFill/>
-          <a:ln>
-            <a:noFill/>
-          </a:ln>
-          <a:extLst>
-            <a:ext uri="{909E8E84-426E-40DD-AFC4-6F175D3DCCD1}">
-              <a14:hiddenFill xmlns:a14="http://schemas.microsoft.com/office/drawing/2010/main">
-                <a:solidFill>
-                  <a:srgbClr val="FFFFFF"/>
-                </a:solidFill>
-              </a14:hiddenFill>
-            </a:ext>
-            <a:ext uri="{91240B29-F687-4F45-9708-019B960494DF}">
-              <a14:hiddenLine xmlns:a14="http://schemas.microsoft.com/office/drawing/2010/main" w="9525">
-                <a:solidFill>
-                  <a:srgbClr val="000000"/>
-                </a:solidFill>
-                <a:miter lim="800000"/>
-                <a:headEnd/>
-                <a:tailEnd/>
-              </a14:hiddenLine>
-            </a:ext>
-            <a:ext uri="{FAA26D3D-D897-4be2-8F04-BA451C77F1D7}">
-              <ma14:placeholderFlag xmlns:ma14="http://schemas.microsoft.com/office/mac/drawingml/2011/main" xmlns="" val="1"/>
-            </a:ext>
-          </a:extLst>
-        </p:spPr>
-        <p:txBody>
-          <a:bodyPr vert="horz" wrap="square" lIns="91440" tIns="45720" rIns="91440" bIns="45720" numCol="1" anchor="t" anchorCtr="0" compatLnSpc="1">
-            <a:prstTxWarp prst="textNoShape">
-              <a:avLst/>
-            </a:prstTxWarp>
-          </a:bodyPr>
-          <a:lstStyle>
-            <a:lvl1pPr marL="257175" indent="-257175" algn="l" defTabSz="342900" rtl="0" eaLnBrk="1" fontAlgn="base" hangingPunct="1">
-              <a:spcBef>
-                <a:spcPct val="20000"/>
-              </a:spcBef>
-              <a:spcAft>
-                <a:spcPct val="0"/>
-              </a:spcAft>
-              <a:buFont typeface="Arial" charset="0"/>
-              <a:buChar char="•"/>
-              <a:defRPr sz="1800" kern="1200">
-                <a:solidFill>
-                  <a:schemeClr val="tx1"/>
-                </a:solidFill>
-                <a:latin typeface="Arial"/>
-                <a:ea typeface="ＭＳ Ｐゴシック" charset="0"/>
-                <a:cs typeface="Arial"/>
-              </a:defRPr>
-            </a:lvl1pPr>
-            <a:lvl2pPr marL="557213" indent="-214313" algn="l" defTabSz="342900" rtl="0" eaLnBrk="1" fontAlgn="base" hangingPunct="1">
-              <a:spcBef>
-                <a:spcPct val="20000"/>
-              </a:spcBef>
-              <a:spcAft>
-                <a:spcPct val="0"/>
-              </a:spcAft>
-              <a:buFont typeface="Arial" charset="0"/>
-              <a:buChar char="–"/>
-              <a:defRPr sz="1800" kern="1200">
-                <a:solidFill>
-                  <a:schemeClr val="tx1"/>
-                </a:solidFill>
-                <a:latin typeface="Arial"/>
-                <a:ea typeface="ＭＳ Ｐゴシック" charset="0"/>
-                <a:cs typeface="Arial"/>
-              </a:defRPr>
-            </a:lvl2pPr>
-            <a:lvl3pPr marL="857250" indent="-171450" algn="l" defTabSz="342900" rtl="0" eaLnBrk="1" fontAlgn="base" hangingPunct="1">
-              <a:spcBef>
-                <a:spcPct val="20000"/>
-              </a:spcBef>
-              <a:spcAft>
-                <a:spcPct val="0"/>
-              </a:spcAft>
-              <a:buFont typeface="Arial" charset="0"/>
-              <a:buChar char="•"/>
-              <a:defRPr kern="1200">
-                <a:solidFill>
-                  <a:schemeClr val="tx1"/>
-                </a:solidFill>
-                <a:latin typeface="Arial"/>
-                <a:ea typeface="ＭＳ Ｐゴシック" charset="0"/>
-                <a:cs typeface="Arial"/>
-              </a:defRPr>
-            </a:lvl3pPr>
-            <a:lvl4pPr marL="1200150" indent="-171450" algn="l" defTabSz="342900" rtl="0" eaLnBrk="1" fontAlgn="base" hangingPunct="1">
-              <a:spcBef>
-                <a:spcPct val="20000"/>
-              </a:spcBef>
-              <a:spcAft>
-                <a:spcPct val="0"/>
-              </a:spcAft>
-              <a:buFont typeface="Arial" charset="0"/>
-              <a:buChar char="–"/>
-              <a:defRPr sz="1050" kern="1200">
-                <a:solidFill>
-                  <a:schemeClr val="tx1"/>
-                </a:solidFill>
-                <a:latin typeface="Arial"/>
-                <a:ea typeface="ＭＳ Ｐゴシック" charset="0"/>
-                <a:cs typeface="Arial"/>
-              </a:defRPr>
-            </a:lvl4pPr>
-            <a:lvl5pPr marL="1543050" indent="-171450" algn="l" defTabSz="342900" rtl="0" eaLnBrk="1" fontAlgn="base" hangingPunct="1">
-              <a:spcBef>
-                <a:spcPct val="20000"/>
-              </a:spcBef>
-              <a:spcAft>
-                <a:spcPct val="0"/>
-              </a:spcAft>
-              <a:buFont typeface="Arial" charset="0"/>
-              <a:buChar char="»"/>
-              <a:defRPr sz="750" kern="1200">
-                <a:solidFill>
-                  <a:schemeClr val="tx1"/>
-                </a:solidFill>
-                <a:latin typeface="Arial"/>
-                <a:ea typeface="ＭＳ Ｐゴシック" charset="0"/>
-                <a:cs typeface="Arial"/>
-              </a:defRPr>
-            </a:lvl5pPr>
-            <a:lvl6pPr marL="1885950" indent="-171450" algn="l" defTabSz="342900" rtl="0" eaLnBrk="1" latinLnBrk="0" hangingPunct="1">
-              <a:spcBef>
-                <a:spcPct val="20000"/>
-              </a:spcBef>
-              <a:buFont typeface="Arial"/>
-              <a:buChar char="•"/>
-              <a:defRPr sz="1500" kern="1200">
-                <a:solidFill>
-                  <a:schemeClr val="tx1"/>
-                </a:solidFill>
-                <a:latin typeface="+mn-lt"/>
-                <a:ea typeface="+mn-ea"/>
-                <a:cs typeface="+mn-cs"/>
-              </a:defRPr>
-            </a:lvl6pPr>
-            <a:lvl7pPr marL="2228850" indent="-171450" algn="l" defTabSz="342900" rtl="0" eaLnBrk="1" latinLnBrk="0" hangingPunct="1">
-              <a:spcBef>
-                <a:spcPct val="20000"/>
-              </a:spcBef>
-              <a:buFont typeface="Arial"/>
-              <a:buChar char="•"/>
-              <a:defRPr sz="1500" kern="1200">
-                <a:solidFill>
-                  <a:schemeClr val="tx1"/>
-                </a:solidFill>
-                <a:latin typeface="+mn-lt"/>
-                <a:ea typeface="+mn-ea"/>
-                <a:cs typeface="+mn-cs"/>
-              </a:defRPr>
-            </a:lvl7pPr>
-            <a:lvl8pPr marL="2571750" indent="-171450" algn="l" defTabSz="342900" rtl="0" eaLnBrk="1" latinLnBrk="0" hangingPunct="1">
-              <a:spcBef>
-                <a:spcPct val="20000"/>
-              </a:spcBef>
-              <a:buFont typeface="Arial"/>
-              <a:buChar char="•"/>
-              <a:defRPr sz="1500" kern="1200">
-                <a:solidFill>
-                  <a:schemeClr val="tx1"/>
-                </a:solidFill>
-                <a:latin typeface="+mn-lt"/>
-                <a:ea typeface="+mn-ea"/>
-                <a:cs typeface="+mn-cs"/>
-              </a:defRPr>
-            </a:lvl8pPr>
-            <a:lvl9pPr marL="2914650" indent="-171450" algn="l" defTabSz="342900" rtl="0" eaLnBrk="1" latinLnBrk="0" hangingPunct="1">
-              <a:spcBef>
-                <a:spcPct val="20000"/>
-              </a:spcBef>
-              <a:buFont typeface="Arial"/>
-              <a:buChar char="•"/>
-              <a:defRPr sz="1500" kern="1200">
-                <a:solidFill>
-                  <a:schemeClr val="tx1"/>
-                </a:solidFill>
-                <a:latin typeface="+mn-lt"/>
-                <a:ea typeface="+mn-ea"/>
-                <a:cs typeface="+mn-cs"/>
-              </a:defRPr>
-            </a:lvl9pPr>
-          </a:lstStyle>
-          <a:p>
-            <a:pPr marL="0" indent="0">
-              <a:buNone/>
-            </a:pPr>
-            <a:r>
-              <a:rPr lang="en-US" dirty="0"/>
-              <a:t>Keywords: “Ecological modernization”, “treadmill of production”, “treadmill of destruction”, “social metabolism”, “ecological unequal exchange”, “risk society” </a:t>
-            </a:r>
-          </a:p>
-        </p:txBody>
-      </p:sp>
-      <p:sp>
-        <p:nvSpPr>
-          <p:cNvPr id="5" name="Content Placeholder 2">
-            <a:extLst>
-              <a:ext uri="{FF2B5EF4-FFF2-40B4-BE49-F238E27FC236}">
-                <a16:creationId xmlns:a16="http://schemas.microsoft.com/office/drawing/2014/main" id="{E5968520-2636-430C-9787-C631B7596CF1}"/>
-              </a:ext>
-            </a:extLst>
-          </p:cNvPr>
-          <p:cNvSpPr txBox="1">
-            <a:spLocks/>
-          </p:cNvSpPr>
-          <p:nvPr/>
-        </p:nvSpPr>
-        <p:spPr bwMode="auto">
-          <a:xfrm>
-            <a:off x="457200" y="3534752"/>
-            <a:ext cx="8229600" cy="484065"/>
-          </a:xfrm>
-          <a:prstGeom prst="rect">
-            <a:avLst/>
-          </a:prstGeom>
-          <a:noFill/>
-          <a:ln>
-            <a:noFill/>
-          </a:ln>
-          <a:extLst>
-            <a:ext uri="{909E8E84-426E-40DD-AFC4-6F175D3DCCD1}">
-              <a14:hiddenFill xmlns:a14="http://schemas.microsoft.com/office/drawing/2010/main">
-                <a:solidFill>
-                  <a:srgbClr val="FFFFFF"/>
-                </a:solidFill>
-              </a14:hiddenFill>
-            </a:ext>
-            <a:ext uri="{91240B29-F687-4F45-9708-019B960494DF}">
-              <a14:hiddenLine xmlns:a14="http://schemas.microsoft.com/office/drawing/2010/main" w="9525">
-                <a:solidFill>
-                  <a:srgbClr val="000000"/>
-                </a:solidFill>
-                <a:miter lim="800000"/>
-                <a:headEnd/>
-                <a:tailEnd/>
-              </a14:hiddenLine>
-            </a:ext>
-            <a:ext uri="{FAA26D3D-D897-4be2-8F04-BA451C77F1D7}">
-              <ma14:placeholderFlag xmlns:ma14="http://schemas.microsoft.com/office/mac/drawingml/2011/main" xmlns="" val="1"/>
-            </a:ext>
-          </a:extLst>
-        </p:spPr>
-        <p:txBody>
-          <a:bodyPr vert="horz" wrap="square" lIns="91440" tIns="45720" rIns="91440" bIns="45720" numCol="1" anchor="t" anchorCtr="0" compatLnSpc="1">
-            <a:prstTxWarp prst="textNoShape">
-              <a:avLst/>
-            </a:prstTxWarp>
-          </a:bodyPr>
-          <a:lstStyle>
-            <a:lvl1pPr marL="257175" indent="-257175" algn="l" defTabSz="342900" rtl="0" eaLnBrk="1" fontAlgn="base" hangingPunct="1">
-              <a:spcBef>
-                <a:spcPct val="20000"/>
-              </a:spcBef>
-              <a:spcAft>
-                <a:spcPct val="0"/>
-              </a:spcAft>
-              <a:buFont typeface="Arial" charset="0"/>
-              <a:buChar char="•"/>
-              <a:defRPr sz="1800" kern="1200">
-                <a:solidFill>
-                  <a:schemeClr val="tx1"/>
-                </a:solidFill>
-                <a:latin typeface="Arial"/>
-                <a:ea typeface="ＭＳ Ｐゴシック" charset="0"/>
-                <a:cs typeface="Arial"/>
-              </a:defRPr>
-            </a:lvl1pPr>
-            <a:lvl2pPr marL="557213" indent="-214313" algn="l" defTabSz="342900" rtl="0" eaLnBrk="1" fontAlgn="base" hangingPunct="1">
-              <a:spcBef>
-                <a:spcPct val="20000"/>
-              </a:spcBef>
-              <a:spcAft>
-                <a:spcPct val="0"/>
-              </a:spcAft>
-              <a:buFont typeface="Arial" charset="0"/>
-              <a:buChar char="–"/>
-              <a:defRPr sz="1800" kern="1200">
-                <a:solidFill>
-                  <a:schemeClr val="tx1"/>
-                </a:solidFill>
-                <a:latin typeface="Arial"/>
-                <a:ea typeface="ＭＳ Ｐゴシック" charset="0"/>
-                <a:cs typeface="Arial"/>
-              </a:defRPr>
-            </a:lvl2pPr>
-            <a:lvl3pPr marL="857250" indent="-171450" algn="l" defTabSz="342900" rtl="0" eaLnBrk="1" fontAlgn="base" hangingPunct="1">
-              <a:spcBef>
-                <a:spcPct val="20000"/>
-              </a:spcBef>
-              <a:spcAft>
-                <a:spcPct val="0"/>
-              </a:spcAft>
-              <a:buFont typeface="Arial" charset="0"/>
-              <a:buChar char="•"/>
-              <a:defRPr kern="1200">
-                <a:solidFill>
-                  <a:schemeClr val="tx1"/>
-                </a:solidFill>
-                <a:latin typeface="Arial"/>
-                <a:ea typeface="ＭＳ Ｐゴシック" charset="0"/>
-                <a:cs typeface="Arial"/>
-              </a:defRPr>
-            </a:lvl3pPr>
-            <a:lvl4pPr marL="1200150" indent="-171450" algn="l" defTabSz="342900" rtl="0" eaLnBrk="1" fontAlgn="base" hangingPunct="1">
-              <a:spcBef>
-                <a:spcPct val="20000"/>
-              </a:spcBef>
-              <a:spcAft>
-                <a:spcPct val="0"/>
-              </a:spcAft>
-              <a:buFont typeface="Arial" charset="0"/>
-              <a:buChar char="–"/>
-              <a:defRPr sz="1050" kern="1200">
-                <a:solidFill>
-                  <a:schemeClr val="tx1"/>
-                </a:solidFill>
-                <a:latin typeface="Arial"/>
-                <a:ea typeface="ＭＳ Ｐゴシック" charset="0"/>
-                <a:cs typeface="Arial"/>
-              </a:defRPr>
-            </a:lvl4pPr>
-            <a:lvl5pPr marL="1543050" indent="-171450" algn="l" defTabSz="342900" rtl="0" eaLnBrk="1" fontAlgn="base" hangingPunct="1">
-              <a:spcBef>
-                <a:spcPct val="20000"/>
-              </a:spcBef>
-              <a:spcAft>
-                <a:spcPct val="0"/>
-              </a:spcAft>
-              <a:buFont typeface="Arial" charset="0"/>
-              <a:buChar char="»"/>
-              <a:defRPr sz="750" kern="1200">
-                <a:solidFill>
-                  <a:schemeClr val="tx1"/>
-                </a:solidFill>
-                <a:latin typeface="Arial"/>
-                <a:ea typeface="ＭＳ Ｐゴシック" charset="0"/>
-                <a:cs typeface="Arial"/>
-              </a:defRPr>
-            </a:lvl5pPr>
-            <a:lvl6pPr marL="1885950" indent="-171450" algn="l" defTabSz="342900" rtl="0" eaLnBrk="1" latinLnBrk="0" hangingPunct="1">
-              <a:spcBef>
-                <a:spcPct val="20000"/>
-              </a:spcBef>
-              <a:buFont typeface="Arial"/>
-              <a:buChar char="•"/>
-              <a:defRPr sz="1500" kern="1200">
-                <a:solidFill>
-                  <a:schemeClr val="tx1"/>
-                </a:solidFill>
-                <a:latin typeface="+mn-lt"/>
-                <a:ea typeface="+mn-ea"/>
-                <a:cs typeface="+mn-cs"/>
-              </a:defRPr>
-            </a:lvl6pPr>
-            <a:lvl7pPr marL="2228850" indent="-171450" algn="l" defTabSz="342900" rtl="0" eaLnBrk="1" latinLnBrk="0" hangingPunct="1">
-              <a:spcBef>
-                <a:spcPct val="20000"/>
-              </a:spcBef>
-              <a:buFont typeface="Arial"/>
-              <a:buChar char="•"/>
-              <a:defRPr sz="1500" kern="1200">
-                <a:solidFill>
-                  <a:schemeClr val="tx1"/>
-                </a:solidFill>
-                <a:latin typeface="+mn-lt"/>
-                <a:ea typeface="+mn-ea"/>
-                <a:cs typeface="+mn-cs"/>
-              </a:defRPr>
-            </a:lvl7pPr>
-            <a:lvl8pPr marL="2571750" indent="-171450" algn="l" defTabSz="342900" rtl="0" eaLnBrk="1" latinLnBrk="0" hangingPunct="1">
-              <a:spcBef>
-                <a:spcPct val="20000"/>
-              </a:spcBef>
-              <a:buFont typeface="Arial"/>
-              <a:buChar char="•"/>
-              <a:defRPr sz="1500" kern="1200">
-                <a:solidFill>
-                  <a:schemeClr val="tx1"/>
-                </a:solidFill>
-                <a:latin typeface="+mn-lt"/>
-                <a:ea typeface="+mn-ea"/>
-                <a:cs typeface="+mn-cs"/>
-              </a:defRPr>
-            </a:lvl8pPr>
-            <a:lvl9pPr marL="2914650" indent="-171450" algn="l" defTabSz="342900" rtl="0" eaLnBrk="1" latinLnBrk="0" hangingPunct="1">
-              <a:spcBef>
-                <a:spcPct val="20000"/>
-              </a:spcBef>
-              <a:buFont typeface="Arial"/>
-              <a:buChar char="•"/>
-              <a:defRPr sz="1500" kern="1200">
-                <a:solidFill>
-                  <a:schemeClr val="tx1"/>
-                </a:solidFill>
-                <a:latin typeface="+mn-lt"/>
-                <a:ea typeface="+mn-ea"/>
-                <a:cs typeface="+mn-cs"/>
-              </a:defRPr>
-            </a:lvl9pPr>
-          </a:lstStyle>
-          <a:p>
-            <a:pPr marL="0" indent="0">
-              <a:buFont typeface="Arial" charset="0"/>
-              <a:buNone/>
-            </a:pPr>
-            <a:r>
-              <a:rPr lang="en-US" dirty="0"/>
-              <a:t>Journals: 20 in total, both within discipline and interdisciplinary </a:t>
-            </a:r>
-          </a:p>
-        </p:txBody>
-      </p:sp>
-    </p:spTree>
-    <p:extLst>
-      <p:ext uri="{BB962C8B-B14F-4D97-AF65-F5344CB8AC3E}">
-        <p14:creationId xmlns:p14="http://schemas.microsoft.com/office/powerpoint/2010/main" val="1226771764"/>
-      </p:ext>
-    </p:extLst>
-  </p:cSld>
-  <p:clrMapOvr>
-    <a:masterClrMapping/>
-  </p:clrMapOvr>
-</p:sld>
-</file>
-
-<file path=ppt/slides/slide8.xml><?xml version="1.0" encoding="utf-8"?>
-<p:sld xmlns:a="http://schemas.openxmlformats.org/drawingml/2006/main" xmlns:r="http://schemas.openxmlformats.org/officeDocument/2006/relationships" xmlns:p="http://schemas.openxmlformats.org/presentationml/2006/main">
-  <p:cSld>
-    <p:spTree>
-      <p:nvGrpSpPr>
-        <p:cNvPr id="1" name=""/>
-        <p:cNvGrpSpPr/>
-        <p:nvPr/>
-      </p:nvGrpSpPr>
-      <p:grpSpPr>
-        <a:xfrm>
-          <a:off x="0" y="0"/>
-          <a:ext cx="0" cy="0"/>
-          <a:chOff x="0" y="0"/>
-          <a:chExt cx="0" cy="0"/>
-        </a:xfrm>
-      </p:grpSpPr>
-      <p:sp>
-        <p:nvSpPr>
-          <p:cNvPr id="2" name="Title 1">
-            <a:extLst>
-              <a:ext uri="{FF2B5EF4-FFF2-40B4-BE49-F238E27FC236}">
-                <a16:creationId xmlns:a16="http://schemas.microsoft.com/office/drawing/2014/main" id="{F088BE2E-2070-4BC6-A56B-F5C06027E2E4}"/>
-              </a:ext>
-            </a:extLst>
-          </p:cNvPr>
-          <p:cNvSpPr>
-            <a:spLocks noGrp="1"/>
-          </p:cNvSpPr>
-          <p:nvPr>
-            <p:ph type="title"/>
-          </p:nvPr>
-        </p:nvSpPr>
-        <p:spPr/>
-        <p:txBody>
-          <a:bodyPr/>
-          <a:lstStyle/>
-          <a:p>
-            <a:r>
-              <a:rPr lang="en-US" dirty="0"/>
-              <a:t>Conducting your own literature review, Pt. 1</a:t>
-            </a:r>
-          </a:p>
-        </p:txBody>
-      </p:sp>
-      <p:sp>
-        <p:nvSpPr>
-          <p:cNvPr id="3" name="Content Placeholder 2">
-            <a:extLst>
-              <a:ext uri="{FF2B5EF4-FFF2-40B4-BE49-F238E27FC236}">
-                <a16:creationId xmlns:a16="http://schemas.microsoft.com/office/drawing/2014/main" id="{951E205D-7D7A-4188-8244-F44013279AC8}"/>
-              </a:ext>
-            </a:extLst>
-          </p:cNvPr>
-          <p:cNvSpPr>
-            <a:spLocks noGrp="1"/>
-          </p:cNvSpPr>
-          <p:nvPr>
-            <p:ph idx="1"/>
-          </p:nvPr>
-        </p:nvSpPr>
-        <p:spPr>
-          <a:xfrm>
-            <a:off x="1485900" y="3084187"/>
-            <a:ext cx="6172200" cy="801290"/>
-          </a:xfrm>
-        </p:spPr>
-        <p:txBody>
-          <a:bodyPr/>
-          <a:lstStyle/>
-          <a:p>
-            <a:pPr marL="0" indent="0">
-              <a:buNone/>
-            </a:pPr>
-            <a:r>
-              <a:rPr lang="en-US" dirty="0"/>
-              <a:t>What topics do you want to conduct a literature review on? </a:t>
-            </a:r>
-          </a:p>
-        </p:txBody>
-      </p:sp>
-      <p:sp>
-        <p:nvSpPr>
-          <p:cNvPr id="5" name="Content Placeholder 2">
-            <a:extLst>
-              <a:ext uri="{FF2B5EF4-FFF2-40B4-BE49-F238E27FC236}">
-                <a16:creationId xmlns:a16="http://schemas.microsoft.com/office/drawing/2014/main" id="{09CA6B60-23B3-4714-BB8B-12713E94DD84}"/>
-              </a:ext>
-            </a:extLst>
-          </p:cNvPr>
-          <p:cNvSpPr txBox="1">
-            <a:spLocks/>
-          </p:cNvSpPr>
-          <p:nvPr/>
-        </p:nvSpPr>
-        <p:spPr bwMode="auto">
-          <a:xfrm>
-            <a:off x="1485900" y="2266950"/>
-            <a:ext cx="6415454" cy="801290"/>
-          </a:xfrm>
-          <a:prstGeom prst="rect">
-            <a:avLst/>
-          </a:prstGeom>
-          <a:noFill/>
-          <a:ln>
-            <a:noFill/>
-          </a:ln>
-          <a:extLst>
-            <a:ext uri="{909E8E84-426E-40DD-AFC4-6F175D3DCCD1}">
-              <a14:hiddenFill xmlns:a14="http://schemas.microsoft.com/office/drawing/2010/main">
-                <a:solidFill>
-                  <a:srgbClr val="FFFFFF"/>
-                </a:solidFill>
-              </a14:hiddenFill>
-            </a:ext>
-            <a:ext uri="{91240B29-F687-4F45-9708-019B960494DF}">
-              <a14:hiddenLine xmlns:a14="http://schemas.microsoft.com/office/drawing/2010/main" w="9525">
-                <a:solidFill>
-                  <a:srgbClr val="000000"/>
-                </a:solidFill>
-                <a:miter lim="800000"/>
-                <a:headEnd/>
-                <a:tailEnd/>
-              </a14:hiddenLine>
-            </a:ext>
-            <a:ext uri="{FAA26D3D-D897-4be2-8F04-BA451C77F1D7}">
-              <ma14:placeholderFlag xmlns:ma14="http://schemas.microsoft.com/office/mac/drawingml/2011/main" xmlns="" val="1"/>
-            </a:ext>
-          </a:extLst>
-        </p:spPr>
-        <p:txBody>
-          <a:bodyPr vert="horz" wrap="square" lIns="91440" tIns="45720" rIns="91440" bIns="45720" numCol="1" anchor="t" anchorCtr="0" compatLnSpc="1">
-            <a:prstTxWarp prst="textNoShape">
-              <a:avLst/>
-            </a:prstTxWarp>
-          </a:bodyPr>
-          <a:lstStyle>
-            <a:lvl1pPr marL="257175" indent="-257175" algn="l" defTabSz="342900" rtl="0" eaLnBrk="1" fontAlgn="base" hangingPunct="1">
-              <a:spcBef>
-                <a:spcPct val="20000"/>
-              </a:spcBef>
-              <a:spcAft>
-                <a:spcPct val="0"/>
-              </a:spcAft>
-              <a:buFont typeface="Arial" charset="0"/>
-              <a:buChar char="•"/>
-              <a:defRPr sz="1800" kern="1200">
-                <a:solidFill>
-                  <a:schemeClr val="tx1"/>
-                </a:solidFill>
-                <a:latin typeface="Arial"/>
-                <a:ea typeface="ＭＳ Ｐゴシック" charset="0"/>
-                <a:cs typeface="Arial"/>
-              </a:defRPr>
-            </a:lvl1pPr>
-            <a:lvl2pPr marL="557213" indent="-214313" algn="l" defTabSz="342900" rtl="0" eaLnBrk="1" fontAlgn="base" hangingPunct="1">
-              <a:spcBef>
-                <a:spcPct val="20000"/>
-              </a:spcBef>
-              <a:spcAft>
-                <a:spcPct val="0"/>
-              </a:spcAft>
-              <a:buFont typeface="Arial" charset="0"/>
-              <a:buChar char="–"/>
-              <a:defRPr sz="1800" kern="1200">
-                <a:solidFill>
-                  <a:schemeClr val="tx1"/>
-                </a:solidFill>
-                <a:latin typeface="Arial"/>
-                <a:ea typeface="ＭＳ Ｐゴシック" charset="0"/>
-                <a:cs typeface="Arial"/>
-              </a:defRPr>
-            </a:lvl2pPr>
-            <a:lvl3pPr marL="857250" indent="-171450" algn="l" defTabSz="342900" rtl="0" eaLnBrk="1" fontAlgn="base" hangingPunct="1">
-              <a:spcBef>
-                <a:spcPct val="20000"/>
-              </a:spcBef>
-              <a:spcAft>
-                <a:spcPct val="0"/>
-              </a:spcAft>
-              <a:buFont typeface="Arial" charset="0"/>
-              <a:buChar char="•"/>
-              <a:defRPr kern="1200">
-                <a:solidFill>
-                  <a:schemeClr val="tx1"/>
-                </a:solidFill>
-                <a:latin typeface="Arial"/>
-                <a:ea typeface="ＭＳ Ｐゴシック" charset="0"/>
-                <a:cs typeface="Arial"/>
-              </a:defRPr>
-            </a:lvl3pPr>
-            <a:lvl4pPr marL="1200150" indent="-171450" algn="l" defTabSz="342900" rtl="0" eaLnBrk="1" fontAlgn="base" hangingPunct="1">
-              <a:spcBef>
-                <a:spcPct val="20000"/>
-              </a:spcBef>
-              <a:spcAft>
-                <a:spcPct val="0"/>
-              </a:spcAft>
-              <a:buFont typeface="Arial" charset="0"/>
-              <a:buChar char="–"/>
-              <a:defRPr sz="1050" kern="1200">
-                <a:solidFill>
-                  <a:schemeClr val="tx1"/>
-                </a:solidFill>
-                <a:latin typeface="Arial"/>
-                <a:ea typeface="ＭＳ Ｐゴシック" charset="0"/>
-                <a:cs typeface="Arial"/>
-              </a:defRPr>
-            </a:lvl4pPr>
-            <a:lvl5pPr marL="1543050" indent="-171450" algn="l" defTabSz="342900" rtl="0" eaLnBrk="1" fontAlgn="base" hangingPunct="1">
-              <a:spcBef>
-                <a:spcPct val="20000"/>
-              </a:spcBef>
-              <a:spcAft>
-                <a:spcPct val="0"/>
-              </a:spcAft>
-              <a:buFont typeface="Arial" charset="0"/>
-              <a:buChar char="»"/>
-              <a:defRPr sz="750" kern="1200">
-                <a:solidFill>
-                  <a:schemeClr val="tx1"/>
-                </a:solidFill>
-                <a:latin typeface="Arial"/>
-                <a:ea typeface="ＭＳ Ｐゴシック" charset="0"/>
-                <a:cs typeface="Arial"/>
-              </a:defRPr>
-            </a:lvl5pPr>
-            <a:lvl6pPr marL="1885950" indent="-171450" algn="l" defTabSz="342900" rtl="0" eaLnBrk="1" latinLnBrk="0" hangingPunct="1">
-              <a:spcBef>
-                <a:spcPct val="20000"/>
-              </a:spcBef>
-              <a:buFont typeface="Arial"/>
-              <a:buChar char="•"/>
-              <a:defRPr sz="1500" kern="1200">
-                <a:solidFill>
-                  <a:schemeClr val="tx1"/>
-                </a:solidFill>
-                <a:latin typeface="+mn-lt"/>
-                <a:ea typeface="+mn-ea"/>
-                <a:cs typeface="+mn-cs"/>
-              </a:defRPr>
-            </a:lvl6pPr>
-            <a:lvl7pPr marL="2228850" indent="-171450" algn="l" defTabSz="342900" rtl="0" eaLnBrk="1" latinLnBrk="0" hangingPunct="1">
-              <a:spcBef>
-                <a:spcPct val="20000"/>
-              </a:spcBef>
-              <a:buFont typeface="Arial"/>
-              <a:buChar char="•"/>
-              <a:defRPr sz="1500" kern="1200">
-                <a:solidFill>
-                  <a:schemeClr val="tx1"/>
-                </a:solidFill>
-                <a:latin typeface="+mn-lt"/>
-                <a:ea typeface="+mn-ea"/>
-                <a:cs typeface="+mn-cs"/>
-              </a:defRPr>
-            </a:lvl7pPr>
-            <a:lvl8pPr marL="2571750" indent="-171450" algn="l" defTabSz="342900" rtl="0" eaLnBrk="1" latinLnBrk="0" hangingPunct="1">
-              <a:spcBef>
-                <a:spcPct val="20000"/>
-              </a:spcBef>
-              <a:buFont typeface="Arial"/>
-              <a:buChar char="•"/>
-              <a:defRPr sz="1500" kern="1200">
-                <a:solidFill>
-                  <a:schemeClr val="tx1"/>
-                </a:solidFill>
-                <a:latin typeface="+mn-lt"/>
-                <a:ea typeface="+mn-ea"/>
-                <a:cs typeface="+mn-cs"/>
-              </a:defRPr>
-            </a:lvl8pPr>
-            <a:lvl9pPr marL="2914650" indent="-171450" algn="l" defTabSz="342900" rtl="0" eaLnBrk="1" latinLnBrk="0" hangingPunct="1">
-              <a:spcBef>
-                <a:spcPct val="20000"/>
-              </a:spcBef>
-              <a:buFont typeface="Arial"/>
-              <a:buChar char="•"/>
-              <a:defRPr sz="1500" kern="1200">
-                <a:solidFill>
-                  <a:schemeClr val="tx1"/>
-                </a:solidFill>
-                <a:latin typeface="+mn-lt"/>
-                <a:ea typeface="+mn-ea"/>
-                <a:cs typeface="+mn-cs"/>
-              </a:defRPr>
-            </a:lvl9pPr>
-          </a:lstStyle>
-          <a:p>
-            <a:pPr marL="0" indent="0">
-              <a:buFont typeface="Arial" charset="0"/>
-              <a:buNone/>
-            </a:pPr>
-            <a:r>
-              <a:rPr lang="en-US" dirty="0"/>
-              <a:t>What keywords are you using? How can you refine your keywords? </a:t>
-            </a:r>
-          </a:p>
-        </p:txBody>
-      </p:sp>
-    </p:spTree>
-    <p:extLst>
-      <p:ext uri="{BB962C8B-B14F-4D97-AF65-F5344CB8AC3E}">
-        <p14:creationId xmlns:p14="http://schemas.microsoft.com/office/powerpoint/2010/main" val="4224090069"/>
-      </p:ext>
-    </p:extLst>
-  </p:cSld>
-  <p:clrMapOvr>
-    <a:masterClrMapping/>
-  </p:clrMapOvr>
-</p:sld>
-</file>
-
-<file path=ppt/slides/slide9.xml><?xml version="1.0" encoding="utf-8"?>
-<p:sld xmlns:a="http://schemas.openxmlformats.org/drawingml/2006/main" xmlns:r="http://schemas.openxmlformats.org/officeDocument/2006/relationships" xmlns:p="http://schemas.openxmlformats.org/presentationml/2006/main">
-  <p:cSld>
-    <p:spTree>
-      <p:nvGrpSpPr>
-        <p:cNvPr id="1" name=""/>
-        <p:cNvGrpSpPr/>
-        <p:nvPr/>
-      </p:nvGrpSpPr>
-      <p:grpSpPr>
-        <a:xfrm>
-          <a:off x="0" y="0"/>
-          <a:ext cx="0" cy="0"/>
-          <a:chOff x="0" y="0"/>
-          <a:chExt cx="0" cy="0"/>
-        </a:xfrm>
-      </p:grpSpPr>
-      <p:sp>
-        <p:nvSpPr>
-          <p:cNvPr id="2049" name="Title 1"/>
-          <p:cNvSpPr>
-            <a:spLocks noGrp="1"/>
-          </p:cNvSpPr>
-          <p:nvPr>
-            <p:ph type="ctrTitle"/>
-          </p:nvPr>
-        </p:nvSpPr>
-        <p:spPr/>
-        <p:txBody>
-          <a:bodyPr/>
-          <a:lstStyle/>
-          <a:p>
-            <a:r>
-              <a:rPr lang="en-US" b="0" dirty="0"/>
-              <a:t>Strategies for Organizing </a:t>
-            </a:r>
-            <a:br>
-              <a:rPr lang="en-US" b="0" dirty="0"/>
-            </a:br>
-            <a:r>
-              <a:rPr lang="en-US" b="0" dirty="0"/>
-              <a:t>and </a:t>
-            </a:r>
-            <a:br>
-              <a:rPr lang="en-US" b="0" dirty="0"/>
-            </a:br>
-            <a:r>
-              <a:rPr lang="en-US" b="0" dirty="0"/>
-              <a:t>Writing a Literature Review </a:t>
-            </a:r>
-            <a:endParaRPr lang="en-US" dirty="0">
-              <a:latin typeface="Arial" charset="0"/>
-            </a:endParaRPr>
-          </a:p>
-        </p:txBody>
-      </p:sp>
-      <p:sp>
-        <p:nvSpPr>
-          <p:cNvPr id="3" name="Subtitle 2"/>
-          <p:cNvSpPr>
-            <a:spLocks noGrp="1"/>
-          </p:cNvSpPr>
-          <p:nvPr>
-            <p:ph type="subTitle" idx="1"/>
-          </p:nvPr>
-        </p:nvSpPr>
-        <p:spPr/>
-        <p:txBody>
-          <a:bodyPr rtlCol="0">
-            <a:normAutofit/>
-          </a:bodyPr>
-          <a:lstStyle/>
-          <a:p>
-            <a:pPr fontAlgn="auto">
-              <a:spcAft>
-                <a:spcPts val="0"/>
-              </a:spcAft>
-              <a:defRPr/>
-            </a:pPr>
-            <a:r>
-              <a:rPr lang="es-MX" dirty="0">
-                <a:ea typeface="+mn-ea"/>
-              </a:rPr>
-              <a:t>Andrew R. Smolski and Shaun Bennet</a:t>
-            </a:r>
-            <a:endParaRPr lang="en-US" dirty="0">
-              <a:ea typeface="+mn-ea"/>
-            </a:endParaRPr>
-          </a:p>
-        </p:txBody>
-      </p:sp>
-    </p:spTree>
-    <p:extLst>
-      <p:ext uri="{BB962C8B-B14F-4D97-AF65-F5344CB8AC3E}">
-        <p14:creationId xmlns:p14="http://schemas.microsoft.com/office/powerpoint/2010/main" val="709903313"/>
-      </p:ext>
-    </p:extLst>
-  </p:cSld>
-  <p:clrMapOvr>
-    <a:masterClrMapping/>
-  </p:clrMapOvr>
 </p:sld>
 </file>
 
